--- a/Solving 8-Queens Problem using ROBDD.pptx
+++ b/Solving 8-Queens Problem using ROBDD.pptx
@@ -1,24 +1,27 @@
 
 <file path=ppt/presentation.xml><?xml version="1.0" encoding="utf-8"?>
-<p:presentation xmlns:a="http://schemas.openxmlformats.org/drawingml/2006/main" xmlns:r="http://schemas.openxmlformats.org/officeDocument/2006/relationships" xmlns:p="http://schemas.openxmlformats.org/presentationml/2006/main" autoCompressPictures="0">
+<p:presentation xmlns:a="http://schemas.openxmlformats.org/drawingml/2006/main" xmlns:r="http://schemas.openxmlformats.org/officeDocument/2006/relationships" xmlns:p="http://schemas.openxmlformats.org/presentationml/2006/main" showSpecialPlsOnTitleSld="0" autoCompressPictures="0">
   <p:sldMasterIdLst>
     <p:sldMasterId id="2147483648" r:id="rId1"/>
   </p:sldMasterIdLst>
+  <p:notesMasterIdLst>
+    <p:notesMasterId r:id="rId31"/>
+  </p:notesMasterIdLst>
   <p:sldIdLst>
     <p:sldId id="256" r:id="rId2"/>
     <p:sldId id="257" r:id="rId3"/>
     <p:sldId id="259" r:id="rId4"/>
     <p:sldId id="258" r:id="rId5"/>
-    <p:sldId id="260" r:id="rId6"/>
-    <p:sldId id="261" r:id="rId7"/>
-    <p:sldId id="262" r:id="rId8"/>
-    <p:sldId id="263" r:id="rId9"/>
-    <p:sldId id="264" r:id="rId10"/>
-    <p:sldId id="266" r:id="rId11"/>
-    <p:sldId id="267" r:id="rId12"/>
-    <p:sldId id="268" r:id="rId13"/>
-    <p:sldId id="269" r:id="rId14"/>
-    <p:sldId id="270" r:id="rId15"/>
+    <p:sldId id="266" r:id="rId6"/>
+    <p:sldId id="267" r:id="rId7"/>
+    <p:sldId id="268" r:id="rId8"/>
+    <p:sldId id="269" r:id="rId9"/>
+    <p:sldId id="270" r:id="rId10"/>
+    <p:sldId id="260" r:id="rId11"/>
+    <p:sldId id="261" r:id="rId12"/>
+    <p:sldId id="262" r:id="rId13"/>
+    <p:sldId id="263" r:id="rId14"/>
+    <p:sldId id="264" r:id="rId15"/>
     <p:sldId id="271" r:id="rId16"/>
     <p:sldId id="272" r:id="rId17"/>
     <p:sldId id="273" r:id="rId18"/>
@@ -140,6 +143,356 @@
 </p:presentation>
 </file>
 
+<file path=ppt/notesMasters/notesMaster1.xml><?xml version="1.0" encoding="utf-8"?>
+<p:notesMaster xmlns:a="http://schemas.openxmlformats.org/drawingml/2006/main" xmlns:r="http://schemas.openxmlformats.org/officeDocument/2006/relationships" xmlns:p="http://schemas.openxmlformats.org/presentationml/2006/main">
+  <p:cSld>
+    <p:bg>
+      <p:bgRef idx="1001">
+        <a:schemeClr val="bg1"/>
+      </p:bgRef>
+    </p:bg>
+    <p:spTree>
+      <p:nvGrpSpPr>
+        <p:cNvPr id="1" name=""/>
+        <p:cNvGrpSpPr/>
+        <p:nvPr/>
+      </p:nvGrpSpPr>
+      <p:grpSpPr>
+        <a:xfrm>
+          <a:off x="0" y="0"/>
+          <a:ext cx="0" cy="0"/>
+          <a:chOff x="0" y="0"/>
+          <a:chExt cx="0" cy="0"/>
+        </a:xfrm>
+      </p:grpSpPr>
+      <p:sp>
+        <p:nvSpPr>
+          <p:cNvPr id="2" name="Header Placeholder 1"/>
+          <p:cNvSpPr>
+            <a:spLocks noGrp="1"/>
+          </p:cNvSpPr>
+          <p:nvPr>
+            <p:ph type="hdr" sz="quarter"/>
+          </p:nvPr>
+        </p:nvSpPr>
+        <p:spPr>
+          <a:xfrm>
+            <a:off x="0" y="0"/>
+            <a:ext cx="2971800" cy="458788"/>
+          </a:xfrm>
+          <a:prstGeom prst="rect">
+            <a:avLst/>
+          </a:prstGeom>
+        </p:spPr>
+        <p:txBody>
+          <a:bodyPr vert="horz" lIns="91440" tIns="45720" rIns="91440" bIns="45720" rtlCol="0"/>
+          <a:lstStyle>
+            <a:lvl1pPr algn="l">
+              <a:defRPr sz="1200"/>
+            </a:lvl1pPr>
+          </a:lstStyle>
+          <a:p>
+            <a:endParaRPr lang="en-US"/>
+          </a:p>
+        </p:txBody>
+      </p:sp>
+      <p:sp>
+        <p:nvSpPr>
+          <p:cNvPr id="3" name="Date Placeholder 2"/>
+          <p:cNvSpPr>
+            <a:spLocks noGrp="1"/>
+          </p:cNvSpPr>
+          <p:nvPr>
+            <p:ph type="dt" idx="1"/>
+          </p:nvPr>
+        </p:nvSpPr>
+        <p:spPr>
+          <a:xfrm>
+            <a:off x="3884613" y="0"/>
+            <a:ext cx="2971800" cy="458788"/>
+          </a:xfrm>
+          <a:prstGeom prst="rect">
+            <a:avLst/>
+          </a:prstGeom>
+        </p:spPr>
+        <p:txBody>
+          <a:bodyPr vert="horz" lIns="91440" tIns="45720" rIns="91440" bIns="45720" rtlCol="0"/>
+          <a:lstStyle>
+            <a:lvl1pPr algn="r">
+              <a:defRPr sz="1200"/>
+            </a:lvl1pPr>
+          </a:lstStyle>
+          <a:p>
+            <a:fld id="{52366103-0578-4C92-92F9-9A92F3519F8B}" type="datetimeFigureOut">
+              <a:rPr lang="en-US" smtClean="0"/>
+              <a:t>12/24/2024</a:t>
+            </a:fld>
+            <a:endParaRPr lang="en-US"/>
+          </a:p>
+        </p:txBody>
+      </p:sp>
+      <p:sp>
+        <p:nvSpPr>
+          <p:cNvPr id="4" name="Slide Image Placeholder 3"/>
+          <p:cNvSpPr>
+            <a:spLocks noGrp="1" noRot="1" noChangeAspect="1"/>
+          </p:cNvSpPr>
+          <p:nvPr>
+            <p:ph type="sldImg" idx="2"/>
+          </p:nvPr>
+        </p:nvSpPr>
+        <p:spPr>
+          <a:xfrm>
+            <a:off x="685800" y="1143000"/>
+            <a:ext cx="5486400" cy="3086100"/>
+          </a:xfrm>
+          <a:prstGeom prst="rect">
+            <a:avLst/>
+          </a:prstGeom>
+          <a:noFill/>
+          <a:ln w="12700">
+            <a:solidFill>
+              <a:prstClr val="black"/>
+            </a:solidFill>
+          </a:ln>
+        </p:spPr>
+        <p:txBody>
+          <a:bodyPr vert="horz" lIns="91440" tIns="45720" rIns="91440" bIns="45720" rtlCol="0" anchor="ctr"/>
+          <a:lstStyle/>
+          <a:p>
+            <a:endParaRPr lang="en-US"/>
+          </a:p>
+        </p:txBody>
+      </p:sp>
+      <p:sp>
+        <p:nvSpPr>
+          <p:cNvPr id="5" name="Notes Placeholder 4"/>
+          <p:cNvSpPr>
+            <a:spLocks noGrp="1"/>
+          </p:cNvSpPr>
+          <p:nvPr>
+            <p:ph type="body" sz="quarter" idx="3"/>
+          </p:nvPr>
+        </p:nvSpPr>
+        <p:spPr>
+          <a:xfrm>
+            <a:off x="685800" y="4400550"/>
+            <a:ext cx="5486400" cy="3600450"/>
+          </a:xfrm>
+          <a:prstGeom prst="rect">
+            <a:avLst/>
+          </a:prstGeom>
+        </p:spPr>
+        <p:txBody>
+          <a:bodyPr vert="horz" lIns="91440" tIns="45720" rIns="91440" bIns="45720" rtlCol="0"/>
+          <a:lstStyle/>
+          <a:p>
+            <a:pPr lvl="0"/>
+            <a:r>
+              <a:rPr lang="en-US" smtClean="0"/>
+              <a:t>Edit Master text styles</a:t>
+            </a:r>
+          </a:p>
+          <a:p>
+            <a:pPr lvl="1"/>
+            <a:r>
+              <a:rPr lang="en-US" smtClean="0"/>
+              <a:t>Second level</a:t>
+            </a:r>
+          </a:p>
+          <a:p>
+            <a:pPr lvl="2"/>
+            <a:r>
+              <a:rPr lang="en-US" smtClean="0"/>
+              <a:t>Third level</a:t>
+            </a:r>
+          </a:p>
+          <a:p>
+            <a:pPr lvl="3"/>
+            <a:r>
+              <a:rPr lang="en-US" smtClean="0"/>
+              <a:t>Fourth level</a:t>
+            </a:r>
+          </a:p>
+          <a:p>
+            <a:pPr lvl="4"/>
+            <a:r>
+              <a:rPr lang="en-US" smtClean="0"/>
+              <a:t>Fifth level</a:t>
+            </a:r>
+            <a:endParaRPr lang="en-US"/>
+          </a:p>
+        </p:txBody>
+      </p:sp>
+      <p:sp>
+        <p:nvSpPr>
+          <p:cNvPr id="6" name="Footer Placeholder 5"/>
+          <p:cNvSpPr>
+            <a:spLocks noGrp="1"/>
+          </p:cNvSpPr>
+          <p:nvPr>
+            <p:ph type="ftr" sz="quarter" idx="4"/>
+          </p:nvPr>
+        </p:nvSpPr>
+        <p:spPr>
+          <a:xfrm>
+            <a:off x="0" y="8685213"/>
+            <a:ext cx="2971800" cy="458787"/>
+          </a:xfrm>
+          <a:prstGeom prst="rect">
+            <a:avLst/>
+          </a:prstGeom>
+        </p:spPr>
+        <p:txBody>
+          <a:bodyPr vert="horz" lIns="91440" tIns="45720" rIns="91440" bIns="45720" rtlCol="0" anchor="b"/>
+          <a:lstStyle>
+            <a:lvl1pPr algn="l">
+              <a:defRPr sz="1200"/>
+            </a:lvl1pPr>
+          </a:lstStyle>
+          <a:p>
+            <a:endParaRPr lang="en-US"/>
+          </a:p>
+        </p:txBody>
+      </p:sp>
+      <p:sp>
+        <p:nvSpPr>
+          <p:cNvPr id="7" name="Slide Number Placeholder 6"/>
+          <p:cNvSpPr>
+            <a:spLocks noGrp="1"/>
+          </p:cNvSpPr>
+          <p:nvPr>
+            <p:ph type="sldNum" sz="quarter" idx="5"/>
+          </p:nvPr>
+        </p:nvSpPr>
+        <p:spPr>
+          <a:xfrm>
+            <a:off x="3884613" y="8685213"/>
+            <a:ext cx="2971800" cy="458787"/>
+          </a:xfrm>
+          <a:prstGeom prst="rect">
+            <a:avLst/>
+          </a:prstGeom>
+        </p:spPr>
+        <p:txBody>
+          <a:bodyPr vert="horz" lIns="91440" tIns="45720" rIns="91440" bIns="45720" rtlCol="0" anchor="b"/>
+          <a:lstStyle>
+            <a:lvl1pPr algn="r">
+              <a:defRPr sz="1200"/>
+            </a:lvl1pPr>
+          </a:lstStyle>
+          <a:p>
+            <a:fld id="{0C239383-43CB-4631-8D0F-AD6983F52AF2}" type="slidenum">
+              <a:rPr lang="en-US" smtClean="0"/>
+              <a:t>‹#›</a:t>
+            </a:fld>
+            <a:endParaRPr lang="en-US"/>
+          </a:p>
+        </p:txBody>
+      </p:sp>
+    </p:spTree>
+    <p:extLst>
+      <p:ext uri="{BB962C8B-B14F-4D97-AF65-F5344CB8AC3E}">
+        <p14:creationId xmlns:p14="http://schemas.microsoft.com/office/powerpoint/2010/main" val="1449865787"/>
+      </p:ext>
+    </p:extLst>
+  </p:cSld>
+  <p:clrMap bg1="lt1" tx1="dk1" bg2="lt2" tx2="dk2" accent1="accent1" accent2="accent2" accent3="accent3" accent4="accent4" accent5="accent5" accent6="accent6" hlink="hlink" folHlink="folHlink"/>
+  <p:notesStyle>
+    <a:lvl1pPr marL="0" algn="l" defTabSz="914400" rtl="0" eaLnBrk="1" latinLnBrk="0" hangingPunct="1">
+      <a:defRPr sz="1200" kern="1200">
+        <a:solidFill>
+          <a:schemeClr val="tx1"/>
+        </a:solidFill>
+        <a:latin typeface="+mn-lt"/>
+        <a:ea typeface="+mn-ea"/>
+        <a:cs typeface="+mn-cs"/>
+      </a:defRPr>
+    </a:lvl1pPr>
+    <a:lvl2pPr marL="457200" algn="l" defTabSz="914400" rtl="0" eaLnBrk="1" latinLnBrk="0" hangingPunct="1">
+      <a:defRPr sz="1200" kern="1200">
+        <a:solidFill>
+          <a:schemeClr val="tx1"/>
+        </a:solidFill>
+        <a:latin typeface="+mn-lt"/>
+        <a:ea typeface="+mn-ea"/>
+        <a:cs typeface="+mn-cs"/>
+      </a:defRPr>
+    </a:lvl2pPr>
+    <a:lvl3pPr marL="914400" algn="l" defTabSz="914400" rtl="0" eaLnBrk="1" latinLnBrk="0" hangingPunct="1">
+      <a:defRPr sz="1200" kern="1200">
+        <a:solidFill>
+          <a:schemeClr val="tx1"/>
+        </a:solidFill>
+        <a:latin typeface="+mn-lt"/>
+        <a:ea typeface="+mn-ea"/>
+        <a:cs typeface="+mn-cs"/>
+      </a:defRPr>
+    </a:lvl3pPr>
+    <a:lvl4pPr marL="1371600" algn="l" defTabSz="914400" rtl="0" eaLnBrk="1" latinLnBrk="0" hangingPunct="1">
+      <a:defRPr sz="1200" kern="1200">
+        <a:solidFill>
+          <a:schemeClr val="tx1"/>
+        </a:solidFill>
+        <a:latin typeface="+mn-lt"/>
+        <a:ea typeface="+mn-ea"/>
+        <a:cs typeface="+mn-cs"/>
+      </a:defRPr>
+    </a:lvl4pPr>
+    <a:lvl5pPr marL="1828800" algn="l" defTabSz="914400" rtl="0" eaLnBrk="1" latinLnBrk="0" hangingPunct="1">
+      <a:defRPr sz="1200" kern="1200">
+        <a:solidFill>
+          <a:schemeClr val="tx1"/>
+        </a:solidFill>
+        <a:latin typeface="+mn-lt"/>
+        <a:ea typeface="+mn-ea"/>
+        <a:cs typeface="+mn-cs"/>
+      </a:defRPr>
+    </a:lvl5pPr>
+    <a:lvl6pPr marL="2286000" algn="l" defTabSz="914400" rtl="0" eaLnBrk="1" latinLnBrk="0" hangingPunct="1">
+      <a:defRPr sz="1200" kern="1200">
+        <a:solidFill>
+          <a:schemeClr val="tx1"/>
+        </a:solidFill>
+        <a:latin typeface="+mn-lt"/>
+        <a:ea typeface="+mn-ea"/>
+        <a:cs typeface="+mn-cs"/>
+      </a:defRPr>
+    </a:lvl6pPr>
+    <a:lvl7pPr marL="2743200" algn="l" defTabSz="914400" rtl="0" eaLnBrk="1" latinLnBrk="0" hangingPunct="1">
+      <a:defRPr sz="1200" kern="1200">
+        <a:solidFill>
+          <a:schemeClr val="tx1"/>
+        </a:solidFill>
+        <a:latin typeface="+mn-lt"/>
+        <a:ea typeface="+mn-ea"/>
+        <a:cs typeface="+mn-cs"/>
+      </a:defRPr>
+    </a:lvl7pPr>
+    <a:lvl8pPr marL="3200400" algn="l" defTabSz="914400" rtl="0" eaLnBrk="1" latinLnBrk="0" hangingPunct="1">
+      <a:defRPr sz="1200" kern="1200">
+        <a:solidFill>
+          <a:schemeClr val="tx1"/>
+        </a:solidFill>
+        <a:latin typeface="+mn-lt"/>
+        <a:ea typeface="+mn-ea"/>
+        <a:cs typeface="+mn-cs"/>
+      </a:defRPr>
+    </a:lvl8pPr>
+    <a:lvl9pPr marL="3657600" algn="l" defTabSz="914400" rtl="0" eaLnBrk="1" latinLnBrk="0" hangingPunct="1">
+      <a:defRPr sz="1200" kern="1200">
+        <a:solidFill>
+          <a:schemeClr val="tx1"/>
+        </a:solidFill>
+        <a:latin typeface="+mn-lt"/>
+        <a:ea typeface="+mn-ea"/>
+        <a:cs typeface="+mn-cs"/>
+      </a:defRPr>
+    </a:lvl9pPr>
+  </p:notesStyle>
+</p:notesMaster>
+</file>
+
 <file path=ppt/slideLayouts/slideLayout1.xml><?xml version="1.0" encoding="utf-8"?>
 <p:sldLayout xmlns:a="http://schemas.openxmlformats.org/drawingml/2006/main" xmlns:r="http://schemas.openxmlformats.org/officeDocument/2006/relationships" xmlns:p="http://schemas.openxmlformats.org/presentationml/2006/main" showMasterSp="0" type="title" preserve="1">
   <p:cSld name="Title Slide">
@@ -290,9 +643,9 @@
             </a:lvl1pPr>
           </a:lstStyle>
           <a:p>
-            <a:fld id="{6AD6EE87-EBD5-4F12-A48A-63ACA297AC8F}" type="datetimeFigureOut">
-              <a:rPr lang="en-US" dirty="0"/>
-              <a:t>12/21/2024</a:t>
+            <a:fld id="{E937D2A2-FFCB-4C48-B5C2-F4B02C254D7A}" type="datetime1">
+              <a:rPr lang="en-US" smtClean="0"/>
+              <a:t>12/24/2024</a:t>
             </a:fld>
             <a:endParaRPr lang="en-US" dirty="0"/>
           </a:p>
@@ -313,6 +666,10 @@
           <a:bodyPr/>
           <a:lstStyle/>
           <a:p>
+            <a:r>
+              <a:rPr lang="en-US" smtClean="0"/>
+              <a:t>Sabbir Mahmud Afridi</a:t>
+            </a:r>
             <a:endParaRPr lang="en-US" dirty="0"/>
           </a:p>
         </p:txBody>
@@ -541,9 +898,9 @@
           <a:bodyPr/>
           <a:lstStyle/>
           <a:p>
-            <a:fld id="{4CD73815-2707-4475-8F1A-B873CB631BB4}" type="datetimeFigureOut">
-              <a:rPr lang="en-US" dirty="0"/>
-              <a:t>12/21/2024</a:t>
+            <a:fld id="{4EC04C1B-A4CE-44F6-8333-A1A0116CC620}" type="datetime1">
+              <a:rPr lang="en-US" smtClean="0"/>
+              <a:t>12/24/2024</a:t>
             </a:fld>
             <a:endParaRPr lang="en-US" dirty="0"/>
           </a:p>
@@ -564,6 +921,10 @@
           <a:bodyPr/>
           <a:lstStyle/>
           <a:p>
+            <a:r>
+              <a:rPr lang="en-US" smtClean="0"/>
+              <a:t>Sabbir Mahmud Afridi</a:t>
+            </a:r>
             <a:endParaRPr lang="en-US" dirty="0"/>
           </a:p>
         </p:txBody>
@@ -719,9 +1080,9 @@
           <a:bodyPr/>
           <a:lstStyle/>
           <a:p>
-            <a:fld id="{2A4AFB99-0EAB-4182-AFF8-E214C82A68F6}" type="datetimeFigureOut">
-              <a:rPr lang="en-US" dirty="0"/>
-              <a:t>12/21/2024</a:t>
+            <a:fld id="{21DE3FB7-20CE-4DF4-9AE0-E3C36ECF3B4D}" type="datetime1">
+              <a:rPr lang="en-US" smtClean="0"/>
+              <a:t>12/24/2024</a:t>
             </a:fld>
             <a:endParaRPr lang="en-US" dirty="0"/>
           </a:p>
@@ -742,6 +1103,10 @@
           <a:bodyPr/>
           <a:lstStyle/>
           <a:p>
+            <a:r>
+              <a:rPr lang="en-US" smtClean="0"/>
+              <a:t>Sabbir Mahmud Afridi</a:t>
+            </a:r>
             <a:endParaRPr lang="en-US" dirty="0"/>
           </a:p>
         </p:txBody>
@@ -922,9 +1287,9 @@
           <a:bodyPr/>
           <a:lstStyle/>
           <a:p>
-            <a:fld id="{A5D3794B-289A-4A80-97D7-111025398D45}" type="datetimeFigureOut">
-              <a:rPr lang="en-US" dirty="0"/>
-              <a:t>12/21/2024</a:t>
+            <a:fld id="{B5B66684-87D8-41F8-9EC2-6AB2FD5DD5F7}" type="datetime1">
+              <a:rPr lang="en-US" smtClean="0"/>
+              <a:t>12/24/2024</a:t>
             </a:fld>
             <a:endParaRPr lang="en-US" dirty="0"/>
           </a:p>
@@ -945,6 +1310,10 @@
           <a:bodyPr/>
           <a:lstStyle/>
           <a:p>
+            <a:r>
+              <a:rPr lang="en-US" smtClean="0"/>
+              <a:t>Sabbir Mahmud Afridi</a:t>
+            </a:r>
             <a:endParaRPr lang="en-US" dirty="0"/>
           </a:p>
         </p:txBody>
@@ -1177,9 +1546,9 @@
           <a:bodyPr/>
           <a:lstStyle/>
           <a:p>
-            <a:fld id="{5A61015F-7CC6-4D0A-9D87-873EA4C304CC}" type="datetimeFigureOut">
-              <a:rPr lang="en-US" dirty="0"/>
-              <a:t>12/21/2024</a:t>
+            <a:fld id="{91B97586-96A1-462A-98CE-6DF88A1F86DF}" type="datetime1">
+              <a:rPr lang="en-US" smtClean="0"/>
+              <a:t>12/24/2024</a:t>
             </a:fld>
             <a:endParaRPr lang="en-US" dirty="0"/>
           </a:p>
@@ -1200,6 +1569,10 @@
           <a:bodyPr/>
           <a:lstStyle/>
           <a:p>
+            <a:r>
+              <a:rPr lang="en-US" smtClean="0"/>
+              <a:t>Sabbir Mahmud Afridi</a:t>
+            </a:r>
             <a:endParaRPr lang="en-US" dirty="0"/>
           </a:p>
         </p:txBody>
@@ -1495,9 +1868,9 @@
           <a:bodyPr/>
           <a:lstStyle/>
           <a:p>
-            <a:fld id="{93C6A301-0538-44EC-B09D-202E1042A48B}" type="datetimeFigureOut">
-              <a:rPr lang="en-US" dirty="0"/>
-              <a:t>12/21/2024</a:t>
+            <a:fld id="{E14D2E2A-F022-447D-A53E-EAD312BB0C77}" type="datetime1">
+              <a:rPr lang="en-US" smtClean="0"/>
+              <a:t>12/24/2024</a:t>
             </a:fld>
             <a:endParaRPr lang="en-US" dirty="0"/>
           </a:p>
@@ -1518,6 +1891,10 @@
           <a:bodyPr/>
           <a:lstStyle/>
           <a:p>
+            <a:r>
+              <a:rPr lang="en-US" smtClean="0"/>
+              <a:t>Sabbir Mahmud Afridi</a:t>
+            </a:r>
             <a:endParaRPr lang="en-US" dirty="0"/>
           </a:p>
         </p:txBody>
@@ -1891,9 +2268,9 @@
           <a:bodyPr/>
           <a:lstStyle/>
           <a:p>
-            <a:fld id="{D789574A-8875-45EF-8EA2-3CAA0F7ABC4C}" type="datetimeFigureOut">
-              <a:rPr lang="en-US" dirty="0"/>
-              <a:t>12/21/2024</a:t>
+            <a:fld id="{D6493D07-B9C9-4A12-BE84-6CA9B3A0D350}" type="datetime1">
+              <a:rPr lang="en-US" smtClean="0"/>
+              <a:t>12/24/2024</a:t>
             </a:fld>
             <a:endParaRPr lang="en-US" dirty="0"/>
           </a:p>
@@ -1914,6 +2291,10 @@
           <a:bodyPr/>
           <a:lstStyle/>
           <a:p>
+            <a:r>
+              <a:rPr lang="en-US" smtClean="0"/>
+              <a:t>Sabbir Mahmud Afridi</a:t>
+            </a:r>
             <a:endParaRPr lang="en-US" dirty="0"/>
           </a:p>
         </p:txBody>
@@ -2007,9 +2388,9 @@
           <a:bodyPr/>
           <a:lstStyle/>
           <a:p>
-            <a:fld id="{67EF4D4C-5367-4C26-9E2B-D8088D7FCA81}" type="datetimeFigureOut">
-              <a:rPr lang="en-US" dirty="0"/>
-              <a:t>12/21/2024</a:t>
+            <a:fld id="{342A4AFF-0629-4276-8253-30C538AF5E77}" type="datetime1">
+              <a:rPr lang="en-US" smtClean="0"/>
+              <a:t>12/24/2024</a:t>
             </a:fld>
             <a:endParaRPr lang="en-US" dirty="0"/>
           </a:p>
@@ -2030,6 +2411,10 @@
           <a:bodyPr/>
           <a:lstStyle/>
           <a:p>
+            <a:r>
+              <a:rPr lang="en-US" smtClean="0"/>
+              <a:t>Sabbir Mahmud Afridi</a:t>
+            </a:r>
             <a:endParaRPr lang="en-US" dirty="0"/>
           </a:p>
         </p:txBody>
@@ -2100,9 +2485,9 @@
           <a:bodyPr/>
           <a:lstStyle/>
           <a:p>
-            <a:fld id="{56E91E96-98B0-4413-9547-46F3504108EF}" type="datetimeFigureOut">
-              <a:rPr lang="en-US" dirty="0"/>
-              <a:t>12/21/2024</a:t>
+            <a:fld id="{2249B9C5-0BE5-4E77-8224-F2D94FC8BAEC}" type="datetime1">
+              <a:rPr lang="en-US" smtClean="0"/>
+              <a:t>12/24/2024</a:t>
             </a:fld>
             <a:endParaRPr lang="en-US" dirty="0"/>
           </a:p>
@@ -2123,6 +2508,10 @@
           <a:bodyPr/>
           <a:lstStyle/>
           <a:p>
+            <a:r>
+              <a:rPr lang="en-US" smtClean="0"/>
+              <a:t>Sabbir Mahmud Afridi</a:t>
+            </a:r>
             <a:endParaRPr lang="en-US" dirty="0"/>
           </a:p>
         </p:txBody>
@@ -2388,9 +2777,9 @@
           <a:bodyPr/>
           <a:lstStyle/>
           <a:p>
-            <a:fld id="{05C68B11-C5A8-448C-8CE9-B1A273C79CFC}" type="datetimeFigureOut">
-              <a:rPr lang="en-US" dirty="0"/>
-              <a:t>12/21/2024</a:t>
+            <a:fld id="{0AE55BF3-AE47-4A6E-BDCD-026F1FC8F7BC}" type="datetime1">
+              <a:rPr lang="en-US" smtClean="0"/>
+              <a:t>12/24/2024</a:t>
             </a:fld>
             <a:endParaRPr lang="en-US" dirty="0"/>
           </a:p>
@@ -2411,6 +2800,10 @@
           <a:bodyPr/>
           <a:lstStyle/>
           <a:p>
+            <a:r>
+              <a:rPr lang="en-US" smtClean="0"/>
+              <a:t>Sabbir Mahmud Afridi</a:t>
+            </a:r>
             <a:endParaRPr lang="en-US" dirty="0"/>
           </a:p>
         </p:txBody>
@@ -2666,9 +3059,9 @@
           <a:bodyPr/>
           <a:lstStyle/>
           <a:p>
-            <a:fld id="{C7616CA0-919D-4A49-9C8A-62FDFB3A5183}" type="datetimeFigureOut">
-              <a:rPr lang="en-US" dirty="0"/>
-              <a:t>12/21/2024</a:t>
+            <a:fld id="{0EE3CA99-FCA5-4A68-B761-E428E92769E9}" type="datetime1">
+              <a:rPr lang="en-US" smtClean="0"/>
+              <a:t>12/24/2024</a:t>
             </a:fld>
             <a:endParaRPr lang="en-US" dirty="0"/>
           </a:p>
@@ -2689,6 +3082,10 @@
           <a:bodyPr/>
           <a:lstStyle/>
           <a:p>
+            <a:r>
+              <a:rPr lang="en-US" smtClean="0"/>
+              <a:t>Sabbir Mahmud Afridi</a:t>
+            </a:r>
             <a:endParaRPr lang="en-US" dirty="0"/>
           </a:p>
         </p:txBody>
@@ -2914,10 +3311,9 @@
             </a:lvl1pPr>
           </a:lstStyle>
           <a:p>
-            <a:fld id="{90298CD5-6C1E-4009-B41F-6DF62E31D3BE}" type="datetimeFigureOut">
-              <a:rPr lang="en-US" dirty="0"/>
-              <a:pPr/>
-              <a:t>12/21/2024</a:t>
+            <a:fld id="{6ADDCA68-CE76-46C3-A05C-BAB46F57488A}" type="datetime1">
+              <a:rPr lang="en-US" smtClean="0"/>
+              <a:t>12/24/2024</a:t>
             </a:fld>
             <a:endParaRPr lang="en-US" dirty="0"/>
           </a:p>
@@ -2958,6 +3354,10 @@
             </a:lvl1pPr>
           </a:lstStyle>
           <a:p>
+            <a:r>
+              <a:rPr lang="en-US" smtClean="0"/>
+              <a:t>Sabbir Mahmud Afridi</a:t>
+            </a:r>
             <a:endParaRPr lang="en-US" dirty="0"/>
           </a:p>
         </p:txBody>
@@ -3060,6 +3460,7 @@
   <p:transition spd="slow">
     <p:cover/>
   </p:transition>
+  <p:hf hdr="0" dt="0"/>
   <p:txStyles>
     <p:titleStyle>
       <a:lvl1pPr algn="l" defTabSz="914400" rtl="0" eaLnBrk="1" latinLnBrk="0" hangingPunct="1">
@@ -3494,26 +3895,59 @@
           </a:xfrm>
         </p:spPr>
         <p:txBody>
-          <a:bodyPr/>
-          <a:lstStyle/>
-          <a:p>
-            <a:r>
-              <a:rPr lang="en-US" dirty="0" smtClean="0"/>
-              <a:t>Presented By,</a:t>
-            </a:r>
-          </a:p>
-          <a:p>
-            <a:r>
-              <a:rPr lang="en-US" dirty="0" smtClean="0"/>
+          <a:bodyPr>
+            <a:noAutofit/>
+          </a:bodyPr>
+          <a:lstStyle/>
+          <a:p>
+            <a:r>
+              <a:rPr lang="en-US" sz="1400" dirty="0" smtClean="0"/>
+              <a:t>Presented To,</a:t>
+            </a:r>
+          </a:p>
+          <a:p>
+            <a:r>
+              <a:rPr lang="en-US" sz="1400" b="1" cap="all" dirty="0"/>
+              <a:t>Dr. Hafiz Md. Hasan </a:t>
+            </a:r>
+            <a:r>
+              <a:rPr lang="en-US" sz="1400" b="1" cap="all" dirty="0" err="1"/>
+              <a:t>Babu</a:t>
+            </a:r>
+            <a:endParaRPr lang="en-US" sz="1400" b="1" cap="all" dirty="0"/>
+          </a:p>
+          <a:p>
+            <a:r>
+              <a:rPr lang="en-US" sz="1400" dirty="0"/>
+              <a:t>(Professor)Department of Computer Science and Engineering</a:t>
+            </a:r>
+          </a:p>
+          <a:p>
+            <a:endParaRPr lang="en-US" sz="1400" dirty="0" smtClean="0"/>
+          </a:p>
+          <a:p>
+            <a:r>
+              <a:rPr lang="en-US" sz="1400" dirty="0" smtClean="0"/>
+              <a:t>Presented </a:t>
+            </a:r>
+            <a:r>
+              <a:rPr lang="en-US" sz="1400" dirty="0" smtClean="0"/>
+              <a:t>By,</a:t>
+            </a:r>
+          </a:p>
+          <a:p>
+            <a:r>
+              <a:rPr lang="en-US" sz="1600" b="1" dirty="0" smtClean="0"/>
               <a:t>Sabbir Mahmud Afridi</a:t>
             </a:r>
-          </a:p>
-          <a:p>
-            <a:r>
-              <a:rPr lang="en-US" dirty="0" smtClean="0"/>
+            <a:endParaRPr lang="en-US" sz="1600" b="1" dirty="0" smtClean="0"/>
+          </a:p>
+          <a:p>
+            <a:r>
+              <a:rPr lang="en-US" sz="1400" dirty="0" smtClean="0"/>
               <a:t>Roll: SH-2334</a:t>
             </a:r>
-            <a:endParaRPr lang="en-US" dirty="0"/>
+            <a:endParaRPr lang="en-US" sz="1400" dirty="0"/>
           </a:p>
         </p:txBody>
       </p:sp>
@@ -3882,8 +4316,12 @@
           <a:lstStyle/>
           <a:p>
             <a:r>
+              <a:rPr lang="en-US" dirty="0"/>
+              <a:t>Methods for solving 8-Queens </a:t>
+            </a:r>
+            <a:r>
               <a:rPr lang="en-US" dirty="0" smtClean="0"/>
-              <a:t>Introduction to ROBDD</a:t>
+              <a:t>Problem</a:t>
             </a:r>
             <a:br>
               <a:rPr lang="en-US" dirty="0" smtClean="0"/>
@@ -3894,7 +4332,7 @@
                   <a:srgbClr val="92D050"/>
                 </a:solidFill>
               </a:rPr>
-              <a:t>Reduced ordered binary decision Diagram</a:t>
+              <a:t>Method 1: Brute Force Approach</a:t>
             </a:r>
             <a:endParaRPr lang="en-US" dirty="0">
               <a:solidFill>
@@ -3906,14 +4344,117 @@
       </p:sp>
       <p:sp>
         <p:nvSpPr>
-          <p:cNvPr id="3" name="TextBox 2"/>
+          <p:cNvPr id="3" name="Content Placeholder 2"/>
+          <p:cNvSpPr>
+            <a:spLocks noGrp="1"/>
+          </p:cNvSpPr>
+          <p:nvPr>
+            <p:ph idx="1"/>
+          </p:nvPr>
+        </p:nvSpPr>
+        <p:spPr>
+          <a:xfrm>
+            <a:off x="1024128" y="2286000"/>
+            <a:ext cx="4959983" cy="4023360"/>
+          </a:xfrm>
+        </p:spPr>
+        <p:txBody>
+          <a:bodyPr/>
+          <a:lstStyle/>
+          <a:p>
+            <a:pPr>
+              <a:buFont typeface="Arial" panose="020B0604020202020204" pitchFamily="34" charset="0"/>
+              <a:buChar char="•"/>
+            </a:pPr>
+            <a:r>
+              <a:rPr lang="en-US" dirty="0" smtClean="0"/>
+              <a:t> A </a:t>
+            </a:r>
+            <a:r>
+              <a:rPr lang="en-US" dirty="0"/>
+              <a:t>Straightforward Approach </a:t>
+            </a:r>
+            <a:endParaRPr lang="en-US" dirty="0" smtClean="0"/>
+          </a:p>
+          <a:p>
+            <a:pPr>
+              <a:buFont typeface="Arial" panose="020B0604020202020204" pitchFamily="34" charset="0"/>
+              <a:buChar char="•"/>
+            </a:pPr>
+            <a:r>
+              <a:rPr lang="en-US" dirty="0" smtClean="0"/>
+              <a:t> Tries </a:t>
+            </a:r>
+            <a:r>
+              <a:rPr lang="en-US" dirty="0"/>
+              <a:t>Every Possibilities </a:t>
+            </a:r>
+            <a:endParaRPr lang="en-US" dirty="0" smtClean="0"/>
+          </a:p>
+          <a:p>
+            <a:pPr>
+              <a:buFont typeface="Arial" panose="020B0604020202020204" pitchFamily="34" charset="0"/>
+              <a:buChar char="•"/>
+            </a:pPr>
+            <a:r>
+              <a:rPr lang="en-US" dirty="0" smtClean="0"/>
+              <a:t> Does not consider Advance Techniques</a:t>
+            </a:r>
+            <a:endParaRPr lang="en-US" dirty="0"/>
+          </a:p>
+        </p:txBody>
+      </p:sp>
+      <p:pic>
+        <p:nvPicPr>
+          <p:cNvPr id="3074" name="Picture 2" descr="3 Digits Password Reset Zinc Alloy Combination Padlock Green"/>
+          <p:cNvPicPr>
+            <a:picLocks noChangeAspect="1" noChangeArrowheads="1"/>
+          </p:cNvPicPr>
+          <p:nvPr/>
+        </p:nvPicPr>
+        <p:blipFill>
+          <a:blip r:embed="rId2">
+            <a:extLst>
+              <a:ext uri="{28A0092B-C50C-407E-A947-70E740481C1C}">
+                <a14:useLocalDpi xmlns:a14="http://schemas.microsoft.com/office/drawing/2010/main" val="0"/>
+              </a:ext>
+            </a:extLst>
+          </a:blip>
+          <a:srcRect/>
+          <a:stretch>
+            <a:fillRect/>
+          </a:stretch>
+        </p:blipFill>
+        <p:spPr bwMode="auto">
+          <a:xfrm>
+            <a:off x="6516546" y="2084832"/>
+            <a:ext cx="2891973" cy="2891973"/>
+          </a:xfrm>
+          <a:prstGeom prst="rect">
+            <a:avLst/>
+          </a:prstGeom>
+          <a:noFill/>
+          <a:extLst>
+            <a:ext uri="{909E8E84-426E-40DD-AFC4-6F175D3DCCD1}">
+              <a14:hiddenFill xmlns:a14="http://schemas.microsoft.com/office/drawing/2010/main">
+                <a:solidFill>
+                  <a:srgbClr val="FFFFFF"/>
+                </a:solidFill>
+              </a14:hiddenFill>
+            </a:ext>
+          </a:extLst>
+        </p:spPr>
+      </p:pic>
+      <p:sp>
+        <p:nvSpPr>
+          <p:cNvPr id="4" name="TextBox 3"/>
           <p:cNvSpPr txBox="1"/>
           <p:nvPr/>
         </p:nvSpPr>
         <p:spPr>
           <a:xfrm>
-            <a:off x="659423" y="2084832"/>
-            <a:ext cx="10999176" cy="2308324"/>
+            <a:off x="9525965" y="2084832"/>
+            <a:ext cx="1643605" cy="3139321"/>
           </a:xfrm>
           <a:prstGeom prst="rect">
             <a:avLst/>
@@ -3928,93 +4469,123 @@
           <a:p>
             <a:r>
               <a:rPr lang="en-US" dirty="0"/>
-              <a:t>ROBDD </a:t>
-            </a:r>
+              <a:t>0 0 0 </a:t>
+            </a:r>
+            <a:endParaRPr lang="en-US" dirty="0" smtClean="0"/>
+          </a:p>
+          <a:p>
             <a:r>
               <a:rPr lang="en-US" dirty="0" smtClean="0"/>
-              <a:t>is a </a:t>
+              <a:t>0 </a:t>
             </a:r>
             <a:r>
               <a:rPr lang="en-US" dirty="0"/>
-              <a:t>data structure for representing Boolean functions in a compact and efficient way</a:t>
-            </a:r>
+              <a:t>0 1 </a:t>
+            </a:r>
+            <a:endParaRPr lang="en-US" dirty="0" smtClean="0"/>
+          </a:p>
+          <a:p>
             <a:r>
               <a:rPr lang="en-US" dirty="0" smtClean="0"/>
-              <a:t>.</a:t>
+              <a:t>… </a:t>
+            </a:r>
+          </a:p>
+          <a:p>
+            <a:r>
+              <a:rPr lang="en-US" dirty="0" smtClean="0"/>
+              <a:t>…</a:t>
+            </a:r>
+          </a:p>
+          <a:p>
+            <a:r>
+              <a:rPr lang="en-US" dirty="0" smtClean="0"/>
+              <a:t>9 </a:t>
+            </a:r>
+            <a:r>
+              <a:rPr lang="en-US" dirty="0"/>
+              <a:t>9 8 </a:t>
+            </a:r>
+            <a:endParaRPr lang="en-US" dirty="0" smtClean="0"/>
+          </a:p>
+          <a:p>
+            <a:r>
+              <a:rPr lang="en-US" dirty="0" smtClean="0"/>
+              <a:t>9 </a:t>
+            </a:r>
+            <a:r>
+              <a:rPr lang="en-US" dirty="0"/>
+              <a:t>9 </a:t>
+            </a:r>
+            <a:r>
+              <a:rPr lang="en-US" dirty="0" smtClean="0"/>
+              <a:t>9</a:t>
             </a:r>
           </a:p>
           <a:p>
             <a:endParaRPr lang="en-US" dirty="0"/>
           </a:p>
           <a:p>
-            <a:r>
-              <a:rPr lang="en-US" sz="2800" dirty="0" smtClean="0"/>
-              <a:t>A </a:t>
-            </a:r>
-            <a:r>
-              <a:rPr lang="en-US" sz="2800" dirty="0"/>
-              <a:t>BDT is reduced </a:t>
-            </a:r>
-            <a:r>
-              <a:rPr lang="en-US" sz="2800" dirty="0" smtClean="0"/>
-              <a:t>if:</a:t>
-            </a:r>
-          </a:p>
-          <a:p>
-            <a:pPr marL="457200" indent="-457200">
-              <a:buFont typeface="Arial" panose="020B0604020202020204" pitchFamily="34" charset="0"/>
-              <a:buChar char="•"/>
-            </a:pPr>
-            <a:endParaRPr lang="en-US" sz="2000" dirty="0" smtClean="0"/>
-          </a:p>
-          <a:p>
-            <a:pPr marL="457200" indent="-457200">
-              <a:buFont typeface="Arial" panose="020B0604020202020204" pitchFamily="34" charset="0"/>
-              <a:buChar char="•"/>
-            </a:pPr>
-            <a:r>
-              <a:rPr lang="en-US" sz="2000" dirty="0" smtClean="0"/>
-              <a:t>Any </a:t>
-            </a:r>
-            <a:r>
-              <a:rPr lang="en-US" sz="2000" dirty="0"/>
-              <a:t>two identical nodes is merged into one</a:t>
-            </a:r>
-            <a:r>
-              <a:rPr lang="en-US" sz="2000" dirty="0" smtClean="0"/>
-              <a:t>.</a:t>
-            </a:r>
-          </a:p>
-          <a:p>
-            <a:pPr marL="457200" indent="-457200">
-              <a:buFont typeface="Arial" panose="020B0604020202020204" pitchFamily="34" charset="0"/>
-              <a:buChar char="•"/>
-            </a:pPr>
-            <a:r>
-              <a:rPr lang="en-US" sz="2000" dirty="0"/>
-              <a:t>No node ‘u’ exists such that low value (u) = high value (u</a:t>
-            </a:r>
-            <a:r>
-              <a:rPr lang="en-US" sz="2000" dirty="0" smtClean="0"/>
-              <a:t>)  [Node Elimination] </a:t>
-            </a:r>
-          </a:p>
-          <a:p>
-            <a:pPr marL="457200" indent="-457200">
-              <a:buFont typeface="Arial" panose="020B0604020202020204" pitchFamily="34" charset="0"/>
-              <a:buChar char="•"/>
-            </a:pPr>
-            <a:r>
-              <a:rPr lang="en-US" sz="2000" dirty="0"/>
-              <a:t>Removing duplicate Terminal Nodes</a:t>
-            </a:r>
+            <a:endParaRPr lang="en-US" dirty="0" smtClean="0"/>
+          </a:p>
+          <a:p>
+            <a:r>
+              <a:rPr lang="en-US" dirty="0" smtClean="0"/>
+              <a:t>(Tries Every Possible Combination)</a:t>
+            </a:r>
+            <a:endParaRPr lang="en-US" dirty="0"/>
+          </a:p>
+        </p:txBody>
+      </p:sp>
+      <p:sp>
+        <p:nvSpPr>
+          <p:cNvPr id="5" name="Footer Placeholder 4"/>
+          <p:cNvSpPr>
+            <a:spLocks noGrp="1"/>
+          </p:cNvSpPr>
+          <p:nvPr>
+            <p:ph type="ftr" sz="quarter" idx="11"/>
+          </p:nvPr>
+        </p:nvSpPr>
+        <p:spPr/>
+        <p:txBody>
+          <a:bodyPr/>
+          <a:lstStyle/>
+          <a:p>
+            <a:r>
+              <a:rPr lang="en-US" smtClean="0"/>
+              <a:t>Sabbir Mahmud Afridi</a:t>
+            </a:r>
+            <a:endParaRPr lang="en-US" dirty="0"/>
+          </a:p>
+        </p:txBody>
+      </p:sp>
+      <p:sp>
+        <p:nvSpPr>
+          <p:cNvPr id="6" name="Slide Number Placeholder 5"/>
+          <p:cNvSpPr>
+            <a:spLocks noGrp="1"/>
+          </p:cNvSpPr>
+          <p:nvPr>
+            <p:ph type="sldNum" sz="quarter" idx="12"/>
+          </p:nvPr>
+        </p:nvSpPr>
+        <p:spPr/>
+        <p:txBody>
+          <a:bodyPr/>
+          <a:lstStyle/>
+          <a:p>
+            <a:fld id="{4FAB73BC-B049-4115-A692-8D63A059BFB8}" type="slidenum">
+              <a:rPr lang="en-US" smtClean="0"/>
+              <a:t>10</a:t>
+            </a:fld>
+            <a:endParaRPr lang="en-US" dirty="0"/>
           </a:p>
         </p:txBody>
       </p:sp>
     </p:spTree>
     <p:extLst>
       <p:ext uri="{BB962C8B-B14F-4D97-AF65-F5344CB8AC3E}">
-        <p14:creationId xmlns:p14="http://schemas.microsoft.com/office/powerpoint/2010/main" val="2501086193"/>
+        <p14:creationId xmlns:p14="http://schemas.microsoft.com/office/powerpoint/2010/main" val="3196984203"/>
       </p:ext>
     </p:extLst>
   </p:cSld>
@@ -4068,11 +4639,11 @@
           <a:p>
             <a:r>
               <a:rPr lang="en-US" dirty="0"/>
-              <a:t>ROBDD </a:t>
+              <a:t>Methods for solving 8-Queens </a:t>
             </a:r>
             <a:r>
               <a:rPr lang="en-US" dirty="0" smtClean="0"/>
-              <a:t>Example</a:t>
+              <a:t>Problem</a:t>
             </a:r>
             <a:br>
               <a:rPr lang="en-US" dirty="0" smtClean="0"/>
@@ -4083,7 +4654,7 @@
                   <a:srgbClr val="92D050"/>
                 </a:solidFill>
               </a:rPr>
-              <a:t>Ordered BDT</a:t>
+              <a:t>Method 1: Brute Force Approach (contd.)</a:t>
             </a:r>
             <a:endParaRPr lang="en-US" dirty="0">
               <a:solidFill>
@@ -4093,67 +4664,214 @@
           </a:p>
         </p:txBody>
       </p:sp>
-      <p:graphicFrame>
-        <p:nvGraphicFramePr>
-          <p:cNvPr id="4" name="Object 3"/>
-          <p:cNvGraphicFramePr>
-            <a:graphicFrameLocks noChangeAspect="1"/>
-          </p:cNvGraphicFramePr>
-          <p:nvPr>
-            <p:extLst>
-              <p:ext uri="{D42A27DB-BD31-4B8C-83A1-F6EECF244321}">
-                <p14:modId xmlns:p14="http://schemas.microsoft.com/office/powerpoint/2010/main" val="3169363833"/>
-              </p:ext>
-            </p:extLst>
-          </p:nvPr>
-        </p:nvGraphicFramePr>
-        <p:xfrm>
-          <a:off x="1792871" y="1865236"/>
-          <a:ext cx="8182585" cy="4760624"/>
-        </p:xfrm>
-        <a:graphic>
-          <a:graphicData uri="http://schemas.openxmlformats.org/presentationml/2006/ole">
-            <mc:AlternateContent xmlns:mc="http://schemas.openxmlformats.org/markup-compatibility/2006">
-              <mc:Choice xmlns:v="urn:schemas-microsoft-com:vml" Requires="v">
-                <p:oleObj spid="_x0000_s2068" r:id="rId3" imgW="10780920" imgH="6273000" progId="">
-                  <p:embed/>
-                </p:oleObj>
-              </mc:Choice>
-              <mc:Fallback>
-                <p:oleObj r:id="rId3" imgW="10780920" imgH="6273000" progId="">
-                  <p:embed/>
-                  <p:pic>
-                    <p:nvPicPr>
-                      <p:cNvPr id="0" name=""/>
-                      <p:cNvPicPr/>
-                      <p:nvPr/>
-                    </p:nvPicPr>
-                    <p:blipFill>
-                      <a:blip r:embed="rId4"/>
-                      <a:stretch>
-                        <a:fillRect/>
-                      </a:stretch>
-                    </p:blipFill>
-                    <p:spPr>
-                      <a:xfrm>
-                        <a:off x="1792871" y="1865236"/>
-                        <a:ext cx="8182585" cy="4760624"/>
-                      </a:xfrm>
-                      <a:prstGeom prst="rect">
-                        <a:avLst/>
-                      </a:prstGeom>
-                    </p:spPr>
-                  </p:pic>
-                </p:oleObj>
-              </mc:Fallback>
-            </mc:AlternateContent>
-          </a:graphicData>
-        </a:graphic>
-      </p:graphicFrame>
+      <p:pic>
+        <p:nvPicPr>
+          <p:cNvPr id="4098" name="Picture 2" descr="https://lichess1.org/export/fen.gif?fen=QQQQQQQQ/8/8/8/8/8/8/8_w_-_-_0_1&amp;color=white"/>
+          <p:cNvPicPr>
+            <a:picLocks noChangeAspect="1" noChangeArrowheads="1"/>
+          </p:cNvPicPr>
+          <p:nvPr/>
+        </p:nvPicPr>
+        <p:blipFill>
+          <a:blip r:embed="rId2">
+            <a:extLst>
+              <a:ext uri="{28A0092B-C50C-407E-A947-70E740481C1C}">
+                <a14:useLocalDpi xmlns:a14="http://schemas.microsoft.com/office/drawing/2010/main" val="0"/>
+              </a:ext>
+            </a:extLst>
+          </a:blip>
+          <a:srcRect/>
+          <a:stretch>
+            <a:fillRect/>
+          </a:stretch>
+        </p:blipFill>
+        <p:spPr bwMode="auto">
+          <a:xfrm>
+            <a:off x="2067607" y="2293175"/>
+            <a:ext cx="3370343" cy="3370343"/>
+          </a:xfrm>
+          <a:prstGeom prst="rect">
+            <a:avLst/>
+          </a:prstGeom>
+          <a:noFill/>
+          <a:extLst>
+            <a:ext uri="{909E8E84-426E-40DD-AFC4-6F175D3DCCD1}">
+              <a14:hiddenFill xmlns:a14="http://schemas.microsoft.com/office/drawing/2010/main">
+                <a:solidFill>
+                  <a:srgbClr val="FFFFFF"/>
+                </a:solidFill>
+              </a14:hiddenFill>
+            </a:ext>
+          </a:extLst>
+        </p:spPr>
+      </p:pic>
+      <p:pic>
+        <p:nvPicPr>
+          <p:cNvPr id="4100" name="Picture 4" descr="https://lichess1.org/export/fen.gif?fen=QQQQQQQ1/Q7/8/8/8/8/8/8_w_-_-_0_1&amp;color=white"/>
+          <p:cNvPicPr>
+            <a:picLocks noChangeAspect="1" noChangeArrowheads="1"/>
+          </p:cNvPicPr>
+          <p:nvPr/>
+        </p:nvPicPr>
+        <p:blipFill>
+          <a:blip r:embed="rId3">
+            <a:extLst>
+              <a:ext uri="{28A0092B-C50C-407E-A947-70E740481C1C}">
+                <a14:useLocalDpi xmlns:a14="http://schemas.microsoft.com/office/drawing/2010/main" val="0"/>
+              </a:ext>
+            </a:extLst>
+          </a:blip>
+          <a:srcRect/>
+          <a:stretch>
+            <a:fillRect/>
+          </a:stretch>
+        </p:blipFill>
+        <p:spPr bwMode="auto">
+          <a:xfrm>
+            <a:off x="6475351" y="2293175"/>
+            <a:ext cx="3370343" cy="3370343"/>
+          </a:xfrm>
+          <a:prstGeom prst="rect">
+            <a:avLst/>
+          </a:prstGeom>
+          <a:noFill/>
+          <a:extLst>
+            <a:ext uri="{909E8E84-426E-40DD-AFC4-6F175D3DCCD1}">
+              <a14:hiddenFill xmlns:a14="http://schemas.microsoft.com/office/drawing/2010/main">
+                <a:solidFill>
+                  <a:srgbClr val="FFFFFF"/>
+                </a:solidFill>
+              </a14:hiddenFill>
+            </a:ext>
+          </a:extLst>
+        </p:spPr>
+      </p:pic>
+      <p:sp>
+        <p:nvSpPr>
+          <p:cNvPr id="6" name="TextBox 5"/>
+          <p:cNvSpPr txBox="1"/>
+          <p:nvPr/>
+        </p:nvSpPr>
+        <p:spPr>
+          <a:xfrm>
+            <a:off x="1951860" y="5663518"/>
+            <a:ext cx="3268322" cy="369332"/>
+          </a:xfrm>
+          <a:prstGeom prst="rect">
+            <a:avLst/>
+          </a:prstGeom>
+          <a:noFill/>
+        </p:spPr>
+        <p:txBody>
+          <a:bodyPr wrap="square" rtlCol="0">
+            <a:spAutoFit/>
+          </a:bodyPr>
+          <a:lstStyle/>
+          <a:p>
+            <a:r>
+              <a:rPr lang="en-US" dirty="0" smtClean="0"/>
+              <a:t>1</a:t>
+            </a:r>
+            <a:r>
+              <a:rPr lang="en-US" baseline="30000" dirty="0" smtClean="0"/>
+              <a:t>st</a:t>
+            </a:r>
+            <a:r>
+              <a:rPr lang="en-US" dirty="0" smtClean="0"/>
+              <a:t> Combination</a:t>
+            </a:r>
+            <a:endParaRPr lang="en-US" dirty="0"/>
+          </a:p>
+        </p:txBody>
+      </p:sp>
+      <p:sp>
+        <p:nvSpPr>
+          <p:cNvPr id="10" name="TextBox 9"/>
+          <p:cNvSpPr txBox="1"/>
+          <p:nvPr/>
+        </p:nvSpPr>
+        <p:spPr>
+          <a:xfrm>
+            <a:off x="6475351" y="5665958"/>
+            <a:ext cx="3268322" cy="369332"/>
+          </a:xfrm>
+          <a:prstGeom prst="rect">
+            <a:avLst/>
+          </a:prstGeom>
+          <a:noFill/>
+        </p:spPr>
+        <p:txBody>
+          <a:bodyPr wrap="square" rtlCol="0">
+            <a:spAutoFit/>
+          </a:bodyPr>
+          <a:lstStyle/>
+          <a:p>
+            <a:r>
+              <a:rPr lang="en-US" dirty="0" smtClean="0"/>
+              <a:t>2</a:t>
+            </a:r>
+            <a:r>
+              <a:rPr lang="en-US" baseline="30000" dirty="0" smtClean="0"/>
+              <a:t>nd</a:t>
+            </a:r>
+            <a:r>
+              <a:rPr lang="en-US" dirty="0" smtClean="0"/>
+              <a:t> Combination</a:t>
+            </a:r>
+            <a:endParaRPr lang="en-US" dirty="0"/>
+          </a:p>
+        </p:txBody>
+      </p:sp>
+      <p:sp>
+        <p:nvSpPr>
+          <p:cNvPr id="3" name="Footer Placeholder 2"/>
+          <p:cNvSpPr>
+            <a:spLocks noGrp="1"/>
+          </p:cNvSpPr>
+          <p:nvPr>
+            <p:ph type="ftr" sz="quarter" idx="11"/>
+          </p:nvPr>
+        </p:nvSpPr>
+        <p:spPr/>
+        <p:txBody>
+          <a:bodyPr/>
+          <a:lstStyle/>
+          <a:p>
+            <a:r>
+              <a:rPr lang="en-US" smtClean="0"/>
+              <a:t>Sabbir Mahmud Afridi</a:t>
+            </a:r>
+            <a:endParaRPr lang="en-US" dirty="0"/>
+          </a:p>
+        </p:txBody>
+      </p:sp>
+      <p:sp>
+        <p:nvSpPr>
+          <p:cNvPr id="4" name="Slide Number Placeholder 3"/>
+          <p:cNvSpPr>
+            <a:spLocks noGrp="1"/>
+          </p:cNvSpPr>
+          <p:nvPr>
+            <p:ph type="sldNum" sz="quarter" idx="12"/>
+          </p:nvPr>
+        </p:nvSpPr>
+        <p:spPr/>
+        <p:txBody>
+          <a:bodyPr/>
+          <a:lstStyle/>
+          <a:p>
+            <a:fld id="{4FAB73BC-B049-4115-A692-8D63A059BFB8}" type="slidenum">
+              <a:rPr lang="en-US" smtClean="0"/>
+              <a:t>11</a:t>
+            </a:fld>
+            <a:endParaRPr lang="en-US" dirty="0"/>
+          </a:p>
+        </p:txBody>
+      </p:sp>
     </p:spTree>
     <p:extLst>
       <p:ext uri="{BB962C8B-B14F-4D97-AF65-F5344CB8AC3E}">
-        <p14:creationId xmlns:p14="http://schemas.microsoft.com/office/powerpoint/2010/main" val="993836545"/>
+        <p14:creationId xmlns:p14="http://schemas.microsoft.com/office/powerpoint/2010/main" val="799583456"/>
       </p:ext>
     </p:extLst>
   </p:cSld>
@@ -4207,11 +4925,11 @@
           <a:p>
             <a:r>
               <a:rPr lang="en-US" dirty="0"/>
-              <a:t>ROBDD </a:t>
+              <a:t>Methods for solving 8-Queens </a:t>
             </a:r>
             <a:r>
               <a:rPr lang="en-US" dirty="0" smtClean="0"/>
-              <a:t>Example</a:t>
+              <a:t>Problem</a:t>
             </a:r>
             <a:br>
               <a:rPr lang="en-US" dirty="0" smtClean="0"/>
@@ -4222,7 +4940,7 @@
                   <a:srgbClr val="92D050"/>
                 </a:solidFill>
               </a:rPr>
-              <a:t>Ordered BDD (Removing Terminal Nodes)</a:t>
+              <a:t>Method 1: Brute Force Approach (contd.)</a:t>
             </a:r>
             <a:endParaRPr lang="en-US" dirty="0">
               <a:solidFill>
@@ -4232,67 +4950,300 @@
           </a:p>
         </p:txBody>
       </p:sp>
-      <p:graphicFrame>
-        <p:nvGraphicFramePr>
-          <p:cNvPr id="3" name="Object 2"/>
-          <p:cNvGraphicFramePr>
-            <a:graphicFrameLocks noChangeAspect="1"/>
-          </p:cNvGraphicFramePr>
-          <p:nvPr>
-            <p:extLst>
-              <p:ext uri="{D42A27DB-BD31-4B8C-83A1-F6EECF244321}">
-                <p14:modId xmlns:p14="http://schemas.microsoft.com/office/powerpoint/2010/main" val="819935320"/>
-              </p:ext>
-            </p:extLst>
-          </p:nvPr>
-        </p:nvGraphicFramePr>
-        <p:xfrm>
-          <a:off x="2550849" y="1811215"/>
-          <a:ext cx="6666629" cy="4822948"/>
-        </p:xfrm>
-        <a:graphic>
-          <a:graphicData uri="http://schemas.openxmlformats.org/presentationml/2006/ole">
-            <mc:AlternateContent xmlns:mc="http://schemas.openxmlformats.org/markup-compatibility/2006">
-              <mc:Choice xmlns:v="urn:schemas-microsoft-com:vml" Requires="v">
-                <p:oleObj spid="_x0000_s3092" r:id="rId3" imgW="8863200" imgH="6412680" progId="">
-                  <p:embed/>
-                </p:oleObj>
-              </mc:Choice>
-              <mc:Fallback>
-                <p:oleObj r:id="rId3" imgW="8863200" imgH="6412680" progId="">
-                  <p:embed/>
-                  <p:pic>
-                    <p:nvPicPr>
-                      <p:cNvPr id="0" name=""/>
-                      <p:cNvPicPr/>
-                      <p:nvPr/>
-                    </p:nvPicPr>
-                    <p:blipFill>
-                      <a:blip r:embed="rId4"/>
-                      <a:stretch>
-                        <a:fillRect/>
-                      </a:stretch>
-                    </p:blipFill>
-                    <p:spPr>
-                      <a:xfrm>
-                        <a:off x="2550849" y="1811215"/>
-                        <a:ext cx="6666629" cy="4822948"/>
-                      </a:xfrm>
-                      <a:prstGeom prst="rect">
-                        <a:avLst/>
-                      </a:prstGeom>
-                    </p:spPr>
-                  </p:pic>
-                </p:oleObj>
-              </mc:Fallback>
-            </mc:AlternateContent>
-          </a:graphicData>
-        </a:graphic>
-      </p:graphicFrame>
+      <p:pic>
+        <p:nvPicPr>
+          <p:cNvPr id="5122" name="Picture 2" descr="GitHub - saamiberk/Eight-Queens-Problem-using-Hill-Climbing-GUI: Solving  and GUI demonstration of Eight-Queens Problem using Hill Climbing"/>
+          <p:cNvPicPr>
+            <a:picLocks noChangeAspect="1" noChangeArrowheads="1"/>
+          </p:cNvPicPr>
+          <p:nvPr/>
+        </p:nvPicPr>
+        <p:blipFill>
+          <a:blip r:embed="rId2">
+            <a:extLst>
+              <a:ext uri="{28A0092B-C50C-407E-A947-70E740481C1C}">
+                <a14:useLocalDpi xmlns:a14="http://schemas.microsoft.com/office/drawing/2010/main" val="0"/>
+              </a:ext>
+            </a:extLst>
+          </a:blip>
+          <a:srcRect/>
+          <a:stretch>
+            <a:fillRect/>
+          </a:stretch>
+        </p:blipFill>
+        <p:spPr bwMode="auto">
+          <a:xfrm>
+            <a:off x="1024128" y="1974289"/>
+            <a:ext cx="5944283" cy="4742979"/>
+          </a:xfrm>
+          <a:prstGeom prst="rect">
+            <a:avLst/>
+          </a:prstGeom>
+          <a:noFill/>
+          <a:extLst>
+            <a:ext uri="{909E8E84-426E-40DD-AFC4-6F175D3DCCD1}">
+              <a14:hiddenFill xmlns:a14="http://schemas.microsoft.com/office/drawing/2010/main">
+                <a:solidFill>
+                  <a:srgbClr val="FFFFFF"/>
+                </a:solidFill>
+              </a14:hiddenFill>
+            </a:ext>
+          </a:extLst>
+        </p:spPr>
+      </p:pic>
+      <mc:AlternateContent xmlns:mc="http://schemas.openxmlformats.org/markup-compatibility/2006" xmlns:a14="http://schemas.microsoft.com/office/drawing/2010/main">
+        <mc:Choice Requires="a14">
+          <p:sp>
+            <p:nvSpPr>
+              <p:cNvPr id="3" name="TextBox 2"/>
+              <p:cNvSpPr txBox="1"/>
+              <p:nvPr/>
+            </p:nvSpPr>
+            <p:spPr>
+              <a:xfrm>
+                <a:off x="7165729" y="3884113"/>
+                <a:ext cx="4932485" cy="948914"/>
+              </a:xfrm>
+              <a:prstGeom prst="rect">
+                <a:avLst/>
+              </a:prstGeom>
+              <a:noFill/>
+            </p:spPr>
+            <p:txBody>
+              <a:bodyPr wrap="square" rtlCol="0">
+                <a:spAutoFit/>
+              </a:bodyPr>
+              <a:lstStyle/>
+              <a:p>
+                <a:r>
+                  <a:rPr lang="en-US" dirty="0" smtClean="0">
+                    <a:latin typeface="Times New Roman" panose="02020603050405020304" pitchFamily="18" charset="0"/>
+                    <a:cs typeface="Times New Roman" panose="02020603050405020304" pitchFamily="18" charset="0"/>
+                  </a:rPr>
+                  <a:t>Which </a:t>
+                </a:r>
+                <a:r>
+                  <a:rPr lang="en-US" dirty="0">
+                    <a:latin typeface="Times New Roman" panose="02020603050405020304" pitchFamily="18" charset="0"/>
+                    <a:cs typeface="Times New Roman" panose="02020603050405020304" pitchFamily="18" charset="0"/>
+                  </a:rPr>
+                  <a:t>considers all </a:t>
+                </a:r>
+              </a:p>
+              <a:p>
+                <a14:m>
+                  <m:oMath xmlns:m="http://schemas.openxmlformats.org/officeDocument/2006/math">
+                    <m:sSub>
+                      <m:sSubPr>
+                        <m:ctrlPr>
+                          <a:rPr lang="en-US" b="0" i="1" smtClean="0">
+                            <a:latin typeface="Cambria Math" panose="02040503050406030204" pitchFamily="18" charset="0"/>
+                          </a:rPr>
+                        </m:ctrlPr>
+                      </m:sSubPr>
+                      <m:e>
+                        <m:r>
+                          <a:rPr lang="en-US" b="0" i="1" smtClean="0">
+                            <a:latin typeface="Cambria Math" panose="02040503050406030204" pitchFamily="18" charset="0"/>
+                          </a:rPr>
+                          <m:t>64</m:t>
+                        </m:r>
+                      </m:e>
+                      <m:sub>
+                        <m:sSub>
+                          <m:sSubPr>
+                            <m:ctrlPr>
+                              <a:rPr lang="en-US" b="0" i="1" smtClean="0">
+                                <a:latin typeface="Cambria Math" panose="02040503050406030204" pitchFamily="18" charset="0"/>
+                              </a:rPr>
+                            </m:ctrlPr>
+                          </m:sSubPr>
+                          <m:e>
+                            <m:r>
+                              <a:rPr lang="en-US" b="0" i="1" smtClean="0">
+                                <a:latin typeface="Cambria Math" panose="02040503050406030204" pitchFamily="18" charset="0"/>
+                              </a:rPr>
+                              <m:t>𝑐</m:t>
+                            </m:r>
+                          </m:e>
+                          <m:sub>
+                            <m:r>
+                              <a:rPr lang="en-US" b="0" i="1" smtClean="0">
+                                <a:latin typeface="Cambria Math" panose="02040503050406030204" pitchFamily="18" charset="0"/>
+                              </a:rPr>
+                              <m:t>8</m:t>
+                            </m:r>
+                          </m:sub>
+                        </m:sSub>
+                      </m:sub>
+                    </m:sSub>
+                    <m:r>
+                      <a:rPr lang="en-US" b="0" i="1" smtClean="0">
+                        <a:latin typeface="Cambria Math" panose="02040503050406030204" pitchFamily="18" charset="0"/>
+                      </a:rPr>
+                      <m:t> </m:t>
+                    </m:r>
+                    <m:r>
+                      <a:rPr lang="en-US" b="0" i="1" smtClean="0">
+                        <a:latin typeface="Cambria Math" panose="02040503050406030204" pitchFamily="18" charset="0"/>
+                      </a:rPr>
+                      <m:t>𝐶𝑜𝑚𝑏𝑖𝑛𝑎𝑡𝑖𝑜𝑛𝑠</m:t>
+                    </m:r>
+                    <m:r>
+                      <a:rPr lang="en-US" b="0" i="1" smtClean="0">
+                        <a:latin typeface="Cambria Math" panose="02040503050406030204" pitchFamily="18" charset="0"/>
+                      </a:rPr>
+                      <m:t>,</m:t>
+                    </m:r>
+                    <m:r>
+                      <m:rPr>
+                        <m:nor/>
+                      </m:rPr>
+                      <a:rPr lang="en-US" b="0" i="1" smtClean="0">
+                        <a:latin typeface="Cambria Math" panose="02040503050406030204" pitchFamily="18" charset="0"/>
+                      </a:rPr>
+                      <m:t> </m:t>
+                    </m:r>
+                    <m:r>
+                      <m:rPr>
+                        <m:nor/>
+                      </m:rPr>
+                      <a:rPr lang="en-US">
+                        <a:latin typeface="Times New Roman" panose="02020603050405020304" pitchFamily="18" charset="0"/>
+                        <a:cs typeface="Times New Roman" panose="02020603050405020304" pitchFamily="18" charset="0"/>
+                      </a:rPr>
+                      <m:t>4,426,165,368</m:t>
+                    </m:r>
+                    <m:r>
+                      <m:rPr>
+                        <m:nor/>
+                      </m:rPr>
+                      <a:rPr lang="en-US" b="0" i="0" smtClean="0">
+                        <a:latin typeface="Times New Roman" panose="02020603050405020304" pitchFamily="18" charset="0"/>
+                        <a:cs typeface="Times New Roman" panose="02020603050405020304" pitchFamily="18" charset="0"/>
+                      </a:rPr>
+                      <m:t> </m:t>
+                    </m:r>
+                  </m:oMath>
+                </a14:m>
+                <a:r>
+                  <a:rPr lang="en-US" dirty="0" smtClean="0">
+                    <a:latin typeface="Times New Roman" panose="02020603050405020304" pitchFamily="18" charset="0"/>
+                    <a:cs typeface="Times New Roman" panose="02020603050405020304" pitchFamily="18" charset="0"/>
+                  </a:rPr>
+                  <a:t>possible </a:t>
+                </a:r>
+                <a:r>
+                  <a:rPr lang="en-US" dirty="0">
+                    <a:latin typeface="Times New Roman" panose="02020603050405020304" pitchFamily="18" charset="0"/>
+                    <a:cs typeface="Times New Roman" panose="02020603050405020304" pitchFamily="18" charset="0"/>
+                  </a:rPr>
+                  <a:t>blind placements of eight </a:t>
+                </a:r>
+                <a:r>
+                  <a:rPr lang="en-US" dirty="0" smtClean="0">
+                    <a:latin typeface="Times New Roman" panose="02020603050405020304" pitchFamily="18" charset="0"/>
+                    <a:cs typeface="Times New Roman" panose="02020603050405020304" pitchFamily="18" charset="0"/>
+                  </a:rPr>
+                  <a:t>queens.</a:t>
+                </a:r>
+                <a:endParaRPr lang="en-US" dirty="0">
+                  <a:latin typeface="Times New Roman" panose="02020603050405020304" pitchFamily="18" charset="0"/>
+                  <a:cs typeface="Times New Roman" panose="02020603050405020304" pitchFamily="18" charset="0"/>
+                </a:endParaRPr>
+              </a:p>
+            </p:txBody>
+          </p:sp>
+        </mc:Choice>
+        <mc:Fallback xmlns="">
+          <p:sp>
+            <p:nvSpPr>
+              <p:cNvPr id="3" name="TextBox 2"/>
+              <p:cNvSpPr txBox="1">
+                <a:spLocks noRot="1" noChangeAspect="1" noMove="1" noResize="1" noEditPoints="1" noAdjustHandles="1" noChangeArrowheads="1" noChangeShapeType="1" noTextEdit="1"/>
+              </p:cNvSpPr>
+              <p:nvPr/>
+            </p:nvSpPr>
+            <p:spPr>
+              <a:xfrm>
+                <a:off x="7165729" y="3884113"/>
+                <a:ext cx="4932485" cy="948914"/>
+              </a:xfrm>
+              <a:prstGeom prst="rect">
+                <a:avLst/>
+              </a:prstGeom>
+              <a:blipFill>
+                <a:blip r:embed="rId3"/>
+                <a:stretch>
+                  <a:fillRect l="-988" t="-3205" r="-1235" b="-8974"/>
+                </a:stretch>
+              </a:blipFill>
+            </p:spPr>
+            <p:txBody>
+              <a:bodyPr/>
+              <a:lstStyle/>
+              <a:p>
+                <a:r>
+                  <a:rPr lang="en-US">
+                    <a:noFill/>
+                  </a:rPr>
+                  <a:t> </a:t>
+                </a:r>
+              </a:p>
+            </p:txBody>
+          </p:sp>
+        </mc:Fallback>
+      </mc:AlternateContent>
+      <p:sp>
+        <p:nvSpPr>
+          <p:cNvPr id="4" name="Footer Placeholder 3"/>
+          <p:cNvSpPr>
+            <a:spLocks noGrp="1"/>
+          </p:cNvSpPr>
+          <p:nvPr>
+            <p:ph type="ftr" sz="quarter" idx="11"/>
+          </p:nvPr>
+        </p:nvSpPr>
+        <p:spPr/>
+        <p:txBody>
+          <a:bodyPr/>
+          <a:lstStyle/>
+          <a:p>
+            <a:r>
+              <a:rPr lang="en-US" smtClean="0"/>
+              <a:t>Sabbir Mahmud Afridi</a:t>
+            </a:r>
+            <a:endParaRPr lang="en-US" dirty="0"/>
+          </a:p>
+        </p:txBody>
+      </p:sp>
+      <p:sp>
+        <p:nvSpPr>
+          <p:cNvPr id="5" name="Slide Number Placeholder 4"/>
+          <p:cNvSpPr>
+            <a:spLocks noGrp="1"/>
+          </p:cNvSpPr>
+          <p:nvPr>
+            <p:ph type="sldNum" sz="quarter" idx="12"/>
+          </p:nvPr>
+        </p:nvSpPr>
+        <p:spPr/>
+        <p:txBody>
+          <a:bodyPr/>
+          <a:lstStyle/>
+          <a:p>
+            <a:fld id="{4FAB73BC-B049-4115-A692-8D63A059BFB8}" type="slidenum">
+              <a:rPr lang="en-US" smtClean="0"/>
+              <a:t>12</a:t>
+            </a:fld>
+            <a:endParaRPr lang="en-US" dirty="0"/>
+          </a:p>
+        </p:txBody>
+      </p:sp>
     </p:spTree>
     <p:extLst>
       <p:ext uri="{BB962C8B-B14F-4D97-AF65-F5344CB8AC3E}">
-        <p14:creationId xmlns:p14="http://schemas.microsoft.com/office/powerpoint/2010/main" val="667209301"/>
+        <p14:creationId xmlns:p14="http://schemas.microsoft.com/office/powerpoint/2010/main" val="2610771260"/>
       </p:ext>
     </p:extLst>
   </p:cSld>
@@ -4346,11 +5297,11 @@
           <a:p>
             <a:r>
               <a:rPr lang="en-US" dirty="0"/>
-              <a:t>ROBDD </a:t>
+              <a:t>Methods for solving 8-Queens </a:t>
             </a:r>
             <a:r>
               <a:rPr lang="en-US" dirty="0" smtClean="0"/>
-              <a:t>Example</a:t>
+              <a:t>Problem</a:t>
             </a:r>
             <a:br>
               <a:rPr lang="en-US" dirty="0" smtClean="0"/>
@@ -4361,7 +5312,7 @@
                   <a:srgbClr val="92D050"/>
                 </a:solidFill>
               </a:rPr>
-              <a:t>Ordered BDD (Removing Redundant </a:t>
+              <a:t>Method 2: </a:t>
             </a:r>
             <a:r>
               <a:rPr lang="en-US" sz="2800" dirty="0" err="1" smtClean="0">
@@ -4369,15 +5320,7 @@
                   <a:srgbClr val="92D050"/>
                 </a:solidFill>
               </a:rPr>
-              <a:t>TeSTS</a:t>
-            </a:r>
-            <a:r>
-              <a:rPr lang="en-US" sz="2800" dirty="0" smtClean="0">
-                <a:solidFill>
-                  <a:srgbClr val="92D050"/>
-                </a:solidFill>
-              </a:rPr>
-              <a:t>)</a:t>
+              <a:t>BackTracking</a:t>
             </a:r>
             <a:endParaRPr lang="en-US" dirty="0">
               <a:solidFill>
@@ -4387,67 +5330,346 @@
           </a:p>
         </p:txBody>
       </p:sp>
-      <p:graphicFrame>
-        <p:nvGraphicFramePr>
-          <p:cNvPr id="5" name="Object 4"/>
-          <p:cNvGraphicFramePr>
-            <a:graphicFrameLocks noChangeAspect="1"/>
-          </p:cNvGraphicFramePr>
-          <p:nvPr>
-            <p:extLst>
-              <p:ext uri="{D42A27DB-BD31-4B8C-83A1-F6EECF244321}">
-                <p14:modId xmlns:p14="http://schemas.microsoft.com/office/powerpoint/2010/main" val="947766589"/>
-              </p:ext>
-            </p:extLst>
-          </p:nvPr>
-        </p:nvGraphicFramePr>
-        <p:xfrm>
-          <a:off x="2925111" y="2084832"/>
-          <a:ext cx="5918106" cy="4607048"/>
-        </p:xfrm>
-        <a:graphic>
-          <a:graphicData uri="http://schemas.openxmlformats.org/presentationml/2006/ole">
-            <mc:AlternateContent xmlns:mc="http://schemas.openxmlformats.org/markup-compatibility/2006">
-              <mc:Choice xmlns:v="urn:schemas-microsoft-com:vml" Requires="v">
-                <p:oleObj spid="_x0000_s4115" r:id="rId3" imgW="7682400" imgH="5980680" progId="">
-                  <p:embed/>
-                </p:oleObj>
-              </mc:Choice>
-              <mc:Fallback>
-                <p:oleObj r:id="rId3" imgW="7682400" imgH="5980680" progId="">
-                  <p:embed/>
-                  <p:pic>
-                    <p:nvPicPr>
-                      <p:cNvPr id="0" name=""/>
-                      <p:cNvPicPr/>
-                      <p:nvPr/>
-                    </p:nvPicPr>
-                    <p:blipFill>
-                      <a:blip r:embed="rId4"/>
-                      <a:stretch>
-                        <a:fillRect/>
-                      </a:stretch>
-                    </p:blipFill>
-                    <p:spPr>
-                      <a:xfrm>
-                        <a:off x="2925111" y="2084832"/>
-                        <a:ext cx="5918106" cy="4607048"/>
-                      </a:xfrm>
-                      <a:prstGeom prst="rect">
-                        <a:avLst/>
-                      </a:prstGeom>
-                    </p:spPr>
-                  </p:pic>
-                </p:oleObj>
-              </mc:Fallback>
-            </mc:AlternateContent>
-          </a:graphicData>
-        </a:graphic>
-      </p:graphicFrame>
+      <p:sp>
+        <p:nvSpPr>
+          <p:cNvPr id="6" name="Rectangle 3"/>
+          <p:cNvSpPr>
+            <a:spLocks noChangeArrowheads="1"/>
+          </p:cNvSpPr>
+          <p:nvPr/>
+        </p:nvSpPr>
+        <p:spPr bwMode="auto">
+          <a:xfrm>
+            <a:off x="1024128" y="2084832"/>
+            <a:ext cx="10067193" cy="1477328"/>
+          </a:xfrm>
+          <a:prstGeom prst="rect">
+            <a:avLst/>
+          </a:prstGeom>
+          <a:noFill/>
+          <a:ln>
+            <a:noFill/>
+          </a:ln>
+          <a:effectLst/>
+          <a:extLst>
+            <a:ext uri="{909E8E84-426E-40DD-AFC4-6F175D3DCCD1}">
+              <a14:hiddenFill xmlns:a14="http://schemas.microsoft.com/office/drawing/2010/main">
+                <a:solidFill>
+                  <a:schemeClr val="accent1"/>
+                </a:solidFill>
+              </a14:hiddenFill>
+            </a:ext>
+            <a:ext uri="{91240B29-F687-4F45-9708-019B960494DF}">
+              <a14:hiddenLine xmlns:a14="http://schemas.microsoft.com/office/drawing/2010/main" w="9525">
+                <a:solidFill>
+                  <a:schemeClr val="tx1"/>
+                </a:solidFill>
+                <a:miter lim="800000"/>
+                <a:headEnd/>
+                <a:tailEnd/>
+              </a14:hiddenLine>
+            </a:ext>
+            <a:ext uri="{AF507438-7753-43E0-B8FC-AC1667EBCBE1}">
+              <a14:hiddenEffects xmlns:a14="http://schemas.microsoft.com/office/drawing/2010/main">
+                <a:effectLst>
+                  <a:outerShdw dist="35921" dir="2700000" algn="ctr" rotWithShape="0">
+                    <a:schemeClr val="bg2"/>
+                  </a:outerShdw>
+                </a:effectLst>
+              </a14:hiddenEffects>
+            </a:ext>
+          </a:extLst>
+        </p:spPr>
+        <p:txBody>
+          <a:bodyPr vert="horz" wrap="square" lIns="91440" tIns="45720" rIns="91440" bIns="45720" numCol="1" anchor="ctr" anchorCtr="0" compatLnSpc="1">
+            <a:prstTxWarp prst="textNoShape">
+              <a:avLst/>
+            </a:prstTxWarp>
+            <a:spAutoFit/>
+          </a:bodyPr>
+          <a:lstStyle/>
+          <a:p>
+            <a:pPr marL="285750" marR="0" lvl="0" indent="-285750" algn="l" defTabSz="914400" rtl="0" eaLnBrk="0" fontAlgn="base" latinLnBrk="0" hangingPunct="0">
+              <a:lnSpc>
+                <a:spcPct val="100000"/>
+              </a:lnSpc>
+              <a:spcBef>
+                <a:spcPct val="0"/>
+              </a:spcBef>
+              <a:spcAft>
+                <a:spcPct val="0"/>
+              </a:spcAft>
+              <a:buClrTx/>
+              <a:buSzTx/>
+              <a:buFont typeface="Arial" panose="020B0604020202020204" pitchFamily="34" charset="0"/>
+              <a:buChar char="•"/>
+              <a:tabLst/>
+            </a:pPr>
+            <a:r>
+              <a:rPr kumimoji="0" lang="en-US" altLang="en-US" sz="1800" b="1" i="0" u="none" strike="noStrike" cap="none" normalizeH="0" baseline="0" dirty="0" smtClean="0">
+                <a:ln>
+                  <a:noFill/>
+                </a:ln>
+                <a:solidFill>
+                  <a:schemeClr val="tx1"/>
+                </a:solidFill>
+                <a:effectLst/>
+                <a:latin typeface="Times New Roman" panose="02020603050405020304" pitchFamily="18" charset="0"/>
+                <a:cs typeface="Times New Roman" panose="02020603050405020304" pitchFamily="18" charset="0"/>
+              </a:rPr>
+              <a:t>Start with an empty chessboard</a:t>
+            </a:r>
+            <a:r>
+              <a:rPr kumimoji="0" lang="en-US" altLang="en-US" sz="1800" b="0" i="0" u="none" strike="noStrike" cap="none" normalizeH="0" baseline="0" dirty="0" smtClean="0">
+                <a:ln>
+                  <a:noFill/>
+                </a:ln>
+                <a:solidFill>
+                  <a:schemeClr val="tx1"/>
+                </a:solidFill>
+                <a:effectLst/>
+                <a:latin typeface="Times New Roman" panose="02020603050405020304" pitchFamily="18" charset="0"/>
+                <a:cs typeface="Times New Roman" panose="02020603050405020304" pitchFamily="18" charset="0"/>
+              </a:rPr>
+              <a:t> and place a queen in the first row.</a:t>
+            </a:r>
+          </a:p>
+          <a:p>
+            <a:pPr marL="285750" marR="0" lvl="0" indent="-285750" algn="l" defTabSz="914400" rtl="0" eaLnBrk="0" fontAlgn="base" latinLnBrk="0" hangingPunct="0">
+              <a:lnSpc>
+                <a:spcPct val="100000"/>
+              </a:lnSpc>
+              <a:spcBef>
+                <a:spcPct val="0"/>
+              </a:spcBef>
+              <a:spcAft>
+                <a:spcPct val="0"/>
+              </a:spcAft>
+              <a:buClrTx/>
+              <a:buSzTx/>
+              <a:buFont typeface="Arial" panose="020B0604020202020204" pitchFamily="34" charset="0"/>
+              <a:buChar char="•"/>
+              <a:tabLst/>
+            </a:pPr>
+            <a:r>
+              <a:rPr kumimoji="0" lang="en-US" altLang="en-US" sz="1800" b="1" i="0" u="none" strike="noStrike" cap="none" normalizeH="0" baseline="0" dirty="0" smtClean="0">
+                <a:ln>
+                  <a:noFill/>
+                </a:ln>
+                <a:solidFill>
+                  <a:schemeClr val="tx1"/>
+                </a:solidFill>
+                <a:effectLst/>
+                <a:latin typeface="Times New Roman" panose="02020603050405020304" pitchFamily="18" charset="0"/>
+                <a:cs typeface="Times New Roman" panose="02020603050405020304" pitchFamily="18" charset="0"/>
+              </a:rPr>
+              <a:t>Move to the next row</a:t>
+            </a:r>
+            <a:r>
+              <a:rPr kumimoji="0" lang="en-US" altLang="en-US" sz="1800" b="0" i="0" u="none" strike="noStrike" cap="none" normalizeH="0" baseline="0" dirty="0" smtClean="0">
+                <a:ln>
+                  <a:noFill/>
+                </a:ln>
+                <a:solidFill>
+                  <a:schemeClr val="tx1"/>
+                </a:solidFill>
+                <a:effectLst/>
+                <a:latin typeface="Times New Roman" panose="02020603050405020304" pitchFamily="18" charset="0"/>
+                <a:cs typeface="Times New Roman" panose="02020603050405020304" pitchFamily="18" charset="0"/>
+              </a:rPr>
+              <a:t> and try placing a queen in each column.</a:t>
+            </a:r>
+          </a:p>
+          <a:p>
+            <a:pPr marL="285750" marR="0" lvl="0" indent="-285750" algn="l" defTabSz="914400" rtl="0" eaLnBrk="0" fontAlgn="base" latinLnBrk="0" hangingPunct="0">
+              <a:lnSpc>
+                <a:spcPct val="100000"/>
+              </a:lnSpc>
+              <a:spcBef>
+                <a:spcPct val="0"/>
+              </a:spcBef>
+              <a:spcAft>
+                <a:spcPct val="0"/>
+              </a:spcAft>
+              <a:buClrTx/>
+              <a:buSzTx/>
+              <a:buFont typeface="Arial" panose="020B0604020202020204" pitchFamily="34" charset="0"/>
+              <a:buChar char="•"/>
+              <a:tabLst/>
+            </a:pPr>
+            <a:r>
+              <a:rPr kumimoji="0" lang="en-US" altLang="en-US" sz="1800" b="1" i="0" u="none" strike="noStrike" cap="none" normalizeH="0" baseline="0" dirty="0" smtClean="0">
+                <a:ln>
+                  <a:noFill/>
+                </a:ln>
+                <a:solidFill>
+                  <a:schemeClr val="tx1"/>
+                </a:solidFill>
+                <a:effectLst/>
+                <a:latin typeface="Times New Roman" panose="02020603050405020304" pitchFamily="18" charset="0"/>
+                <a:cs typeface="Times New Roman" panose="02020603050405020304" pitchFamily="18" charset="0"/>
+              </a:rPr>
+              <a:t>Check for safety</a:t>
+            </a:r>
+            <a:r>
+              <a:rPr kumimoji="0" lang="en-US" altLang="en-US" sz="1800" b="0" i="0" u="none" strike="noStrike" cap="none" normalizeH="0" baseline="0" dirty="0" smtClean="0">
+                <a:ln>
+                  <a:noFill/>
+                </a:ln>
+                <a:solidFill>
+                  <a:schemeClr val="tx1"/>
+                </a:solidFill>
+                <a:effectLst/>
+                <a:latin typeface="Times New Roman" panose="02020603050405020304" pitchFamily="18" charset="0"/>
+                <a:cs typeface="Times New Roman" panose="02020603050405020304" pitchFamily="18" charset="0"/>
+              </a:rPr>
+              <a:t> at each position (no queens in the same column or diagonal).</a:t>
+            </a:r>
+          </a:p>
+          <a:p>
+            <a:pPr marL="285750" marR="0" lvl="0" indent="-285750" algn="l" defTabSz="914400" rtl="0" eaLnBrk="0" fontAlgn="base" latinLnBrk="0" hangingPunct="0">
+              <a:lnSpc>
+                <a:spcPct val="100000"/>
+              </a:lnSpc>
+              <a:spcBef>
+                <a:spcPct val="0"/>
+              </a:spcBef>
+              <a:spcAft>
+                <a:spcPct val="0"/>
+              </a:spcAft>
+              <a:buClrTx/>
+              <a:buSzTx/>
+              <a:buFont typeface="Arial" panose="020B0604020202020204" pitchFamily="34" charset="0"/>
+              <a:buChar char="•"/>
+              <a:tabLst/>
+            </a:pPr>
+            <a:r>
+              <a:rPr kumimoji="0" lang="en-US" altLang="en-US" sz="1800" b="1" i="0" u="none" strike="noStrike" cap="none" normalizeH="0" baseline="0" dirty="0" smtClean="0">
+                <a:ln>
+                  <a:noFill/>
+                </a:ln>
+                <a:solidFill>
+                  <a:schemeClr val="tx1"/>
+                </a:solidFill>
+                <a:effectLst/>
+                <a:latin typeface="Times New Roman" panose="02020603050405020304" pitchFamily="18" charset="0"/>
+                <a:cs typeface="Times New Roman" panose="02020603050405020304" pitchFamily="18" charset="0"/>
+              </a:rPr>
+              <a:t>Backtrack if stuck</a:t>
+            </a:r>
+            <a:r>
+              <a:rPr kumimoji="0" lang="en-US" altLang="en-US" sz="1800" b="0" i="0" u="none" strike="noStrike" cap="none" normalizeH="0" baseline="0" dirty="0" smtClean="0">
+                <a:ln>
+                  <a:noFill/>
+                </a:ln>
+                <a:solidFill>
+                  <a:schemeClr val="tx1"/>
+                </a:solidFill>
+                <a:effectLst/>
+                <a:latin typeface="Times New Roman" panose="02020603050405020304" pitchFamily="18" charset="0"/>
+                <a:cs typeface="Times New Roman" panose="02020603050405020304" pitchFamily="18" charset="0"/>
+              </a:rPr>
+              <a:t> by removing the previous queen and trying the next column.</a:t>
+            </a:r>
+          </a:p>
+          <a:p>
+            <a:pPr marL="285750" marR="0" lvl="0" indent="-285750" algn="l" defTabSz="914400" rtl="0" eaLnBrk="0" fontAlgn="base" latinLnBrk="0" hangingPunct="0">
+              <a:lnSpc>
+                <a:spcPct val="100000"/>
+              </a:lnSpc>
+              <a:spcBef>
+                <a:spcPct val="0"/>
+              </a:spcBef>
+              <a:spcAft>
+                <a:spcPct val="0"/>
+              </a:spcAft>
+              <a:buClrTx/>
+              <a:buSzTx/>
+              <a:buFont typeface="Arial" panose="020B0604020202020204" pitchFamily="34" charset="0"/>
+              <a:buChar char="•"/>
+              <a:tabLst/>
+            </a:pPr>
+            <a:r>
+              <a:rPr kumimoji="0" lang="en-US" altLang="en-US" sz="1800" b="1" i="0" u="none" strike="noStrike" cap="none" normalizeH="0" baseline="0" dirty="0" smtClean="0">
+                <a:ln>
+                  <a:noFill/>
+                </a:ln>
+                <a:solidFill>
+                  <a:schemeClr val="tx1"/>
+                </a:solidFill>
+                <a:effectLst/>
+                <a:latin typeface="Times New Roman" panose="02020603050405020304" pitchFamily="18" charset="0"/>
+                <a:cs typeface="Times New Roman" panose="02020603050405020304" pitchFamily="18" charset="0"/>
+              </a:rPr>
+              <a:t>Repeat until all 8 queens are placed</a:t>
+            </a:r>
+            <a:r>
+              <a:rPr kumimoji="0" lang="en-US" altLang="en-US" sz="1800" b="0" i="0" u="none" strike="noStrike" cap="none" normalizeH="0" baseline="0" dirty="0" smtClean="0">
+                <a:ln>
+                  <a:noFill/>
+                </a:ln>
+                <a:solidFill>
+                  <a:schemeClr val="tx1"/>
+                </a:solidFill>
+                <a:effectLst/>
+                <a:latin typeface="Times New Roman" panose="02020603050405020304" pitchFamily="18" charset="0"/>
+                <a:cs typeface="Times New Roman" panose="02020603050405020304" pitchFamily="18" charset="0"/>
+              </a:rPr>
+              <a:t>, then record the solution and explore other possibilities if needed. </a:t>
+            </a:r>
+          </a:p>
+        </p:txBody>
+      </p:sp>
+      <p:sp>
+        <p:nvSpPr>
+          <p:cNvPr id="3" name="Footer Placeholder 2"/>
+          <p:cNvSpPr>
+            <a:spLocks noGrp="1"/>
+          </p:cNvSpPr>
+          <p:nvPr>
+            <p:ph type="ftr" sz="quarter" idx="11"/>
+          </p:nvPr>
+        </p:nvSpPr>
+        <p:spPr/>
+        <p:txBody>
+          <a:bodyPr/>
+          <a:lstStyle/>
+          <a:p>
+            <a:r>
+              <a:rPr lang="en-US" smtClean="0"/>
+              <a:t>Sabbir Mahmud Afridi</a:t>
+            </a:r>
+            <a:endParaRPr lang="en-US" dirty="0"/>
+          </a:p>
+        </p:txBody>
+      </p:sp>
+      <p:sp>
+        <p:nvSpPr>
+          <p:cNvPr id="4" name="Slide Number Placeholder 3"/>
+          <p:cNvSpPr>
+            <a:spLocks noGrp="1"/>
+          </p:cNvSpPr>
+          <p:nvPr>
+            <p:ph type="sldNum" sz="quarter" idx="12"/>
+          </p:nvPr>
+        </p:nvSpPr>
+        <p:spPr/>
+        <p:txBody>
+          <a:bodyPr/>
+          <a:lstStyle/>
+          <a:p>
+            <a:fld id="{4FAB73BC-B049-4115-A692-8D63A059BFB8}" type="slidenum">
+              <a:rPr lang="en-US" smtClean="0"/>
+              <a:t>13</a:t>
+            </a:fld>
+            <a:endParaRPr lang="en-US" dirty="0"/>
+          </a:p>
+        </p:txBody>
+      </p:sp>
     </p:spTree>
     <p:extLst>
       <p:ext uri="{BB962C8B-B14F-4D97-AF65-F5344CB8AC3E}">
-        <p14:creationId xmlns:p14="http://schemas.microsoft.com/office/powerpoint/2010/main" val="2940990987"/>
+        <p14:creationId xmlns:p14="http://schemas.microsoft.com/office/powerpoint/2010/main" val="3406521853"/>
       </p:ext>
     </p:extLst>
   </p:cSld>
@@ -4501,11 +5723,11 @@
           <a:p>
             <a:r>
               <a:rPr lang="en-US" dirty="0"/>
-              <a:t>ROBDD </a:t>
+              <a:t>Methods for solving 8-Queens </a:t>
             </a:r>
             <a:r>
               <a:rPr lang="en-US" dirty="0" smtClean="0"/>
-              <a:t>Example</a:t>
+              <a:t>Problem</a:t>
             </a:r>
             <a:br>
               <a:rPr lang="en-US" dirty="0" smtClean="0"/>
@@ -4516,7 +5738,23 @@
                   <a:srgbClr val="92D050"/>
                 </a:solidFill>
               </a:rPr>
-              <a:t>ROBDD</a:t>
+              <a:t>Method 2: </a:t>
+            </a:r>
+            <a:r>
+              <a:rPr lang="en-US" sz="2800" dirty="0" err="1" smtClean="0">
+                <a:solidFill>
+                  <a:srgbClr val="92D050"/>
+                </a:solidFill>
+              </a:rPr>
+              <a:t>BackTracking</a:t>
+            </a:r>
+            <a:r>
+              <a:rPr lang="en-US" sz="2800" dirty="0" smtClean="0">
+                <a:solidFill>
+                  <a:srgbClr val="92D050"/>
+                </a:solidFill>
+              </a:rPr>
+              <a:t> (Cont.)</a:t>
             </a:r>
             <a:endParaRPr lang="en-US" dirty="0">
               <a:solidFill>
@@ -4526,67 +5764,97 @@
           </a:p>
         </p:txBody>
       </p:sp>
-      <p:graphicFrame>
-        <p:nvGraphicFramePr>
-          <p:cNvPr id="3" name="Object 2"/>
-          <p:cNvGraphicFramePr>
-            <a:graphicFrameLocks noChangeAspect="1"/>
-          </p:cNvGraphicFramePr>
-          <p:nvPr>
-            <p:extLst>
-              <p:ext uri="{D42A27DB-BD31-4B8C-83A1-F6EECF244321}">
-                <p14:modId xmlns:p14="http://schemas.microsoft.com/office/powerpoint/2010/main" val="3615893970"/>
-              </p:ext>
-            </p:extLst>
-          </p:nvPr>
-        </p:nvGraphicFramePr>
-        <p:xfrm>
-          <a:off x="3077464" y="2164760"/>
-          <a:ext cx="5613399" cy="4402117"/>
-        </p:xfrm>
-        <a:graphic>
-          <a:graphicData uri="http://schemas.openxmlformats.org/presentationml/2006/ole">
-            <mc:AlternateContent xmlns:mc="http://schemas.openxmlformats.org/markup-compatibility/2006">
-              <mc:Choice xmlns:v="urn:schemas-microsoft-com:vml" Requires="v">
-                <p:oleObj spid="_x0000_s5139" r:id="rId3" imgW="7644240" imgH="5993640" progId="">
-                  <p:embed/>
-                </p:oleObj>
-              </mc:Choice>
-              <mc:Fallback>
-                <p:oleObj r:id="rId3" imgW="7644240" imgH="5993640" progId="">
-                  <p:embed/>
-                  <p:pic>
-                    <p:nvPicPr>
-                      <p:cNvPr id="0" name=""/>
-                      <p:cNvPicPr/>
-                      <p:nvPr/>
-                    </p:nvPicPr>
-                    <p:blipFill>
-                      <a:blip r:embed="rId4"/>
-                      <a:stretch>
-                        <a:fillRect/>
-                      </a:stretch>
-                    </p:blipFill>
-                    <p:spPr>
-                      <a:xfrm>
-                        <a:off x="3077464" y="2164760"/>
-                        <a:ext cx="5613399" cy="4402117"/>
-                      </a:xfrm>
-                      <a:prstGeom prst="rect">
-                        <a:avLst/>
-                      </a:prstGeom>
-                    </p:spPr>
-                  </p:pic>
-                </p:oleObj>
-              </mc:Fallback>
-            </mc:AlternateContent>
-          </a:graphicData>
-        </a:graphic>
-      </p:graphicFrame>
+      <p:pic>
+        <p:nvPicPr>
+          <p:cNvPr id="1026" name="Picture 2" descr="N-Queens Problem"/>
+          <p:cNvPicPr>
+            <a:picLocks noChangeAspect="1" noChangeArrowheads="1"/>
+          </p:cNvPicPr>
+          <p:nvPr/>
+        </p:nvPicPr>
+        <p:blipFill>
+          <a:blip r:embed="rId2">
+            <a:extLst>
+              <a:ext uri="{28A0092B-C50C-407E-A947-70E740481C1C}">
+                <a14:useLocalDpi xmlns:a14="http://schemas.microsoft.com/office/drawing/2010/main" val="0"/>
+              </a:ext>
+            </a:extLst>
+          </a:blip>
+          <a:srcRect/>
+          <a:stretch>
+            <a:fillRect/>
+          </a:stretch>
+        </p:blipFill>
+        <p:spPr bwMode="auto">
+          <a:xfrm>
+            <a:off x="4357355" y="1979328"/>
+            <a:ext cx="3053617" cy="4772829"/>
+          </a:xfrm>
+          <a:prstGeom prst="rect">
+            <a:avLst/>
+          </a:prstGeom>
+          <a:noFill/>
+          <a:extLst>
+            <a:ext uri="{909E8E84-426E-40DD-AFC4-6F175D3DCCD1}">
+              <a14:hiddenFill xmlns:a14="http://schemas.microsoft.com/office/drawing/2010/main">
+                <a:solidFill>
+                  <a:srgbClr val="FFFFFF"/>
+                </a:solidFill>
+              </a14:hiddenFill>
+            </a:ext>
+          </a:extLst>
+        </p:spPr>
+      </p:pic>
+      <p:sp>
+        <p:nvSpPr>
+          <p:cNvPr id="3" name="Footer Placeholder 2"/>
+          <p:cNvSpPr>
+            <a:spLocks noGrp="1"/>
+          </p:cNvSpPr>
+          <p:nvPr>
+            <p:ph type="ftr" sz="quarter" idx="11"/>
+          </p:nvPr>
+        </p:nvSpPr>
+        <p:spPr/>
+        <p:txBody>
+          <a:bodyPr/>
+          <a:lstStyle/>
+          <a:p>
+            <a:r>
+              <a:rPr lang="en-US" smtClean="0"/>
+              <a:t>Sabbir Mahmud Afridi</a:t>
+            </a:r>
+            <a:endParaRPr lang="en-US" dirty="0"/>
+          </a:p>
+        </p:txBody>
+      </p:sp>
+      <p:sp>
+        <p:nvSpPr>
+          <p:cNvPr id="4" name="Slide Number Placeholder 3"/>
+          <p:cNvSpPr>
+            <a:spLocks noGrp="1"/>
+          </p:cNvSpPr>
+          <p:nvPr>
+            <p:ph type="sldNum" sz="quarter" idx="12"/>
+          </p:nvPr>
+        </p:nvSpPr>
+        <p:spPr/>
+        <p:txBody>
+          <a:bodyPr/>
+          <a:lstStyle/>
+          <a:p>
+            <a:fld id="{4FAB73BC-B049-4115-A692-8D63A059BFB8}" type="slidenum">
+              <a:rPr lang="en-US" smtClean="0"/>
+              <a:t>14</a:t>
+            </a:fld>
+            <a:endParaRPr lang="en-US" dirty="0"/>
+          </a:p>
+        </p:txBody>
+      </p:sp>
     </p:spTree>
     <p:extLst>
       <p:ext uri="{BB962C8B-B14F-4D97-AF65-F5344CB8AC3E}">
-        <p14:creationId xmlns:p14="http://schemas.microsoft.com/office/powerpoint/2010/main" val="1228935566"/>
+        <p14:creationId xmlns:p14="http://schemas.microsoft.com/office/powerpoint/2010/main" val="3270931146"/>
       </p:ext>
     </p:extLst>
   </p:cSld>
@@ -4749,6 +6017,52 @@
               <a:t>solution.</a:t>
             </a:r>
             <a:endParaRPr lang="en-US" sz="2400" dirty="0"/>
+          </a:p>
+        </p:txBody>
+      </p:sp>
+      <p:sp>
+        <p:nvSpPr>
+          <p:cNvPr id="3" name="Footer Placeholder 2"/>
+          <p:cNvSpPr>
+            <a:spLocks noGrp="1"/>
+          </p:cNvSpPr>
+          <p:nvPr>
+            <p:ph type="ftr" sz="quarter" idx="11"/>
+          </p:nvPr>
+        </p:nvSpPr>
+        <p:spPr/>
+        <p:txBody>
+          <a:bodyPr/>
+          <a:lstStyle/>
+          <a:p>
+            <a:r>
+              <a:rPr lang="en-US" smtClean="0"/>
+              <a:t>Sabbir Mahmud Afridi</a:t>
+            </a:r>
+            <a:endParaRPr lang="en-US" dirty="0"/>
+          </a:p>
+        </p:txBody>
+      </p:sp>
+      <p:sp>
+        <p:nvSpPr>
+          <p:cNvPr id="5" name="Slide Number Placeholder 4"/>
+          <p:cNvSpPr>
+            <a:spLocks noGrp="1"/>
+          </p:cNvSpPr>
+          <p:nvPr>
+            <p:ph type="sldNum" sz="quarter" idx="12"/>
+          </p:nvPr>
+        </p:nvSpPr>
+        <p:spPr/>
+        <p:txBody>
+          <a:bodyPr/>
+          <a:lstStyle/>
+          <a:p>
+            <a:fld id="{4FAB73BC-B049-4115-A692-8D63A059BFB8}" type="slidenum">
+              <a:rPr lang="en-US" smtClean="0"/>
+              <a:t>15</a:t>
+            </a:fld>
+            <a:endParaRPr lang="en-US" dirty="0"/>
           </a:p>
         </p:txBody>
       </p:sp>
@@ -5185,6 +6499,52 @@
           </a:extLst>
         </p:spPr>
       </p:pic>
+      <p:sp>
+        <p:nvSpPr>
+          <p:cNvPr id="3" name="Footer Placeholder 2"/>
+          <p:cNvSpPr>
+            <a:spLocks noGrp="1"/>
+          </p:cNvSpPr>
+          <p:nvPr>
+            <p:ph type="ftr" sz="quarter" idx="11"/>
+          </p:nvPr>
+        </p:nvSpPr>
+        <p:spPr/>
+        <p:txBody>
+          <a:bodyPr/>
+          <a:lstStyle/>
+          <a:p>
+            <a:r>
+              <a:rPr lang="en-US" smtClean="0"/>
+              <a:t>Sabbir Mahmud Afridi</a:t>
+            </a:r>
+            <a:endParaRPr lang="en-US" dirty="0"/>
+          </a:p>
+        </p:txBody>
+      </p:sp>
+      <p:sp>
+        <p:nvSpPr>
+          <p:cNvPr id="5" name="Slide Number Placeholder 4"/>
+          <p:cNvSpPr>
+            <a:spLocks noGrp="1"/>
+          </p:cNvSpPr>
+          <p:nvPr>
+            <p:ph type="sldNum" sz="quarter" idx="12"/>
+          </p:nvPr>
+        </p:nvSpPr>
+        <p:spPr/>
+        <p:txBody>
+          <a:bodyPr/>
+          <a:lstStyle/>
+          <a:p>
+            <a:fld id="{4FAB73BC-B049-4115-A692-8D63A059BFB8}" type="slidenum">
+              <a:rPr lang="en-US" smtClean="0"/>
+              <a:t>16</a:t>
+            </a:fld>
+            <a:endParaRPr lang="en-US" dirty="0"/>
+          </a:p>
+        </p:txBody>
+      </p:sp>
     </p:spTree>
     <p:extLst>
       <p:ext uri="{BB962C8B-B14F-4D97-AF65-F5344CB8AC3E}">
@@ -5374,7 +6734,7 @@
           <a:graphicData uri="http://schemas.openxmlformats.org/presentationml/2006/ole">
             <mc:AlternateContent xmlns:mc="http://schemas.openxmlformats.org/markup-compatibility/2006">
               <mc:Choice xmlns:v="urn:schemas-microsoft-com:vml" Requires="v">
-                <p:oleObj spid="_x0000_s8220" r:id="rId4" imgW="5434920" imgH="5917320" progId="">
+                <p:oleObj spid="_x0000_s8229" r:id="rId4" imgW="5434920" imgH="5917320" progId="">
                   <p:embed/>
                 </p:oleObj>
               </mc:Choice>
@@ -5409,6 +6769,52 @@
           </a:graphicData>
         </a:graphic>
       </p:graphicFrame>
+      <p:sp>
+        <p:nvSpPr>
+          <p:cNvPr id="3" name="Footer Placeholder 2"/>
+          <p:cNvSpPr>
+            <a:spLocks noGrp="1"/>
+          </p:cNvSpPr>
+          <p:nvPr>
+            <p:ph type="ftr" sz="quarter" idx="11"/>
+          </p:nvPr>
+        </p:nvSpPr>
+        <p:spPr/>
+        <p:txBody>
+          <a:bodyPr/>
+          <a:lstStyle/>
+          <a:p>
+            <a:r>
+              <a:rPr lang="en-US" smtClean="0"/>
+              <a:t>Sabbir Mahmud Afridi</a:t>
+            </a:r>
+            <a:endParaRPr lang="en-US" dirty="0"/>
+          </a:p>
+        </p:txBody>
+      </p:sp>
+      <p:sp>
+        <p:nvSpPr>
+          <p:cNvPr id="5" name="Slide Number Placeholder 4"/>
+          <p:cNvSpPr>
+            <a:spLocks noGrp="1"/>
+          </p:cNvSpPr>
+          <p:nvPr>
+            <p:ph type="sldNum" sz="quarter" idx="12"/>
+          </p:nvPr>
+        </p:nvSpPr>
+        <p:spPr/>
+        <p:txBody>
+          <a:bodyPr/>
+          <a:lstStyle/>
+          <a:p>
+            <a:fld id="{4FAB73BC-B049-4115-A692-8D63A059BFB8}" type="slidenum">
+              <a:rPr lang="en-US" smtClean="0"/>
+              <a:t>17</a:t>
+            </a:fld>
+            <a:endParaRPr lang="en-US" dirty="0"/>
+          </a:p>
+        </p:txBody>
+      </p:sp>
     </p:spTree>
     <p:extLst>
       <p:ext uri="{BB962C8B-B14F-4D97-AF65-F5344CB8AC3E}">
@@ -5598,7 +7004,7 @@
           <a:graphicData uri="http://schemas.openxmlformats.org/presentationml/2006/ole">
             <mc:AlternateContent xmlns:mc="http://schemas.openxmlformats.org/markup-compatibility/2006">
               <mc:Choice xmlns:v="urn:schemas-microsoft-com:vml" Requires="v">
-                <p:oleObj spid="_x0000_s9234" r:id="rId4" imgW="5434920" imgH="5917320" progId="">
+                <p:oleObj spid="_x0000_s9243" r:id="rId4" imgW="5434920" imgH="5917320" progId="">
                   <p:embed/>
                 </p:oleObj>
               </mc:Choice>
@@ -5633,6 +7039,52 @@
           </a:graphicData>
         </a:graphic>
       </p:graphicFrame>
+      <p:sp>
+        <p:nvSpPr>
+          <p:cNvPr id="6" name="Footer Placeholder 5"/>
+          <p:cNvSpPr>
+            <a:spLocks noGrp="1"/>
+          </p:cNvSpPr>
+          <p:nvPr>
+            <p:ph type="ftr" sz="quarter" idx="11"/>
+          </p:nvPr>
+        </p:nvSpPr>
+        <p:spPr/>
+        <p:txBody>
+          <a:bodyPr/>
+          <a:lstStyle/>
+          <a:p>
+            <a:r>
+              <a:rPr lang="en-US" smtClean="0"/>
+              <a:t>Sabbir Mahmud Afridi</a:t>
+            </a:r>
+            <a:endParaRPr lang="en-US" dirty="0"/>
+          </a:p>
+        </p:txBody>
+      </p:sp>
+      <p:sp>
+        <p:nvSpPr>
+          <p:cNvPr id="7" name="Slide Number Placeholder 6"/>
+          <p:cNvSpPr>
+            <a:spLocks noGrp="1"/>
+          </p:cNvSpPr>
+          <p:nvPr>
+            <p:ph type="sldNum" sz="quarter" idx="12"/>
+          </p:nvPr>
+        </p:nvSpPr>
+        <p:spPr/>
+        <p:txBody>
+          <a:bodyPr/>
+          <a:lstStyle/>
+          <a:p>
+            <a:fld id="{4FAB73BC-B049-4115-A692-8D63A059BFB8}" type="slidenum">
+              <a:rPr lang="en-US" smtClean="0"/>
+              <a:t>18</a:t>
+            </a:fld>
+            <a:endParaRPr lang="en-US" dirty="0"/>
+          </a:p>
+        </p:txBody>
+      </p:sp>
     </p:spTree>
     <p:extLst>
       <p:ext uri="{BB962C8B-B14F-4D97-AF65-F5344CB8AC3E}">
@@ -5822,7 +7274,7 @@
           <a:graphicData uri="http://schemas.openxmlformats.org/presentationml/2006/ole">
             <mc:AlternateContent xmlns:mc="http://schemas.openxmlformats.org/markup-compatibility/2006">
               <mc:Choice xmlns:v="urn:schemas-microsoft-com:vml" Requires="v">
-                <p:oleObj spid="_x0000_s10266" r:id="rId4" imgW="5447520" imgH="5917320" progId="">
+                <p:oleObj spid="_x0000_s10284" r:id="rId4" imgW="5447520" imgH="5917320" progId="">
                   <p:embed/>
                 </p:oleObj>
               </mc:Choice>
@@ -5879,7 +7331,7 @@
           <a:graphicData uri="http://schemas.openxmlformats.org/presentationml/2006/ole">
             <mc:AlternateContent xmlns:mc="http://schemas.openxmlformats.org/markup-compatibility/2006">
               <mc:Choice xmlns:v="urn:schemas-microsoft-com:vml" Requires="v">
-                <p:oleObj spid="_x0000_s10267" r:id="rId6" imgW="2336400" imgH="5676120" progId="">
+                <p:oleObj spid="_x0000_s10285" r:id="rId6" imgW="2336400" imgH="5676120" progId="">
                   <p:embed/>
                 </p:oleObj>
               </mc:Choice>
@@ -5914,6 +7366,52 @@
           </a:graphicData>
         </a:graphic>
       </p:graphicFrame>
+      <p:sp>
+        <p:nvSpPr>
+          <p:cNvPr id="5" name="Footer Placeholder 4"/>
+          <p:cNvSpPr>
+            <a:spLocks noGrp="1"/>
+          </p:cNvSpPr>
+          <p:nvPr>
+            <p:ph type="ftr" sz="quarter" idx="11"/>
+          </p:nvPr>
+        </p:nvSpPr>
+        <p:spPr/>
+        <p:txBody>
+          <a:bodyPr/>
+          <a:lstStyle/>
+          <a:p>
+            <a:r>
+              <a:rPr lang="en-US" smtClean="0"/>
+              <a:t>Sabbir Mahmud Afridi</a:t>
+            </a:r>
+            <a:endParaRPr lang="en-US" dirty="0"/>
+          </a:p>
+        </p:txBody>
+      </p:sp>
+      <p:sp>
+        <p:nvSpPr>
+          <p:cNvPr id="8" name="Slide Number Placeholder 7"/>
+          <p:cNvSpPr>
+            <a:spLocks noGrp="1"/>
+          </p:cNvSpPr>
+          <p:nvPr>
+            <p:ph type="sldNum" sz="quarter" idx="12"/>
+          </p:nvPr>
+        </p:nvSpPr>
+        <p:spPr/>
+        <p:txBody>
+          <a:bodyPr/>
+          <a:lstStyle/>
+          <a:p>
+            <a:fld id="{4FAB73BC-B049-4115-A692-8D63A059BFB8}" type="slidenum">
+              <a:rPr lang="en-US" smtClean="0"/>
+              <a:t>19</a:t>
+            </a:fld>
+            <a:endParaRPr lang="en-US" dirty="0"/>
+          </a:p>
+        </p:txBody>
+      </p:sp>
     </p:spTree>
     <p:extLst>
       <p:ext uri="{BB962C8B-B14F-4D97-AF65-F5344CB8AC3E}">
@@ -6007,12 +7505,12 @@
               <a:buChar char="•"/>
             </a:pPr>
             <a:r>
+              <a:rPr lang="en-US" dirty="0" smtClean="0"/>
+              <a:t> Introduction </a:t>
+            </a:r>
+            <a:r>
               <a:rPr lang="en-US" dirty="0"/>
-              <a:t> </a:t>
-            </a:r>
-            <a:r>
-              <a:rPr lang="en-US" dirty="0" smtClean="0"/>
-              <a:t>Methods for solving 8-Queens Problem</a:t>
+              <a:t>to ROBDD </a:t>
             </a:r>
           </a:p>
           <a:p>
@@ -6021,8 +7519,16 @@
               <a:buChar char="•"/>
             </a:pPr>
             <a:r>
-              <a:rPr lang="en-US" dirty="0"/>
-              <a:t> Introduction to ROBDD</a:t>
+              <a:rPr lang="en-US" dirty="0" smtClean="0"/>
+              <a:t> Methods </a:t>
+            </a:r>
+            <a:r>
+              <a:rPr lang="en-US" dirty="0" smtClean="0"/>
+              <a:t>for solving 8-Queens </a:t>
+            </a:r>
+            <a:r>
+              <a:rPr lang="en-US" dirty="0" smtClean="0"/>
+              <a:t>Problem</a:t>
             </a:r>
             <a:endParaRPr lang="en-US" dirty="0" smtClean="0"/>
           </a:p>
@@ -6067,6 +7573,52 @@
               <a:rPr lang="en-US" dirty="0" smtClean="0"/>
               <a:t>References</a:t>
             </a:r>
+            <a:endParaRPr lang="en-US" dirty="0"/>
+          </a:p>
+        </p:txBody>
+      </p:sp>
+      <p:sp>
+        <p:nvSpPr>
+          <p:cNvPr id="2" name="Footer Placeholder 1"/>
+          <p:cNvSpPr>
+            <a:spLocks noGrp="1"/>
+          </p:cNvSpPr>
+          <p:nvPr>
+            <p:ph type="ftr" sz="quarter" idx="11"/>
+          </p:nvPr>
+        </p:nvSpPr>
+        <p:spPr/>
+        <p:txBody>
+          <a:bodyPr/>
+          <a:lstStyle/>
+          <a:p>
+            <a:r>
+              <a:rPr lang="en-US" smtClean="0"/>
+              <a:t>Sabbir Mahmud Afridi</a:t>
+            </a:r>
+            <a:endParaRPr lang="en-US" dirty="0"/>
+          </a:p>
+        </p:txBody>
+      </p:sp>
+      <p:sp>
+        <p:nvSpPr>
+          <p:cNvPr id="3" name="Slide Number Placeholder 2"/>
+          <p:cNvSpPr>
+            <a:spLocks noGrp="1"/>
+          </p:cNvSpPr>
+          <p:nvPr>
+            <p:ph type="sldNum" sz="quarter" idx="12"/>
+          </p:nvPr>
+        </p:nvSpPr>
+        <p:spPr/>
+        <p:txBody>
+          <a:bodyPr/>
+          <a:lstStyle/>
+          <a:p>
+            <a:fld id="{4FAB73BC-B049-4115-A692-8D63A059BFB8}" type="slidenum">
+              <a:rPr lang="en-US" smtClean="0"/>
+              <a:t>2</a:t>
+            </a:fld>
             <a:endParaRPr lang="en-US" dirty="0"/>
           </a:p>
         </p:txBody>
@@ -6260,7 +7812,7 @@
           <a:graphicData uri="http://schemas.openxmlformats.org/presentationml/2006/ole">
             <mc:AlternateContent xmlns:mc="http://schemas.openxmlformats.org/markup-compatibility/2006">
               <mc:Choice xmlns:v="urn:schemas-microsoft-com:vml" Requires="v">
-                <p:oleObj spid="_x0000_s11290" r:id="rId4" imgW="5447520" imgH="5917320" progId="">
+                <p:oleObj spid="_x0000_s11308" r:id="rId4" imgW="5447520" imgH="5917320" progId="">
                   <p:embed/>
                 </p:oleObj>
               </mc:Choice>
@@ -6317,7 +7869,7 @@
           <a:graphicData uri="http://schemas.openxmlformats.org/presentationml/2006/ole">
             <mc:AlternateContent xmlns:mc="http://schemas.openxmlformats.org/markup-compatibility/2006">
               <mc:Choice xmlns:v="urn:schemas-microsoft-com:vml" Requires="v">
-                <p:oleObj spid="_x0000_s11291" r:id="rId6" imgW="2336400" imgH="5688720" progId="">
+                <p:oleObj spid="_x0000_s11309" r:id="rId6" imgW="2336400" imgH="5688720" progId="">
                   <p:embed/>
                 </p:oleObj>
               </mc:Choice>
@@ -6352,6 +7904,52 @@
           </a:graphicData>
         </a:graphic>
       </p:graphicFrame>
+      <p:sp>
+        <p:nvSpPr>
+          <p:cNvPr id="6" name="Footer Placeholder 5"/>
+          <p:cNvSpPr>
+            <a:spLocks noGrp="1"/>
+          </p:cNvSpPr>
+          <p:nvPr>
+            <p:ph type="ftr" sz="quarter" idx="11"/>
+          </p:nvPr>
+        </p:nvSpPr>
+        <p:spPr/>
+        <p:txBody>
+          <a:bodyPr/>
+          <a:lstStyle/>
+          <a:p>
+            <a:r>
+              <a:rPr lang="en-US" smtClean="0"/>
+              <a:t>Sabbir Mahmud Afridi</a:t>
+            </a:r>
+            <a:endParaRPr lang="en-US" dirty="0"/>
+          </a:p>
+        </p:txBody>
+      </p:sp>
+      <p:sp>
+        <p:nvSpPr>
+          <p:cNvPr id="7" name="Slide Number Placeholder 6"/>
+          <p:cNvSpPr>
+            <a:spLocks noGrp="1"/>
+          </p:cNvSpPr>
+          <p:nvPr>
+            <p:ph type="sldNum" sz="quarter" idx="12"/>
+          </p:nvPr>
+        </p:nvSpPr>
+        <p:spPr/>
+        <p:txBody>
+          <a:bodyPr/>
+          <a:lstStyle/>
+          <a:p>
+            <a:fld id="{4FAB73BC-B049-4115-A692-8D63A059BFB8}" type="slidenum">
+              <a:rPr lang="en-US" smtClean="0"/>
+              <a:t>20</a:t>
+            </a:fld>
+            <a:endParaRPr lang="en-US" dirty="0"/>
+          </a:p>
+        </p:txBody>
+      </p:sp>
     </p:spTree>
     <p:extLst>
       <p:ext uri="{BB962C8B-B14F-4D97-AF65-F5344CB8AC3E}">
@@ -6502,6 +8100,52 @@
               <a:latin typeface="Times New Roman" panose="02020603050405020304" pitchFamily="18" charset="0"/>
               <a:cs typeface="Times New Roman" panose="02020603050405020304" pitchFamily="18" charset="0"/>
             </a:endParaRPr>
+          </a:p>
+        </p:txBody>
+      </p:sp>
+      <p:sp>
+        <p:nvSpPr>
+          <p:cNvPr id="3" name="Footer Placeholder 2"/>
+          <p:cNvSpPr>
+            <a:spLocks noGrp="1"/>
+          </p:cNvSpPr>
+          <p:nvPr>
+            <p:ph type="ftr" sz="quarter" idx="11"/>
+          </p:nvPr>
+        </p:nvSpPr>
+        <p:spPr/>
+        <p:txBody>
+          <a:bodyPr/>
+          <a:lstStyle/>
+          <a:p>
+            <a:r>
+              <a:rPr lang="en-US" smtClean="0"/>
+              <a:t>Sabbir Mahmud Afridi</a:t>
+            </a:r>
+            <a:endParaRPr lang="en-US" dirty="0"/>
+          </a:p>
+        </p:txBody>
+      </p:sp>
+      <p:sp>
+        <p:nvSpPr>
+          <p:cNvPr id="5" name="Slide Number Placeholder 4"/>
+          <p:cNvSpPr>
+            <a:spLocks noGrp="1"/>
+          </p:cNvSpPr>
+          <p:nvPr>
+            <p:ph type="sldNum" sz="quarter" idx="12"/>
+          </p:nvPr>
+        </p:nvSpPr>
+        <p:spPr/>
+        <p:txBody>
+          <a:bodyPr/>
+          <a:lstStyle/>
+          <a:p>
+            <a:fld id="{4FAB73BC-B049-4115-A692-8D63A059BFB8}" type="slidenum">
+              <a:rPr lang="en-US" smtClean="0"/>
+              <a:t>21</a:t>
+            </a:fld>
+            <a:endParaRPr lang="en-US" dirty="0"/>
           </a:p>
         </p:txBody>
       </p:sp>
@@ -6891,6 +8535,52 @@
           </p:sp>
         </mc:Fallback>
       </mc:AlternateContent>
+      <p:sp>
+        <p:nvSpPr>
+          <p:cNvPr id="3" name="Footer Placeholder 2"/>
+          <p:cNvSpPr>
+            <a:spLocks noGrp="1"/>
+          </p:cNvSpPr>
+          <p:nvPr>
+            <p:ph type="ftr" sz="quarter" idx="11"/>
+          </p:nvPr>
+        </p:nvSpPr>
+        <p:spPr/>
+        <p:txBody>
+          <a:bodyPr/>
+          <a:lstStyle/>
+          <a:p>
+            <a:r>
+              <a:rPr lang="en-US" smtClean="0"/>
+              <a:t>Sabbir Mahmud Afridi</a:t>
+            </a:r>
+            <a:endParaRPr lang="en-US" dirty="0"/>
+          </a:p>
+        </p:txBody>
+      </p:sp>
+      <p:sp>
+        <p:nvSpPr>
+          <p:cNvPr id="5" name="Slide Number Placeholder 4"/>
+          <p:cNvSpPr>
+            <a:spLocks noGrp="1"/>
+          </p:cNvSpPr>
+          <p:nvPr>
+            <p:ph type="sldNum" sz="quarter" idx="12"/>
+          </p:nvPr>
+        </p:nvSpPr>
+        <p:spPr/>
+        <p:txBody>
+          <a:bodyPr/>
+          <a:lstStyle/>
+          <a:p>
+            <a:fld id="{4FAB73BC-B049-4115-A692-8D63A059BFB8}" type="slidenum">
+              <a:rPr lang="en-US" smtClean="0"/>
+              <a:t>22</a:t>
+            </a:fld>
+            <a:endParaRPr lang="en-US" dirty="0"/>
+          </a:p>
+        </p:txBody>
+      </p:sp>
     </p:spTree>
     <p:extLst>
       <p:ext uri="{BB962C8B-B14F-4D97-AF65-F5344CB8AC3E}">
@@ -7277,6 +8967,52 @@
           </p:sp>
         </mc:Fallback>
       </mc:AlternateContent>
+      <p:sp>
+        <p:nvSpPr>
+          <p:cNvPr id="3" name="Footer Placeholder 2"/>
+          <p:cNvSpPr>
+            <a:spLocks noGrp="1"/>
+          </p:cNvSpPr>
+          <p:nvPr>
+            <p:ph type="ftr" sz="quarter" idx="11"/>
+          </p:nvPr>
+        </p:nvSpPr>
+        <p:spPr/>
+        <p:txBody>
+          <a:bodyPr/>
+          <a:lstStyle/>
+          <a:p>
+            <a:r>
+              <a:rPr lang="en-US" smtClean="0"/>
+              <a:t>Sabbir Mahmud Afridi</a:t>
+            </a:r>
+            <a:endParaRPr lang="en-US" dirty="0"/>
+          </a:p>
+        </p:txBody>
+      </p:sp>
+      <p:sp>
+        <p:nvSpPr>
+          <p:cNvPr id="5" name="Slide Number Placeholder 4"/>
+          <p:cNvSpPr>
+            <a:spLocks noGrp="1"/>
+          </p:cNvSpPr>
+          <p:nvPr>
+            <p:ph type="sldNum" sz="quarter" idx="12"/>
+          </p:nvPr>
+        </p:nvSpPr>
+        <p:spPr/>
+        <p:txBody>
+          <a:bodyPr/>
+          <a:lstStyle/>
+          <a:p>
+            <a:fld id="{4FAB73BC-B049-4115-A692-8D63A059BFB8}" type="slidenum">
+              <a:rPr lang="en-US" smtClean="0"/>
+              <a:t>23</a:t>
+            </a:fld>
+            <a:endParaRPr lang="en-US" dirty="0"/>
+          </a:p>
+        </p:txBody>
+      </p:sp>
     </p:spTree>
     <p:extLst>
       <p:ext uri="{BB962C8B-B14F-4D97-AF65-F5344CB8AC3E}">
@@ -7511,6 +9247,52 @@
           </a:p>
         </p:txBody>
       </p:sp>
+      <p:sp>
+        <p:nvSpPr>
+          <p:cNvPr id="3" name="Footer Placeholder 2"/>
+          <p:cNvSpPr>
+            <a:spLocks noGrp="1"/>
+          </p:cNvSpPr>
+          <p:nvPr>
+            <p:ph type="ftr" sz="quarter" idx="11"/>
+          </p:nvPr>
+        </p:nvSpPr>
+        <p:spPr/>
+        <p:txBody>
+          <a:bodyPr/>
+          <a:lstStyle/>
+          <a:p>
+            <a:r>
+              <a:rPr lang="en-US" smtClean="0"/>
+              <a:t>Sabbir Mahmud Afridi</a:t>
+            </a:r>
+            <a:endParaRPr lang="en-US" dirty="0"/>
+          </a:p>
+        </p:txBody>
+      </p:sp>
+      <p:sp>
+        <p:nvSpPr>
+          <p:cNvPr id="5" name="Slide Number Placeholder 4"/>
+          <p:cNvSpPr>
+            <a:spLocks noGrp="1"/>
+          </p:cNvSpPr>
+          <p:nvPr>
+            <p:ph type="sldNum" sz="quarter" idx="12"/>
+          </p:nvPr>
+        </p:nvSpPr>
+        <p:spPr/>
+        <p:txBody>
+          <a:bodyPr/>
+          <a:lstStyle/>
+          <a:p>
+            <a:fld id="{4FAB73BC-B049-4115-A692-8D63A059BFB8}" type="slidenum">
+              <a:rPr lang="en-US" smtClean="0"/>
+              <a:t>24</a:t>
+            </a:fld>
+            <a:endParaRPr lang="en-US" dirty="0"/>
+          </a:p>
+        </p:txBody>
+      </p:sp>
     </p:spTree>
     <p:extLst>
       <p:ext uri="{BB962C8B-B14F-4D97-AF65-F5344CB8AC3E}">
@@ -7617,7 +9399,7 @@
           <a:graphicData uri="http://schemas.openxmlformats.org/presentationml/2006/ole">
             <mc:AlternateContent xmlns:mc="http://schemas.openxmlformats.org/markup-compatibility/2006">
               <mc:Choice xmlns:v="urn:schemas-microsoft-com:vml" Requires="v">
-                <p:oleObj spid="_x0000_s12298" r:id="rId3" imgW="12469680" imgH="8164800" progId="">
+                <p:oleObj spid="_x0000_s12307" r:id="rId3" imgW="12469680" imgH="8164800" progId="">
                   <p:embed/>
                 </p:oleObj>
               </mc:Choice>
@@ -7652,6 +9434,52 @@
           </a:graphicData>
         </a:graphic>
       </p:graphicFrame>
+      <p:sp>
+        <p:nvSpPr>
+          <p:cNvPr id="3" name="Footer Placeholder 2"/>
+          <p:cNvSpPr>
+            <a:spLocks noGrp="1"/>
+          </p:cNvSpPr>
+          <p:nvPr>
+            <p:ph type="ftr" sz="quarter" idx="11"/>
+          </p:nvPr>
+        </p:nvSpPr>
+        <p:spPr/>
+        <p:txBody>
+          <a:bodyPr/>
+          <a:lstStyle/>
+          <a:p>
+            <a:r>
+              <a:rPr lang="en-US" smtClean="0"/>
+              <a:t>Sabbir Mahmud Afridi</a:t>
+            </a:r>
+            <a:endParaRPr lang="en-US" dirty="0"/>
+          </a:p>
+        </p:txBody>
+      </p:sp>
+      <p:sp>
+        <p:nvSpPr>
+          <p:cNvPr id="4" name="Slide Number Placeholder 3"/>
+          <p:cNvSpPr>
+            <a:spLocks noGrp="1"/>
+          </p:cNvSpPr>
+          <p:nvPr>
+            <p:ph type="sldNum" sz="quarter" idx="12"/>
+          </p:nvPr>
+        </p:nvSpPr>
+        <p:spPr/>
+        <p:txBody>
+          <a:bodyPr/>
+          <a:lstStyle/>
+          <a:p>
+            <a:fld id="{4FAB73BC-B049-4115-A692-8D63A059BFB8}" type="slidenum">
+              <a:rPr lang="en-US" smtClean="0"/>
+              <a:t>25</a:t>
+            </a:fld>
+            <a:endParaRPr lang="en-US" dirty="0"/>
+          </a:p>
+        </p:txBody>
+      </p:sp>
     </p:spTree>
     <p:extLst>
       <p:ext uri="{BB962C8B-B14F-4D97-AF65-F5344CB8AC3E}">
@@ -7835,6 +9663,52 @@
               <a:rPr lang="en-US" dirty="0"/>
               <a:t>Figure: All 12 8-Queens representative solutions</a:t>
             </a:r>
+          </a:p>
+        </p:txBody>
+      </p:sp>
+      <p:sp>
+        <p:nvSpPr>
+          <p:cNvPr id="5" name="Footer Placeholder 4"/>
+          <p:cNvSpPr>
+            <a:spLocks noGrp="1"/>
+          </p:cNvSpPr>
+          <p:nvPr>
+            <p:ph type="ftr" sz="quarter" idx="11"/>
+          </p:nvPr>
+        </p:nvSpPr>
+        <p:spPr/>
+        <p:txBody>
+          <a:bodyPr/>
+          <a:lstStyle/>
+          <a:p>
+            <a:r>
+              <a:rPr lang="en-US" smtClean="0"/>
+              <a:t>Sabbir Mahmud Afridi</a:t>
+            </a:r>
+            <a:endParaRPr lang="en-US" dirty="0"/>
+          </a:p>
+        </p:txBody>
+      </p:sp>
+      <p:sp>
+        <p:nvSpPr>
+          <p:cNvPr id="7" name="Slide Number Placeholder 6"/>
+          <p:cNvSpPr>
+            <a:spLocks noGrp="1"/>
+          </p:cNvSpPr>
+          <p:nvPr>
+            <p:ph type="sldNum" sz="quarter" idx="12"/>
+          </p:nvPr>
+        </p:nvSpPr>
+        <p:spPr/>
+        <p:txBody>
+          <a:bodyPr/>
+          <a:lstStyle/>
+          <a:p>
+            <a:fld id="{4FAB73BC-B049-4115-A692-8D63A059BFB8}" type="slidenum">
+              <a:rPr lang="en-US" smtClean="0"/>
+              <a:t>26</a:t>
+            </a:fld>
+            <a:endParaRPr lang="en-US" dirty="0"/>
           </a:p>
         </p:txBody>
       </p:sp>
@@ -8026,7 +9900,15 @@
                       <a:pPr algn="ctr"/>
                       <a:r>
                         <a:rPr lang="pt-BR" dirty="0" smtClean="0"/>
-                        <a:t>O(N^(2N))</a:t>
+                        <a:t>O(N</a:t>
+                      </a:r>
+                      <a:r>
+                        <a:rPr lang="pt-BR" smtClean="0"/>
+                        <a:t>^(2N</a:t>
+                      </a:r>
+                      <a:r>
+                        <a:rPr lang="pt-BR" dirty="0" smtClean="0"/>
+                        <a:t>))</a:t>
                       </a:r>
                       <a:endParaRPr lang="en-US" dirty="0">
                         <a:latin typeface="Times New Roman" panose="02020603050405020304" pitchFamily="18" charset="0"/>
@@ -8446,6 +10328,52 @@
           </a:p>
         </p:txBody>
       </p:sp>
+      <p:sp>
+        <p:nvSpPr>
+          <p:cNvPr id="3" name="Footer Placeholder 2"/>
+          <p:cNvSpPr>
+            <a:spLocks noGrp="1"/>
+          </p:cNvSpPr>
+          <p:nvPr>
+            <p:ph type="ftr" sz="quarter" idx="11"/>
+          </p:nvPr>
+        </p:nvSpPr>
+        <p:spPr/>
+        <p:txBody>
+          <a:bodyPr/>
+          <a:lstStyle/>
+          <a:p>
+            <a:r>
+              <a:rPr lang="en-US" smtClean="0"/>
+              <a:t>Sabbir Mahmud Afridi</a:t>
+            </a:r>
+            <a:endParaRPr lang="en-US" dirty="0"/>
+          </a:p>
+        </p:txBody>
+      </p:sp>
+      <p:sp>
+        <p:nvSpPr>
+          <p:cNvPr id="4" name="Slide Number Placeholder 3"/>
+          <p:cNvSpPr>
+            <a:spLocks noGrp="1"/>
+          </p:cNvSpPr>
+          <p:nvPr>
+            <p:ph type="sldNum" sz="quarter" idx="12"/>
+          </p:nvPr>
+        </p:nvSpPr>
+        <p:spPr/>
+        <p:txBody>
+          <a:bodyPr/>
+          <a:lstStyle/>
+          <a:p>
+            <a:fld id="{4FAB73BC-B049-4115-A692-8D63A059BFB8}" type="slidenum">
+              <a:rPr lang="en-US" smtClean="0"/>
+              <a:t>27</a:t>
+            </a:fld>
+            <a:endParaRPr lang="en-US" dirty="0"/>
+          </a:p>
+        </p:txBody>
+      </p:sp>
     </p:spTree>
     <p:extLst>
       <p:ext uri="{BB962C8B-B14F-4D97-AF65-F5344CB8AC3E}">
@@ -8980,6 +10908,52 @@
           </a:p>
         </p:txBody>
       </p:sp>
+      <p:sp>
+        <p:nvSpPr>
+          <p:cNvPr id="4" name="Footer Placeholder 3"/>
+          <p:cNvSpPr>
+            <a:spLocks noGrp="1"/>
+          </p:cNvSpPr>
+          <p:nvPr>
+            <p:ph type="ftr" sz="quarter" idx="11"/>
+          </p:nvPr>
+        </p:nvSpPr>
+        <p:spPr/>
+        <p:txBody>
+          <a:bodyPr/>
+          <a:lstStyle/>
+          <a:p>
+            <a:r>
+              <a:rPr lang="en-US" smtClean="0"/>
+              <a:t>Sabbir Mahmud Afridi</a:t>
+            </a:r>
+            <a:endParaRPr lang="en-US" dirty="0"/>
+          </a:p>
+        </p:txBody>
+      </p:sp>
+      <p:sp>
+        <p:nvSpPr>
+          <p:cNvPr id="6" name="Slide Number Placeholder 5"/>
+          <p:cNvSpPr>
+            <a:spLocks noGrp="1"/>
+          </p:cNvSpPr>
+          <p:nvPr>
+            <p:ph type="sldNum" sz="quarter" idx="12"/>
+          </p:nvPr>
+        </p:nvSpPr>
+        <p:spPr/>
+        <p:txBody>
+          <a:bodyPr/>
+          <a:lstStyle/>
+          <a:p>
+            <a:fld id="{4FAB73BC-B049-4115-A692-8D63A059BFB8}" type="slidenum">
+              <a:rPr lang="en-US" smtClean="0"/>
+              <a:t>28</a:t>
+            </a:fld>
+            <a:endParaRPr lang="en-US" dirty="0"/>
+          </a:p>
+        </p:txBody>
+      </p:sp>
     </p:spTree>
     <p:extLst>
       <p:ext uri="{BB962C8B-B14F-4D97-AF65-F5344CB8AC3E}">
@@ -9085,6 +11059,52 @@
           </a:solidFill>
         </p:spPr>
       </p:pic>
+      <p:sp>
+        <p:nvSpPr>
+          <p:cNvPr id="2" name="Footer Placeholder 1"/>
+          <p:cNvSpPr>
+            <a:spLocks noGrp="1"/>
+          </p:cNvSpPr>
+          <p:nvPr>
+            <p:ph type="ftr" sz="quarter" idx="11"/>
+          </p:nvPr>
+        </p:nvSpPr>
+        <p:spPr/>
+        <p:txBody>
+          <a:bodyPr/>
+          <a:lstStyle/>
+          <a:p>
+            <a:r>
+              <a:rPr lang="en-US" smtClean="0"/>
+              <a:t>Sabbir Mahmud Afridi</a:t>
+            </a:r>
+            <a:endParaRPr lang="en-US" dirty="0"/>
+          </a:p>
+        </p:txBody>
+      </p:sp>
+      <p:sp>
+        <p:nvSpPr>
+          <p:cNvPr id="3" name="Slide Number Placeholder 2"/>
+          <p:cNvSpPr>
+            <a:spLocks noGrp="1"/>
+          </p:cNvSpPr>
+          <p:nvPr>
+            <p:ph type="sldNum" sz="quarter" idx="12"/>
+          </p:nvPr>
+        </p:nvSpPr>
+        <p:spPr/>
+        <p:txBody>
+          <a:bodyPr/>
+          <a:lstStyle/>
+          <a:p>
+            <a:fld id="{867E5644-1E61-4311-A31E-84CB9C7AA8A9}" type="slidenum">
+              <a:rPr lang="en-US" smtClean="0"/>
+              <a:t>29</a:t>
+            </a:fld>
+            <a:endParaRPr lang="en-US" dirty="0"/>
+          </a:p>
+        </p:txBody>
+      </p:sp>
     </p:spTree>
     <p:extLst>
       <p:ext uri="{BB962C8B-B14F-4D97-AF65-F5344CB8AC3E}">
@@ -9202,7 +11222,7 @@
           <a:graphicData uri="http://schemas.openxmlformats.org/presentationml/2006/ole">
             <mc:AlternateContent xmlns:mc="http://schemas.openxmlformats.org/markup-compatibility/2006">
               <mc:Choice xmlns:v="urn:schemas-microsoft-com:vml" Requires="v">
-                <p:oleObj spid="_x0000_s13318" r:id="rId3" imgW="6006240" imgH="6006240" progId="">
+                <p:oleObj spid="_x0000_s13327" r:id="rId3" imgW="6006240" imgH="6006240" progId="">
                   <p:embed/>
                 </p:oleObj>
               </mc:Choice>
@@ -9237,6 +11257,52 @@
           </a:graphicData>
         </a:graphic>
       </p:graphicFrame>
+      <p:sp>
+        <p:nvSpPr>
+          <p:cNvPr id="4" name="Footer Placeholder 3"/>
+          <p:cNvSpPr>
+            <a:spLocks noGrp="1"/>
+          </p:cNvSpPr>
+          <p:nvPr>
+            <p:ph type="ftr" sz="quarter" idx="11"/>
+          </p:nvPr>
+        </p:nvSpPr>
+        <p:spPr/>
+        <p:txBody>
+          <a:bodyPr/>
+          <a:lstStyle/>
+          <a:p>
+            <a:r>
+              <a:rPr lang="en-US" smtClean="0"/>
+              <a:t>Sabbir Mahmud Afridi</a:t>
+            </a:r>
+            <a:endParaRPr lang="en-US" dirty="0"/>
+          </a:p>
+        </p:txBody>
+      </p:sp>
+      <p:sp>
+        <p:nvSpPr>
+          <p:cNvPr id="6" name="Slide Number Placeholder 5"/>
+          <p:cNvSpPr>
+            <a:spLocks noGrp="1"/>
+          </p:cNvSpPr>
+          <p:nvPr>
+            <p:ph type="sldNum" sz="quarter" idx="12"/>
+          </p:nvPr>
+        </p:nvSpPr>
+        <p:spPr/>
+        <p:txBody>
+          <a:bodyPr/>
+          <a:lstStyle/>
+          <a:p>
+            <a:fld id="{4FAB73BC-B049-4115-A692-8D63A059BFB8}" type="slidenum">
+              <a:rPr lang="en-US" smtClean="0"/>
+              <a:t>3</a:t>
+            </a:fld>
+            <a:endParaRPr lang="en-US" dirty="0"/>
+          </a:p>
+        </p:txBody>
+      </p:sp>
     </p:spTree>
     <p:extLst>
       <p:ext uri="{BB962C8B-B14F-4D97-AF65-F5344CB8AC3E}">
@@ -9484,6 +11550,52 @@
           </a:extLst>
         </p:spPr>
       </p:pic>
+      <p:sp>
+        <p:nvSpPr>
+          <p:cNvPr id="4" name="Footer Placeholder 3"/>
+          <p:cNvSpPr>
+            <a:spLocks noGrp="1"/>
+          </p:cNvSpPr>
+          <p:nvPr>
+            <p:ph type="ftr" sz="quarter" idx="11"/>
+          </p:nvPr>
+        </p:nvSpPr>
+        <p:spPr/>
+        <p:txBody>
+          <a:bodyPr/>
+          <a:lstStyle/>
+          <a:p>
+            <a:r>
+              <a:rPr lang="en-US" smtClean="0"/>
+              <a:t>Sabbir Mahmud Afridi</a:t>
+            </a:r>
+            <a:endParaRPr lang="en-US" dirty="0"/>
+          </a:p>
+        </p:txBody>
+      </p:sp>
+      <p:sp>
+        <p:nvSpPr>
+          <p:cNvPr id="5" name="Slide Number Placeholder 4"/>
+          <p:cNvSpPr>
+            <a:spLocks noGrp="1"/>
+          </p:cNvSpPr>
+          <p:nvPr>
+            <p:ph type="sldNum" sz="quarter" idx="12"/>
+          </p:nvPr>
+        </p:nvSpPr>
+        <p:spPr/>
+        <p:txBody>
+          <a:bodyPr/>
+          <a:lstStyle/>
+          <a:p>
+            <a:fld id="{4FAB73BC-B049-4115-A692-8D63A059BFB8}" type="slidenum">
+              <a:rPr lang="en-US" smtClean="0"/>
+              <a:t>4</a:t>
+            </a:fld>
+            <a:endParaRPr lang="en-US" dirty="0"/>
+          </a:p>
+        </p:txBody>
+      </p:sp>
     </p:spTree>
     <p:extLst>
       <p:ext uri="{BB962C8B-B14F-4D97-AF65-F5344CB8AC3E}">
@@ -9540,12 +11652,8 @@
           <a:lstStyle/>
           <a:p>
             <a:r>
-              <a:rPr lang="en-US" dirty="0"/>
-              <a:t>Methods for solving 8-Queens </a:t>
-            </a:r>
-            <a:r>
               <a:rPr lang="en-US" dirty="0" smtClean="0"/>
-              <a:t>Problem</a:t>
+              <a:t>Introduction to ROBDD</a:t>
             </a:r>
             <a:br>
               <a:rPr lang="en-US" dirty="0" smtClean="0"/>
@@ -9556,7 +11664,7 @@
                   <a:srgbClr val="92D050"/>
                 </a:solidFill>
               </a:rPr>
-              <a:t>Method 1: Brute Force Approach</a:t>
+              <a:t>Reduced ordered binary decision Diagram</a:t>
             </a:r>
             <a:endParaRPr lang="en-US" dirty="0">
               <a:solidFill>
@@ -9568,117 +11676,14 @@
       </p:sp>
       <p:sp>
         <p:nvSpPr>
-          <p:cNvPr id="3" name="Content Placeholder 2"/>
-          <p:cNvSpPr>
-            <a:spLocks noGrp="1"/>
-          </p:cNvSpPr>
-          <p:nvPr>
-            <p:ph idx="1"/>
-          </p:nvPr>
+          <p:cNvPr id="3" name="TextBox 2"/>
+          <p:cNvSpPr txBox="1"/>
+          <p:nvPr/>
         </p:nvSpPr>
         <p:spPr>
           <a:xfrm>
-            <a:off x="1024128" y="2286000"/>
-            <a:ext cx="4959983" cy="4023360"/>
-          </a:xfrm>
-        </p:spPr>
-        <p:txBody>
-          <a:bodyPr/>
-          <a:lstStyle/>
-          <a:p>
-            <a:pPr>
-              <a:buFont typeface="Arial" panose="020B0604020202020204" pitchFamily="34" charset="0"/>
-              <a:buChar char="•"/>
-            </a:pPr>
-            <a:r>
-              <a:rPr lang="en-US" dirty="0" smtClean="0"/>
-              <a:t> A </a:t>
-            </a:r>
-            <a:r>
-              <a:rPr lang="en-US" dirty="0"/>
-              <a:t>Straightforward Approach </a:t>
-            </a:r>
-            <a:endParaRPr lang="en-US" dirty="0" smtClean="0"/>
-          </a:p>
-          <a:p>
-            <a:pPr>
-              <a:buFont typeface="Arial" panose="020B0604020202020204" pitchFamily="34" charset="0"/>
-              <a:buChar char="•"/>
-            </a:pPr>
-            <a:r>
-              <a:rPr lang="en-US" dirty="0" smtClean="0"/>
-              <a:t> Tries </a:t>
-            </a:r>
-            <a:r>
-              <a:rPr lang="en-US" dirty="0"/>
-              <a:t>Every Possibilities </a:t>
-            </a:r>
-            <a:endParaRPr lang="en-US" dirty="0" smtClean="0"/>
-          </a:p>
-          <a:p>
-            <a:pPr>
-              <a:buFont typeface="Arial" panose="020B0604020202020204" pitchFamily="34" charset="0"/>
-              <a:buChar char="•"/>
-            </a:pPr>
-            <a:r>
-              <a:rPr lang="en-US" dirty="0" smtClean="0"/>
-              <a:t> Does not consider Advance Techniques</a:t>
-            </a:r>
-            <a:endParaRPr lang="en-US" dirty="0"/>
-          </a:p>
-        </p:txBody>
-      </p:sp>
-      <p:pic>
-        <p:nvPicPr>
-          <p:cNvPr id="3074" name="Picture 2" descr="3 Digits Password Reset Zinc Alloy Combination Padlock Green"/>
-          <p:cNvPicPr>
-            <a:picLocks noChangeAspect="1" noChangeArrowheads="1"/>
-          </p:cNvPicPr>
-          <p:nvPr/>
-        </p:nvPicPr>
-        <p:blipFill>
-          <a:blip r:embed="rId2">
-            <a:extLst>
-              <a:ext uri="{28A0092B-C50C-407E-A947-70E740481C1C}">
-                <a14:useLocalDpi xmlns:a14="http://schemas.microsoft.com/office/drawing/2010/main" val="0"/>
-              </a:ext>
-            </a:extLst>
-          </a:blip>
-          <a:srcRect/>
-          <a:stretch>
-            <a:fillRect/>
-          </a:stretch>
-        </p:blipFill>
-        <p:spPr bwMode="auto">
-          <a:xfrm>
-            <a:off x="6516546" y="2084832"/>
-            <a:ext cx="2891973" cy="2891973"/>
-          </a:xfrm>
-          <a:prstGeom prst="rect">
-            <a:avLst/>
-          </a:prstGeom>
-          <a:noFill/>
-          <a:extLst>
-            <a:ext uri="{909E8E84-426E-40DD-AFC4-6F175D3DCCD1}">
-              <a14:hiddenFill xmlns:a14="http://schemas.microsoft.com/office/drawing/2010/main">
-                <a:solidFill>
-                  <a:srgbClr val="FFFFFF"/>
-                </a:solidFill>
-              </a14:hiddenFill>
-            </a:ext>
-          </a:extLst>
-        </p:spPr>
-      </p:pic>
-      <p:sp>
-        <p:nvSpPr>
-          <p:cNvPr id="4" name="TextBox 3"/>
-          <p:cNvSpPr txBox="1"/>
-          <p:nvPr/>
-        </p:nvSpPr>
-        <p:spPr>
-          <a:xfrm>
-            <a:off x="9525965" y="2084832"/>
-            <a:ext cx="1643605" cy="3139321"/>
+            <a:off x="659423" y="2084832"/>
+            <a:ext cx="10999176" cy="2308324"/>
           </a:xfrm>
           <a:prstGeom prst="rect">
             <a:avLst/>
@@ -9693,69 +11698,131 @@
           <a:p>
             <a:r>
               <a:rPr lang="en-US" dirty="0"/>
-              <a:t>0 0 0 </a:t>
-            </a:r>
-            <a:endParaRPr lang="en-US" dirty="0" smtClean="0"/>
-          </a:p>
-          <a:p>
+              <a:t>ROBDD </a:t>
+            </a:r>
             <a:r>
               <a:rPr lang="en-US" dirty="0" smtClean="0"/>
-              <a:t>0 </a:t>
+              <a:t>is a </a:t>
             </a:r>
             <a:r>
               <a:rPr lang="en-US" dirty="0"/>
-              <a:t>0 1 </a:t>
-            </a:r>
-            <a:endParaRPr lang="en-US" dirty="0" smtClean="0"/>
-          </a:p>
-          <a:p>
+              <a:t>data structure for representing Boolean functions in a compact and efficient way</a:t>
+            </a:r>
             <a:r>
               <a:rPr lang="en-US" dirty="0" smtClean="0"/>
-              <a:t>… </a:t>
-            </a:r>
-          </a:p>
-          <a:p>
-            <a:r>
-              <a:rPr lang="en-US" dirty="0" smtClean="0"/>
-              <a:t>…</a:t>
-            </a:r>
-          </a:p>
-          <a:p>
-            <a:r>
-              <a:rPr lang="en-US" dirty="0" smtClean="0"/>
-              <a:t>9 </a:t>
-            </a:r>
-            <a:r>
-              <a:rPr lang="en-US" dirty="0"/>
-              <a:t>9 8 </a:t>
-            </a:r>
-            <a:endParaRPr lang="en-US" dirty="0" smtClean="0"/>
-          </a:p>
-          <a:p>
-            <a:r>
-              <a:rPr lang="en-US" dirty="0" smtClean="0"/>
-              <a:t>9 </a:t>
-            </a:r>
-            <a:r>
-              <a:rPr lang="en-US" dirty="0"/>
-              <a:t>9 </a:t>
-            </a:r>
-            <a:r>
-              <a:rPr lang="en-US" dirty="0" smtClean="0"/>
-              <a:t>9</a:t>
+              <a:t>.</a:t>
             </a:r>
           </a:p>
           <a:p>
             <a:endParaRPr lang="en-US" dirty="0"/>
           </a:p>
           <a:p>
-            <a:endParaRPr lang="en-US" dirty="0" smtClean="0"/>
-          </a:p>
-          <a:p>
-            <a:r>
-              <a:rPr lang="en-US" dirty="0" smtClean="0"/>
-              <a:t>(Tries Every Possible Combination)</a:t>
-            </a:r>
+            <a:r>
+              <a:rPr lang="en-US" sz="2800" dirty="0" smtClean="0"/>
+              <a:t>A </a:t>
+            </a:r>
+            <a:r>
+              <a:rPr lang="en-US" sz="2800" dirty="0"/>
+              <a:t>BDT is reduced </a:t>
+            </a:r>
+            <a:r>
+              <a:rPr lang="en-US" sz="2800" dirty="0" smtClean="0"/>
+              <a:t>if:</a:t>
+            </a:r>
+          </a:p>
+          <a:p>
+            <a:pPr marL="457200" indent="-457200">
+              <a:buFont typeface="Arial" panose="020B0604020202020204" pitchFamily="34" charset="0"/>
+              <a:buChar char="•"/>
+            </a:pPr>
+            <a:endParaRPr lang="en-US" sz="2000" dirty="0" smtClean="0"/>
+          </a:p>
+          <a:p>
+            <a:pPr marL="457200" indent="-457200">
+              <a:buFont typeface="Arial" panose="020B0604020202020204" pitchFamily="34" charset="0"/>
+              <a:buChar char="•"/>
+            </a:pPr>
+            <a:r>
+              <a:rPr lang="en-US" sz="2000" dirty="0" smtClean="0"/>
+              <a:t>Any </a:t>
+            </a:r>
+            <a:r>
+              <a:rPr lang="en-US" sz="2000" dirty="0"/>
+              <a:t>two identical nodes is merged into one</a:t>
+            </a:r>
+            <a:r>
+              <a:rPr lang="en-US" sz="2000" dirty="0" smtClean="0"/>
+              <a:t>.</a:t>
+            </a:r>
+          </a:p>
+          <a:p>
+            <a:pPr marL="457200" indent="-457200">
+              <a:buFont typeface="Arial" panose="020B0604020202020204" pitchFamily="34" charset="0"/>
+              <a:buChar char="•"/>
+            </a:pPr>
+            <a:r>
+              <a:rPr lang="en-US" sz="2000" dirty="0"/>
+              <a:t>No node ‘u’ exists such that low value (u) = high value (u</a:t>
+            </a:r>
+            <a:r>
+              <a:rPr lang="en-US" sz="2000" dirty="0" smtClean="0"/>
+              <a:t>)  [Node Elimination] </a:t>
+            </a:r>
+          </a:p>
+          <a:p>
+            <a:pPr marL="457200" indent="-457200">
+              <a:buFont typeface="Arial" panose="020B0604020202020204" pitchFamily="34" charset="0"/>
+              <a:buChar char="•"/>
+            </a:pPr>
+            <a:r>
+              <a:rPr lang="en-US" sz="2000" dirty="0"/>
+              <a:t>Removing duplicate Terminal Nodes</a:t>
+            </a:r>
+          </a:p>
+        </p:txBody>
+      </p:sp>
+      <p:sp>
+        <p:nvSpPr>
+          <p:cNvPr id="4" name="Footer Placeholder 3"/>
+          <p:cNvSpPr>
+            <a:spLocks noGrp="1"/>
+          </p:cNvSpPr>
+          <p:nvPr>
+            <p:ph type="ftr" sz="quarter" idx="11"/>
+          </p:nvPr>
+        </p:nvSpPr>
+        <p:spPr/>
+        <p:txBody>
+          <a:bodyPr/>
+          <a:lstStyle/>
+          <a:p>
+            <a:r>
+              <a:rPr lang="en-US" smtClean="0"/>
+              <a:t>Sabbir Mahmud Afridi</a:t>
+            </a:r>
+            <a:endParaRPr lang="en-US" dirty="0"/>
+          </a:p>
+        </p:txBody>
+      </p:sp>
+      <p:sp>
+        <p:nvSpPr>
+          <p:cNvPr id="5" name="Slide Number Placeholder 4"/>
+          <p:cNvSpPr>
+            <a:spLocks noGrp="1"/>
+          </p:cNvSpPr>
+          <p:nvPr>
+            <p:ph type="sldNum" sz="quarter" idx="12"/>
+          </p:nvPr>
+        </p:nvSpPr>
+        <p:spPr/>
+        <p:txBody>
+          <a:bodyPr/>
+          <a:lstStyle/>
+          <a:p>
+            <a:fld id="{4FAB73BC-B049-4115-A692-8D63A059BFB8}" type="slidenum">
+              <a:rPr lang="en-US" smtClean="0"/>
+              <a:t>5</a:t>
+            </a:fld>
             <a:endParaRPr lang="en-US" dirty="0"/>
           </a:p>
         </p:txBody>
@@ -9763,7 +11830,7 @@
     </p:spTree>
     <p:extLst>
       <p:ext uri="{BB962C8B-B14F-4D97-AF65-F5344CB8AC3E}">
-        <p14:creationId xmlns:p14="http://schemas.microsoft.com/office/powerpoint/2010/main" val="3196984203"/>
+        <p14:creationId xmlns:p14="http://schemas.microsoft.com/office/powerpoint/2010/main" val="2501086193"/>
       </p:ext>
     </p:extLst>
   </p:cSld>
@@ -9817,11 +11884,11 @@
           <a:p>
             <a:r>
               <a:rPr lang="en-US" dirty="0"/>
-              <a:t>Methods for solving 8-Queens </a:t>
+              <a:t>ROBDD </a:t>
             </a:r>
             <a:r>
               <a:rPr lang="en-US" dirty="0" smtClean="0"/>
-              <a:t>Problem</a:t>
+              <a:t>Example</a:t>
             </a:r>
             <a:br>
               <a:rPr lang="en-US" dirty="0" smtClean="0"/>
@@ -9832,7 +11899,7 @@
                   <a:srgbClr val="92D050"/>
                 </a:solidFill>
               </a:rPr>
-              <a:t>Method 1: Brute Force Approach (contd.)</a:t>
+              <a:t>Ordered BDT</a:t>
             </a:r>
             <a:endParaRPr lang="en-US" dirty="0">
               <a:solidFill>
@@ -9842,121 +11909,81 @@
           </a:p>
         </p:txBody>
       </p:sp>
-      <p:pic>
-        <p:nvPicPr>
-          <p:cNvPr id="4098" name="Picture 2" descr="https://lichess1.org/export/fen.gif?fen=QQQQQQQQ/8/8/8/8/8/8/8_w_-_-_0_1&amp;color=white"/>
-          <p:cNvPicPr>
-            <a:picLocks noChangeAspect="1" noChangeArrowheads="1"/>
-          </p:cNvPicPr>
-          <p:nvPr/>
-        </p:nvPicPr>
-        <p:blipFill>
-          <a:blip r:embed="rId2">
-            <a:extLst>
-              <a:ext uri="{28A0092B-C50C-407E-A947-70E740481C1C}">
-                <a14:useLocalDpi xmlns:a14="http://schemas.microsoft.com/office/drawing/2010/main" val="0"/>
-              </a:ext>
-            </a:extLst>
-          </a:blip>
-          <a:srcRect/>
-          <a:stretch>
-            <a:fillRect/>
-          </a:stretch>
-        </p:blipFill>
-        <p:spPr bwMode="auto">
-          <a:xfrm>
-            <a:off x="2067607" y="2293175"/>
-            <a:ext cx="3370343" cy="3370343"/>
-          </a:xfrm>
-          <a:prstGeom prst="rect">
-            <a:avLst/>
-          </a:prstGeom>
-          <a:noFill/>
-          <a:extLst>
-            <a:ext uri="{909E8E84-426E-40DD-AFC4-6F175D3DCCD1}">
-              <a14:hiddenFill xmlns:a14="http://schemas.microsoft.com/office/drawing/2010/main">
-                <a:solidFill>
-                  <a:srgbClr val="FFFFFF"/>
-                </a:solidFill>
-              </a14:hiddenFill>
-            </a:ext>
-          </a:extLst>
-        </p:spPr>
-      </p:pic>
-      <p:pic>
-        <p:nvPicPr>
-          <p:cNvPr id="4100" name="Picture 4" descr="https://lichess1.org/export/fen.gif?fen=QQQQQQQ1/Q7/8/8/8/8/8/8_w_-_-_0_1&amp;color=white"/>
-          <p:cNvPicPr>
-            <a:picLocks noChangeAspect="1" noChangeArrowheads="1"/>
-          </p:cNvPicPr>
-          <p:nvPr/>
-        </p:nvPicPr>
-        <p:blipFill>
-          <a:blip r:embed="rId3">
-            <a:extLst>
-              <a:ext uri="{28A0092B-C50C-407E-A947-70E740481C1C}">
-                <a14:useLocalDpi xmlns:a14="http://schemas.microsoft.com/office/drawing/2010/main" val="0"/>
-              </a:ext>
-            </a:extLst>
-          </a:blip>
-          <a:srcRect/>
-          <a:stretch>
-            <a:fillRect/>
-          </a:stretch>
-        </p:blipFill>
-        <p:spPr bwMode="auto">
-          <a:xfrm>
-            <a:off x="6475351" y="2293175"/>
-            <a:ext cx="3370343" cy="3370343"/>
-          </a:xfrm>
-          <a:prstGeom prst="rect">
-            <a:avLst/>
-          </a:prstGeom>
-          <a:noFill/>
-          <a:extLst>
-            <a:ext uri="{909E8E84-426E-40DD-AFC4-6F175D3DCCD1}">
-              <a14:hiddenFill xmlns:a14="http://schemas.microsoft.com/office/drawing/2010/main">
-                <a:solidFill>
-                  <a:srgbClr val="FFFFFF"/>
-                </a:solidFill>
-              </a14:hiddenFill>
-            </a:ext>
-          </a:extLst>
-        </p:spPr>
-      </p:pic>
-      <p:sp>
-        <p:nvSpPr>
-          <p:cNvPr id="6" name="TextBox 5"/>
-          <p:cNvSpPr txBox="1"/>
-          <p:nvPr/>
-        </p:nvSpPr>
-        <p:spPr>
-          <a:xfrm>
-            <a:off x="1951860" y="5663518"/>
-            <a:ext cx="3268322" cy="369332"/>
-          </a:xfrm>
-          <a:prstGeom prst="rect">
-            <a:avLst/>
-          </a:prstGeom>
-          <a:noFill/>
-        </p:spPr>
-        <p:txBody>
-          <a:bodyPr wrap="square" rtlCol="0">
-            <a:spAutoFit/>
-          </a:bodyPr>
-          <a:lstStyle/>
-          <a:p>
-            <a:r>
-              <a:rPr lang="en-US" dirty="0" smtClean="0"/>
-              <a:t>1</a:t>
-            </a:r>
-            <a:r>
-              <a:rPr lang="en-US" baseline="30000" dirty="0" smtClean="0"/>
-              <a:t>st</a:t>
-            </a:r>
-            <a:r>
-              <a:rPr lang="en-US" dirty="0" smtClean="0"/>
-              <a:t> Combination</a:t>
+      <p:graphicFrame>
+        <p:nvGraphicFramePr>
+          <p:cNvPr id="4" name="Object 3"/>
+          <p:cNvGraphicFramePr>
+            <a:graphicFrameLocks noChangeAspect="1"/>
+          </p:cNvGraphicFramePr>
+          <p:nvPr>
+            <p:extLst>
+              <p:ext uri="{D42A27DB-BD31-4B8C-83A1-F6EECF244321}">
+                <p14:modId xmlns:p14="http://schemas.microsoft.com/office/powerpoint/2010/main" val="3169363833"/>
+              </p:ext>
+            </p:extLst>
+          </p:nvPr>
+        </p:nvGraphicFramePr>
+        <p:xfrm>
+          <a:off x="1792871" y="1865236"/>
+          <a:ext cx="8182585" cy="4760624"/>
+        </p:xfrm>
+        <a:graphic>
+          <a:graphicData uri="http://schemas.openxmlformats.org/presentationml/2006/ole">
+            <mc:AlternateContent xmlns:mc="http://schemas.openxmlformats.org/markup-compatibility/2006">
+              <mc:Choice xmlns:v="urn:schemas-microsoft-com:vml" Requires="v">
+                <p:oleObj spid="_x0000_s2077" r:id="rId3" imgW="10780920" imgH="6273000" progId="">
+                  <p:embed/>
+                </p:oleObj>
+              </mc:Choice>
+              <mc:Fallback>
+                <p:oleObj r:id="rId3" imgW="10780920" imgH="6273000" progId="">
+                  <p:embed/>
+                  <p:pic>
+                    <p:nvPicPr>
+                      <p:cNvPr id="0" name=""/>
+                      <p:cNvPicPr/>
+                      <p:nvPr/>
+                    </p:nvPicPr>
+                    <p:blipFill>
+                      <a:blip r:embed="rId4"/>
+                      <a:stretch>
+                        <a:fillRect/>
+                      </a:stretch>
+                    </p:blipFill>
+                    <p:spPr>
+                      <a:xfrm>
+                        <a:off x="1792871" y="1865236"/>
+                        <a:ext cx="8182585" cy="4760624"/>
+                      </a:xfrm>
+                      <a:prstGeom prst="rect">
+                        <a:avLst/>
+                      </a:prstGeom>
+                    </p:spPr>
+                  </p:pic>
+                </p:oleObj>
+              </mc:Fallback>
+            </mc:AlternateContent>
+          </a:graphicData>
+        </a:graphic>
+      </p:graphicFrame>
+      <p:sp>
+        <p:nvSpPr>
+          <p:cNvPr id="3" name="Footer Placeholder 2"/>
+          <p:cNvSpPr>
+            <a:spLocks noGrp="1"/>
+          </p:cNvSpPr>
+          <p:nvPr>
+            <p:ph type="ftr" sz="quarter" idx="11"/>
+          </p:nvPr>
+        </p:nvSpPr>
+        <p:spPr/>
+        <p:txBody>
+          <a:bodyPr/>
+          <a:lstStyle/>
+          <a:p>
+            <a:r>
+              <a:rPr lang="en-US" smtClean="0"/>
+              <a:t>Sabbir Mahmud Afridi</a:t>
             </a:r>
             <a:endParaRPr lang="en-US" dirty="0"/>
           </a:p>
@@ -9964,38 +11991,23 @@
       </p:sp>
       <p:sp>
         <p:nvSpPr>
-          <p:cNvPr id="10" name="TextBox 9"/>
-          <p:cNvSpPr txBox="1"/>
-          <p:nvPr/>
-        </p:nvSpPr>
-        <p:spPr>
-          <a:xfrm>
-            <a:off x="6475351" y="5665958"/>
-            <a:ext cx="3268322" cy="369332"/>
-          </a:xfrm>
-          <a:prstGeom prst="rect">
-            <a:avLst/>
-          </a:prstGeom>
-          <a:noFill/>
-        </p:spPr>
-        <p:txBody>
-          <a:bodyPr wrap="square" rtlCol="0">
-            <a:spAutoFit/>
-          </a:bodyPr>
-          <a:lstStyle/>
-          <a:p>
-            <a:r>
-              <a:rPr lang="en-US" dirty="0" smtClean="0"/>
-              <a:t>2</a:t>
-            </a:r>
-            <a:r>
-              <a:rPr lang="en-US" baseline="30000" dirty="0" smtClean="0"/>
-              <a:t>nd</a:t>
-            </a:r>
-            <a:r>
-              <a:rPr lang="en-US" dirty="0" smtClean="0"/>
-              <a:t> Combination</a:t>
-            </a:r>
+          <p:cNvPr id="5" name="Slide Number Placeholder 4"/>
+          <p:cNvSpPr>
+            <a:spLocks noGrp="1"/>
+          </p:cNvSpPr>
+          <p:nvPr>
+            <p:ph type="sldNum" sz="quarter" idx="12"/>
+          </p:nvPr>
+        </p:nvSpPr>
+        <p:spPr/>
+        <p:txBody>
+          <a:bodyPr/>
+          <a:lstStyle/>
+          <a:p>
+            <a:fld id="{4FAB73BC-B049-4115-A692-8D63A059BFB8}" type="slidenum">
+              <a:rPr lang="en-US" smtClean="0"/>
+              <a:t>6</a:t>
+            </a:fld>
             <a:endParaRPr lang="en-US" dirty="0"/>
           </a:p>
         </p:txBody>
@@ -10003,7 +12015,7 @@
     </p:spTree>
     <p:extLst>
       <p:ext uri="{BB962C8B-B14F-4D97-AF65-F5344CB8AC3E}">
-        <p14:creationId xmlns:p14="http://schemas.microsoft.com/office/powerpoint/2010/main" val="799583456"/>
+        <p14:creationId xmlns:p14="http://schemas.microsoft.com/office/powerpoint/2010/main" val="993836545"/>
       </p:ext>
     </p:extLst>
   </p:cSld>
@@ -10057,11 +12069,11 @@
           <a:p>
             <a:r>
               <a:rPr lang="en-US" dirty="0"/>
-              <a:t>Methods for solving 8-Queens </a:t>
+              <a:t>ROBDD </a:t>
             </a:r>
             <a:r>
               <a:rPr lang="en-US" dirty="0" smtClean="0"/>
-              <a:t>Problem</a:t>
+              <a:t>Example</a:t>
             </a:r>
             <a:br>
               <a:rPr lang="en-US" dirty="0" smtClean="0"/>
@@ -10072,7 +12084,7 @@
                   <a:srgbClr val="92D050"/>
                 </a:solidFill>
               </a:rPr>
-              <a:t>Method 1: Brute Force Approach (contd.)</a:t>
+              <a:t>Ordered BDD (Removing Terminal Nodes)</a:t>
             </a:r>
             <a:endParaRPr lang="en-US" dirty="0">
               <a:solidFill>
@@ -10082,259 +12094,113 @@
           </a:p>
         </p:txBody>
       </p:sp>
-      <p:pic>
-        <p:nvPicPr>
-          <p:cNvPr id="5122" name="Picture 2" descr="GitHub - saamiberk/Eight-Queens-Problem-using-Hill-Climbing-GUI: Solving  and GUI demonstration of Eight-Queens Problem using Hill Climbing"/>
-          <p:cNvPicPr>
-            <a:picLocks noChangeAspect="1" noChangeArrowheads="1"/>
-          </p:cNvPicPr>
-          <p:nvPr/>
-        </p:nvPicPr>
-        <p:blipFill>
-          <a:blip r:embed="rId2">
-            <a:extLst>
-              <a:ext uri="{28A0092B-C50C-407E-A947-70E740481C1C}">
-                <a14:useLocalDpi xmlns:a14="http://schemas.microsoft.com/office/drawing/2010/main" val="0"/>
-              </a:ext>
-            </a:extLst>
-          </a:blip>
-          <a:srcRect/>
-          <a:stretch>
-            <a:fillRect/>
-          </a:stretch>
-        </p:blipFill>
-        <p:spPr bwMode="auto">
-          <a:xfrm>
-            <a:off x="1024128" y="1974289"/>
-            <a:ext cx="5944283" cy="4742979"/>
-          </a:xfrm>
-          <a:prstGeom prst="rect">
-            <a:avLst/>
-          </a:prstGeom>
-          <a:noFill/>
-          <a:extLst>
-            <a:ext uri="{909E8E84-426E-40DD-AFC4-6F175D3DCCD1}">
-              <a14:hiddenFill xmlns:a14="http://schemas.microsoft.com/office/drawing/2010/main">
-                <a:solidFill>
-                  <a:srgbClr val="FFFFFF"/>
-                </a:solidFill>
-              </a14:hiddenFill>
-            </a:ext>
-          </a:extLst>
-        </p:spPr>
-      </p:pic>
-      <mc:AlternateContent xmlns:mc="http://schemas.openxmlformats.org/markup-compatibility/2006">
-        <mc:Choice xmlns:a14="http://schemas.microsoft.com/office/drawing/2010/main" Requires="a14">
-          <p:sp>
-            <p:nvSpPr>
-              <p:cNvPr id="3" name="TextBox 2"/>
-              <p:cNvSpPr txBox="1"/>
-              <p:nvPr/>
-            </p:nvSpPr>
-            <p:spPr>
-              <a:xfrm>
-                <a:off x="7165729" y="3884113"/>
-                <a:ext cx="4932485" cy="948914"/>
-              </a:xfrm>
-              <a:prstGeom prst="rect">
-                <a:avLst/>
-              </a:prstGeom>
-              <a:noFill/>
-            </p:spPr>
-            <p:txBody>
-              <a:bodyPr wrap="square" rtlCol="0">
-                <a:spAutoFit/>
-              </a:bodyPr>
-              <a:lstStyle/>
-              <a:p>
-                <a:r>
-                  <a:rPr lang="en-US" dirty="0" smtClean="0">
-                    <a:latin typeface="Times New Roman" panose="02020603050405020304" pitchFamily="18" charset="0"/>
-                    <a:cs typeface="Times New Roman" panose="02020603050405020304" pitchFamily="18" charset="0"/>
-                  </a:rPr>
-                  <a:t>Which </a:t>
-                </a:r>
-                <a:r>
-                  <a:rPr lang="en-US" dirty="0">
-                    <a:latin typeface="Times New Roman" panose="02020603050405020304" pitchFamily="18" charset="0"/>
-                    <a:cs typeface="Times New Roman" panose="02020603050405020304" pitchFamily="18" charset="0"/>
-                  </a:rPr>
-                  <a:t>considers all </a:t>
-                </a:r>
-                <a:endParaRPr lang="en-US" dirty="0">
-                  <a:latin typeface="Times New Roman" panose="02020603050405020304" pitchFamily="18" charset="0"/>
-                  <a:cs typeface="Times New Roman" panose="02020603050405020304" pitchFamily="18" charset="0"/>
-                </a:endParaRPr>
-              </a:p>
-              <a:p>
-                <a:pPr/>
-                <a14:m>
-                  <m:oMath xmlns:m="http://schemas.openxmlformats.org/officeDocument/2006/math">
-                    <m:sSub>
-                      <m:sSubPr>
-                        <m:ctrlPr>
-                          <a:rPr lang="en-US" b="0" i="1" smtClean="0">
-                            <a:latin typeface="Cambria Math" panose="02040503050406030204" pitchFamily="18" charset="0"/>
-                          </a:rPr>
-                        </m:ctrlPr>
-                      </m:sSubPr>
-                      <m:e>
-                        <m:r>
-                          <a:rPr lang="en-US" b="0" i="1" smtClean="0">
-                            <a:latin typeface="Cambria Math" panose="02040503050406030204" pitchFamily="18" charset="0"/>
-                          </a:rPr>
-                          <m:t>64</m:t>
-                        </m:r>
-                      </m:e>
-                      <m:sub>
-                        <m:sSub>
-                          <m:sSubPr>
-                            <m:ctrlPr>
-                              <a:rPr lang="en-US" b="0" i="1" smtClean="0">
-                                <a:latin typeface="Cambria Math" panose="02040503050406030204" pitchFamily="18" charset="0"/>
-                              </a:rPr>
-                            </m:ctrlPr>
-                          </m:sSubPr>
-                          <m:e>
-                            <m:r>
-                              <a:rPr lang="en-US" b="0" i="1" smtClean="0">
-                                <a:latin typeface="Cambria Math" panose="02040503050406030204" pitchFamily="18" charset="0"/>
-                              </a:rPr>
-                              <m:t>𝑐</m:t>
-                            </m:r>
-                          </m:e>
-                          <m:sub>
-                            <m:r>
-                              <a:rPr lang="en-US" b="0" i="1" smtClean="0">
-                                <a:latin typeface="Cambria Math" panose="02040503050406030204" pitchFamily="18" charset="0"/>
-                              </a:rPr>
-                              <m:t>8</m:t>
-                            </m:r>
-                          </m:sub>
-                        </m:sSub>
-                      </m:sub>
-                    </m:sSub>
-                    <m:r>
-                      <a:rPr lang="en-US" b="0" i="1" smtClean="0">
-                        <a:latin typeface="Cambria Math" panose="02040503050406030204" pitchFamily="18" charset="0"/>
-                      </a:rPr>
-                      <m:t> </m:t>
-                    </m:r>
-                    <m:r>
-                      <a:rPr lang="en-US" b="0" i="1" smtClean="0">
-                        <a:latin typeface="Cambria Math" panose="02040503050406030204" pitchFamily="18" charset="0"/>
-                      </a:rPr>
-                      <m:t>𝐶𝑜𝑚𝑏𝑖𝑛𝑎𝑡𝑖𝑜𝑛𝑠</m:t>
-                    </m:r>
-                    <m:r>
-                      <a:rPr lang="en-US" b="0" i="1" smtClean="0">
-                        <a:latin typeface="Cambria Math" panose="02040503050406030204" pitchFamily="18" charset="0"/>
-                      </a:rPr>
-                      <m:t>,</m:t>
-                    </m:r>
-                    <m:r>
-                      <m:rPr>
-                        <m:nor/>
-                      </m:rPr>
-                      <a:rPr lang="en-US" b="0" i="1" smtClean="0">
-                        <a:latin typeface="Cambria Math" panose="02040503050406030204" pitchFamily="18" charset="0"/>
-                      </a:rPr>
-                      <m:t> </m:t>
-                    </m:r>
-                    <m:r>
-                      <m:rPr>
-                        <m:nor/>
-                      </m:rPr>
-                      <a:rPr lang="en-US">
-                        <a:latin typeface="Times New Roman" panose="02020603050405020304" pitchFamily="18" charset="0"/>
-                        <a:cs typeface="Times New Roman" panose="02020603050405020304" pitchFamily="18" charset="0"/>
-                      </a:rPr>
-                      <m:t>4,426,165,368</m:t>
-                    </m:r>
-                    <m:r>
-                      <m:rPr>
-                        <m:nor/>
-                      </m:rPr>
-                      <a:rPr lang="en-US" b="0" i="0" smtClean="0">
-                        <a:latin typeface="Times New Roman" panose="02020603050405020304" pitchFamily="18" charset="0"/>
-                        <a:cs typeface="Times New Roman" panose="02020603050405020304" pitchFamily="18" charset="0"/>
-                      </a:rPr>
-                      <m:t> </m:t>
-                    </m:r>
-                  </m:oMath>
-                </a14:m>
-                <a:r>
-                  <a:rPr lang="en-US" dirty="0" smtClean="0">
-                    <a:latin typeface="Times New Roman" panose="02020603050405020304" pitchFamily="18" charset="0"/>
-                    <a:cs typeface="Times New Roman" panose="02020603050405020304" pitchFamily="18" charset="0"/>
-                  </a:rPr>
-                  <a:t>possible </a:t>
-                </a:r>
-                <a:r>
-                  <a:rPr lang="en-US" dirty="0">
-                    <a:latin typeface="Times New Roman" panose="02020603050405020304" pitchFamily="18" charset="0"/>
-                    <a:cs typeface="Times New Roman" panose="02020603050405020304" pitchFamily="18" charset="0"/>
-                  </a:rPr>
-                  <a:t>blind placements of eight </a:t>
-                </a:r>
-                <a:r>
-                  <a:rPr lang="en-US" dirty="0" smtClean="0">
-                    <a:latin typeface="Times New Roman" panose="02020603050405020304" pitchFamily="18" charset="0"/>
-                    <a:cs typeface="Times New Roman" panose="02020603050405020304" pitchFamily="18" charset="0"/>
-                  </a:rPr>
-                  <a:t>queens.</a:t>
-                </a:r>
-                <a:endParaRPr lang="en-US" dirty="0">
-                  <a:latin typeface="Times New Roman" panose="02020603050405020304" pitchFamily="18" charset="0"/>
-                  <a:cs typeface="Times New Roman" panose="02020603050405020304" pitchFamily="18" charset="0"/>
-                </a:endParaRPr>
-              </a:p>
-            </p:txBody>
-          </p:sp>
-        </mc:Choice>
-        <mc:Fallback>
-          <p:sp>
-            <p:nvSpPr>
-              <p:cNvPr id="3" name="TextBox 2"/>
-              <p:cNvSpPr txBox="1">
-                <a:spLocks noRot="1" noChangeAspect="1" noMove="1" noResize="1" noEditPoints="1" noAdjustHandles="1" noChangeArrowheads="1" noChangeShapeType="1" noTextEdit="1"/>
-              </p:cNvSpPr>
-              <p:nvPr/>
-            </p:nvSpPr>
-            <p:spPr>
-              <a:xfrm>
-                <a:off x="7165729" y="3884113"/>
-                <a:ext cx="4932485" cy="948914"/>
-              </a:xfrm>
-              <a:prstGeom prst="rect">
-                <a:avLst/>
-              </a:prstGeom>
-              <a:blipFill>
-                <a:blip r:embed="rId3"/>
-                <a:stretch>
-                  <a:fillRect l="-988" t="-3205" r="-1235" b="-8974"/>
-                </a:stretch>
-              </a:blipFill>
-            </p:spPr>
-            <p:txBody>
-              <a:bodyPr/>
-              <a:lstStyle/>
-              <a:p>
-                <a:r>
-                  <a:rPr lang="en-US">
-                    <a:noFill/>
-                  </a:rPr>
-                  <a:t> </a:t>
-                </a:r>
-              </a:p>
-            </p:txBody>
-          </p:sp>
-        </mc:Fallback>
-      </mc:AlternateContent>
+      <p:graphicFrame>
+        <p:nvGraphicFramePr>
+          <p:cNvPr id="3" name="Object 2"/>
+          <p:cNvGraphicFramePr>
+            <a:graphicFrameLocks noChangeAspect="1"/>
+          </p:cNvGraphicFramePr>
+          <p:nvPr>
+            <p:extLst>
+              <p:ext uri="{D42A27DB-BD31-4B8C-83A1-F6EECF244321}">
+                <p14:modId xmlns:p14="http://schemas.microsoft.com/office/powerpoint/2010/main" val="819935320"/>
+              </p:ext>
+            </p:extLst>
+          </p:nvPr>
+        </p:nvGraphicFramePr>
+        <p:xfrm>
+          <a:off x="2550849" y="1811215"/>
+          <a:ext cx="6666629" cy="4822948"/>
+        </p:xfrm>
+        <a:graphic>
+          <a:graphicData uri="http://schemas.openxmlformats.org/presentationml/2006/ole">
+            <mc:AlternateContent xmlns:mc="http://schemas.openxmlformats.org/markup-compatibility/2006">
+              <mc:Choice xmlns:v="urn:schemas-microsoft-com:vml" Requires="v">
+                <p:oleObj spid="_x0000_s3101" r:id="rId3" imgW="8863200" imgH="6412680" progId="">
+                  <p:embed/>
+                </p:oleObj>
+              </mc:Choice>
+              <mc:Fallback>
+                <p:oleObj r:id="rId3" imgW="8863200" imgH="6412680" progId="">
+                  <p:embed/>
+                  <p:pic>
+                    <p:nvPicPr>
+                      <p:cNvPr id="0" name=""/>
+                      <p:cNvPicPr/>
+                      <p:nvPr/>
+                    </p:nvPicPr>
+                    <p:blipFill>
+                      <a:blip r:embed="rId4"/>
+                      <a:stretch>
+                        <a:fillRect/>
+                      </a:stretch>
+                    </p:blipFill>
+                    <p:spPr>
+                      <a:xfrm>
+                        <a:off x="2550849" y="1811215"/>
+                        <a:ext cx="6666629" cy="4822948"/>
+                      </a:xfrm>
+                      <a:prstGeom prst="rect">
+                        <a:avLst/>
+                      </a:prstGeom>
+                    </p:spPr>
+                  </p:pic>
+                </p:oleObj>
+              </mc:Fallback>
+            </mc:AlternateContent>
+          </a:graphicData>
+        </a:graphic>
+      </p:graphicFrame>
+      <p:sp>
+        <p:nvSpPr>
+          <p:cNvPr id="4" name="Footer Placeholder 3"/>
+          <p:cNvSpPr>
+            <a:spLocks noGrp="1"/>
+          </p:cNvSpPr>
+          <p:nvPr>
+            <p:ph type="ftr" sz="quarter" idx="11"/>
+          </p:nvPr>
+        </p:nvSpPr>
+        <p:spPr/>
+        <p:txBody>
+          <a:bodyPr/>
+          <a:lstStyle/>
+          <a:p>
+            <a:r>
+              <a:rPr lang="en-US" smtClean="0"/>
+              <a:t>Sabbir Mahmud Afridi</a:t>
+            </a:r>
+            <a:endParaRPr lang="en-US" dirty="0"/>
+          </a:p>
+        </p:txBody>
+      </p:sp>
+      <p:sp>
+        <p:nvSpPr>
+          <p:cNvPr id="5" name="Slide Number Placeholder 4"/>
+          <p:cNvSpPr>
+            <a:spLocks noGrp="1"/>
+          </p:cNvSpPr>
+          <p:nvPr>
+            <p:ph type="sldNum" sz="quarter" idx="12"/>
+          </p:nvPr>
+        </p:nvSpPr>
+        <p:spPr/>
+        <p:txBody>
+          <a:bodyPr/>
+          <a:lstStyle/>
+          <a:p>
+            <a:fld id="{4FAB73BC-B049-4115-A692-8D63A059BFB8}" type="slidenum">
+              <a:rPr lang="en-US" smtClean="0"/>
+              <a:t>7</a:t>
+            </a:fld>
+            <a:endParaRPr lang="en-US" dirty="0"/>
+          </a:p>
+        </p:txBody>
+      </p:sp>
     </p:spTree>
     <p:extLst>
       <p:ext uri="{BB962C8B-B14F-4D97-AF65-F5344CB8AC3E}">
-        <p14:creationId xmlns:p14="http://schemas.microsoft.com/office/powerpoint/2010/main" val="2610771260"/>
+        <p14:creationId xmlns:p14="http://schemas.microsoft.com/office/powerpoint/2010/main" val="667209301"/>
       </p:ext>
     </p:extLst>
   </p:cSld>
@@ -10388,11 +12254,11 @@
           <a:p>
             <a:r>
               <a:rPr lang="en-US" dirty="0"/>
-              <a:t>Methods for solving 8-Queens </a:t>
+              <a:t>ROBDD </a:t>
             </a:r>
             <a:r>
               <a:rPr lang="en-US" dirty="0" smtClean="0"/>
-              <a:t>Problem</a:t>
+              <a:t>Example</a:t>
             </a:r>
             <a:br>
               <a:rPr lang="en-US" dirty="0" smtClean="0"/>
@@ -10403,7 +12269,7 @@
                   <a:srgbClr val="92D050"/>
                 </a:solidFill>
               </a:rPr>
-              <a:t>Method 2: </a:t>
+              <a:t>Ordered BDD (Removing Redundant </a:t>
             </a:r>
             <a:r>
               <a:rPr lang="en-US" sz="2800" dirty="0" err="1" smtClean="0">
@@ -10411,7 +12277,15 @@
                   <a:srgbClr val="92D050"/>
                 </a:solidFill>
               </a:rPr>
-              <a:t>BackTracking</a:t>
+              <a:t>TeSTS</a:t>
+            </a:r>
+            <a:r>
+              <a:rPr lang="en-US" sz="2800" dirty="0" smtClean="0">
+                <a:solidFill>
+                  <a:srgbClr val="92D050"/>
+                </a:solidFill>
+              </a:rPr>
+              <a:t>)</a:t>
             </a:r>
             <a:endParaRPr lang="en-US" dirty="0">
               <a:solidFill>
@@ -10421,300 +12295,113 @@
           </a:p>
         </p:txBody>
       </p:sp>
-      <p:sp>
-        <p:nvSpPr>
-          <p:cNvPr id="6" name="Rectangle 3"/>
-          <p:cNvSpPr>
-            <a:spLocks noChangeArrowheads="1"/>
-          </p:cNvSpPr>
-          <p:nvPr/>
-        </p:nvSpPr>
-        <p:spPr bwMode="auto">
-          <a:xfrm>
-            <a:off x="1024128" y="2084832"/>
-            <a:ext cx="10067193" cy="1477328"/>
-          </a:xfrm>
-          <a:prstGeom prst="rect">
-            <a:avLst/>
-          </a:prstGeom>
-          <a:noFill/>
-          <a:ln>
-            <a:noFill/>
-          </a:ln>
-          <a:effectLst/>
-          <a:extLst>
-            <a:ext uri="{909E8E84-426E-40DD-AFC4-6F175D3DCCD1}">
-              <a14:hiddenFill xmlns:a14="http://schemas.microsoft.com/office/drawing/2010/main">
-                <a:solidFill>
-                  <a:schemeClr val="accent1"/>
-                </a:solidFill>
-              </a14:hiddenFill>
-            </a:ext>
-            <a:ext uri="{91240B29-F687-4F45-9708-019B960494DF}">
-              <a14:hiddenLine xmlns:a14="http://schemas.microsoft.com/office/drawing/2010/main" w="9525">
-                <a:solidFill>
-                  <a:schemeClr val="tx1"/>
-                </a:solidFill>
-                <a:miter lim="800000"/>
-                <a:headEnd/>
-                <a:tailEnd/>
-              </a14:hiddenLine>
-            </a:ext>
-            <a:ext uri="{AF507438-7753-43E0-B8FC-AC1667EBCBE1}">
-              <a14:hiddenEffects xmlns:a14="http://schemas.microsoft.com/office/drawing/2010/main">
-                <a:effectLst>
-                  <a:outerShdw dist="35921" dir="2700000" algn="ctr" rotWithShape="0">
-                    <a:schemeClr val="bg2"/>
-                  </a:outerShdw>
-                </a:effectLst>
-              </a14:hiddenEffects>
-            </a:ext>
-          </a:extLst>
-        </p:spPr>
-        <p:txBody>
-          <a:bodyPr vert="horz" wrap="square" lIns="91440" tIns="45720" rIns="91440" bIns="45720" numCol="1" anchor="ctr" anchorCtr="0" compatLnSpc="1">
-            <a:prstTxWarp prst="textNoShape">
-              <a:avLst/>
-            </a:prstTxWarp>
-            <a:spAutoFit/>
-          </a:bodyPr>
-          <a:lstStyle/>
-          <a:p>
-            <a:pPr marL="285750" marR="0" lvl="0" indent="-285750" algn="l" defTabSz="914400" rtl="0" eaLnBrk="0" fontAlgn="base" latinLnBrk="0" hangingPunct="0">
-              <a:lnSpc>
-                <a:spcPct val="100000"/>
-              </a:lnSpc>
-              <a:spcBef>
-                <a:spcPct val="0"/>
-              </a:spcBef>
-              <a:spcAft>
-                <a:spcPct val="0"/>
-              </a:spcAft>
-              <a:buClrTx/>
-              <a:buSzTx/>
-              <a:buFont typeface="Arial" panose="020B0604020202020204" pitchFamily="34" charset="0"/>
-              <a:buChar char="•"/>
-              <a:tabLst/>
-            </a:pPr>
-            <a:r>
-              <a:rPr kumimoji="0" lang="en-US" altLang="en-US" sz="1800" b="1" i="0" u="none" strike="noStrike" cap="none" normalizeH="0" baseline="0" dirty="0" smtClean="0">
-                <a:ln>
-                  <a:noFill/>
-                </a:ln>
-                <a:solidFill>
-                  <a:schemeClr val="tx1"/>
-                </a:solidFill>
-                <a:effectLst/>
-                <a:latin typeface="Times New Roman" panose="02020603050405020304" pitchFamily="18" charset="0"/>
-                <a:cs typeface="Times New Roman" panose="02020603050405020304" pitchFamily="18" charset="0"/>
-              </a:rPr>
-              <a:t>Start with an empty chessboard</a:t>
-            </a:r>
-            <a:r>
-              <a:rPr kumimoji="0" lang="en-US" altLang="en-US" sz="1800" b="0" i="0" u="none" strike="noStrike" cap="none" normalizeH="0" baseline="0" dirty="0" smtClean="0">
-                <a:ln>
-                  <a:noFill/>
-                </a:ln>
-                <a:solidFill>
-                  <a:schemeClr val="tx1"/>
-                </a:solidFill>
-                <a:effectLst/>
-                <a:latin typeface="Times New Roman" panose="02020603050405020304" pitchFamily="18" charset="0"/>
-                <a:cs typeface="Times New Roman" panose="02020603050405020304" pitchFamily="18" charset="0"/>
-              </a:rPr>
-              <a:t> and place a queen in the first row.</a:t>
-            </a:r>
-          </a:p>
-          <a:p>
-            <a:pPr marL="285750" marR="0" lvl="0" indent="-285750" algn="l" defTabSz="914400" rtl="0" eaLnBrk="0" fontAlgn="base" latinLnBrk="0" hangingPunct="0">
-              <a:lnSpc>
-                <a:spcPct val="100000"/>
-              </a:lnSpc>
-              <a:spcBef>
-                <a:spcPct val="0"/>
-              </a:spcBef>
-              <a:spcAft>
-                <a:spcPct val="0"/>
-              </a:spcAft>
-              <a:buClrTx/>
-              <a:buSzTx/>
-              <a:buFont typeface="Arial" panose="020B0604020202020204" pitchFamily="34" charset="0"/>
-              <a:buChar char="•"/>
-              <a:tabLst/>
-            </a:pPr>
-            <a:r>
-              <a:rPr kumimoji="0" lang="en-US" altLang="en-US" sz="1800" b="1" i="0" u="none" strike="noStrike" cap="none" normalizeH="0" baseline="0" dirty="0" smtClean="0">
-                <a:ln>
-                  <a:noFill/>
-                </a:ln>
-                <a:solidFill>
-                  <a:schemeClr val="tx1"/>
-                </a:solidFill>
-                <a:effectLst/>
-                <a:latin typeface="Times New Roman" panose="02020603050405020304" pitchFamily="18" charset="0"/>
-                <a:cs typeface="Times New Roman" panose="02020603050405020304" pitchFamily="18" charset="0"/>
-              </a:rPr>
-              <a:t>Move to the next row</a:t>
-            </a:r>
-            <a:r>
-              <a:rPr kumimoji="0" lang="en-US" altLang="en-US" sz="1800" b="0" i="0" u="none" strike="noStrike" cap="none" normalizeH="0" baseline="0" dirty="0" smtClean="0">
-                <a:ln>
-                  <a:noFill/>
-                </a:ln>
-                <a:solidFill>
-                  <a:schemeClr val="tx1"/>
-                </a:solidFill>
-                <a:effectLst/>
-                <a:latin typeface="Times New Roman" panose="02020603050405020304" pitchFamily="18" charset="0"/>
-                <a:cs typeface="Times New Roman" panose="02020603050405020304" pitchFamily="18" charset="0"/>
-              </a:rPr>
-              <a:t> and try placing a queen in each column.</a:t>
-            </a:r>
-          </a:p>
-          <a:p>
-            <a:pPr marL="285750" marR="0" lvl="0" indent="-285750" algn="l" defTabSz="914400" rtl="0" eaLnBrk="0" fontAlgn="base" latinLnBrk="0" hangingPunct="0">
-              <a:lnSpc>
-                <a:spcPct val="100000"/>
-              </a:lnSpc>
-              <a:spcBef>
-                <a:spcPct val="0"/>
-              </a:spcBef>
-              <a:spcAft>
-                <a:spcPct val="0"/>
-              </a:spcAft>
-              <a:buClrTx/>
-              <a:buSzTx/>
-              <a:buFont typeface="Arial" panose="020B0604020202020204" pitchFamily="34" charset="0"/>
-              <a:buChar char="•"/>
-              <a:tabLst/>
-            </a:pPr>
-            <a:r>
-              <a:rPr kumimoji="0" lang="en-US" altLang="en-US" sz="1800" b="1" i="0" u="none" strike="noStrike" cap="none" normalizeH="0" baseline="0" dirty="0" smtClean="0">
-                <a:ln>
-                  <a:noFill/>
-                </a:ln>
-                <a:solidFill>
-                  <a:schemeClr val="tx1"/>
-                </a:solidFill>
-                <a:effectLst/>
-                <a:latin typeface="Times New Roman" panose="02020603050405020304" pitchFamily="18" charset="0"/>
-                <a:cs typeface="Times New Roman" panose="02020603050405020304" pitchFamily="18" charset="0"/>
-              </a:rPr>
-              <a:t>Check for safety</a:t>
-            </a:r>
-            <a:r>
-              <a:rPr kumimoji="0" lang="en-US" altLang="en-US" sz="1800" b="0" i="0" u="none" strike="noStrike" cap="none" normalizeH="0" baseline="0" dirty="0" smtClean="0">
-                <a:ln>
-                  <a:noFill/>
-                </a:ln>
-                <a:solidFill>
-                  <a:schemeClr val="tx1"/>
-                </a:solidFill>
-                <a:effectLst/>
-                <a:latin typeface="Times New Roman" panose="02020603050405020304" pitchFamily="18" charset="0"/>
-                <a:cs typeface="Times New Roman" panose="02020603050405020304" pitchFamily="18" charset="0"/>
-              </a:rPr>
-              <a:t> at each position (no queens in the same column or diagonal).</a:t>
-            </a:r>
-          </a:p>
-          <a:p>
-            <a:pPr marL="285750" marR="0" lvl="0" indent="-285750" algn="l" defTabSz="914400" rtl="0" eaLnBrk="0" fontAlgn="base" latinLnBrk="0" hangingPunct="0">
-              <a:lnSpc>
-                <a:spcPct val="100000"/>
-              </a:lnSpc>
-              <a:spcBef>
-                <a:spcPct val="0"/>
-              </a:spcBef>
-              <a:spcAft>
-                <a:spcPct val="0"/>
-              </a:spcAft>
-              <a:buClrTx/>
-              <a:buSzTx/>
-              <a:buFont typeface="Arial" panose="020B0604020202020204" pitchFamily="34" charset="0"/>
-              <a:buChar char="•"/>
-              <a:tabLst/>
-            </a:pPr>
-            <a:r>
-              <a:rPr kumimoji="0" lang="en-US" altLang="en-US" sz="1800" b="1" i="0" u="none" strike="noStrike" cap="none" normalizeH="0" baseline="0" dirty="0" smtClean="0">
-                <a:ln>
-                  <a:noFill/>
-                </a:ln>
-                <a:solidFill>
-                  <a:schemeClr val="tx1"/>
-                </a:solidFill>
-                <a:effectLst/>
-                <a:latin typeface="Times New Roman" panose="02020603050405020304" pitchFamily="18" charset="0"/>
-                <a:cs typeface="Times New Roman" panose="02020603050405020304" pitchFamily="18" charset="0"/>
-              </a:rPr>
-              <a:t>Backtrack if stuck</a:t>
-            </a:r>
-            <a:r>
-              <a:rPr kumimoji="0" lang="en-US" altLang="en-US" sz="1800" b="0" i="0" u="none" strike="noStrike" cap="none" normalizeH="0" baseline="0" dirty="0" smtClean="0">
-                <a:ln>
-                  <a:noFill/>
-                </a:ln>
-                <a:solidFill>
-                  <a:schemeClr val="tx1"/>
-                </a:solidFill>
-                <a:effectLst/>
-                <a:latin typeface="Times New Roman" panose="02020603050405020304" pitchFamily="18" charset="0"/>
-                <a:cs typeface="Times New Roman" panose="02020603050405020304" pitchFamily="18" charset="0"/>
-              </a:rPr>
-              <a:t> by removing the previous queen and trying the next column.</a:t>
-            </a:r>
-          </a:p>
-          <a:p>
-            <a:pPr marL="285750" marR="0" lvl="0" indent="-285750" algn="l" defTabSz="914400" rtl="0" eaLnBrk="0" fontAlgn="base" latinLnBrk="0" hangingPunct="0">
-              <a:lnSpc>
-                <a:spcPct val="100000"/>
-              </a:lnSpc>
-              <a:spcBef>
-                <a:spcPct val="0"/>
-              </a:spcBef>
-              <a:spcAft>
-                <a:spcPct val="0"/>
-              </a:spcAft>
-              <a:buClrTx/>
-              <a:buSzTx/>
-              <a:buFont typeface="Arial" panose="020B0604020202020204" pitchFamily="34" charset="0"/>
-              <a:buChar char="•"/>
-              <a:tabLst/>
-            </a:pPr>
-            <a:r>
-              <a:rPr kumimoji="0" lang="en-US" altLang="en-US" sz="1800" b="1" i="0" u="none" strike="noStrike" cap="none" normalizeH="0" baseline="0" dirty="0" smtClean="0">
-                <a:ln>
-                  <a:noFill/>
-                </a:ln>
-                <a:solidFill>
-                  <a:schemeClr val="tx1"/>
-                </a:solidFill>
-                <a:effectLst/>
-                <a:latin typeface="Times New Roman" panose="02020603050405020304" pitchFamily="18" charset="0"/>
-                <a:cs typeface="Times New Roman" panose="02020603050405020304" pitchFamily="18" charset="0"/>
-              </a:rPr>
-              <a:t>Repeat until all 8 queens are placed</a:t>
-            </a:r>
-            <a:r>
-              <a:rPr kumimoji="0" lang="en-US" altLang="en-US" sz="1800" b="0" i="0" u="none" strike="noStrike" cap="none" normalizeH="0" baseline="0" dirty="0" smtClean="0">
-                <a:ln>
-                  <a:noFill/>
-                </a:ln>
-                <a:solidFill>
-                  <a:schemeClr val="tx1"/>
-                </a:solidFill>
-                <a:effectLst/>
-                <a:latin typeface="Times New Roman" panose="02020603050405020304" pitchFamily="18" charset="0"/>
-                <a:cs typeface="Times New Roman" panose="02020603050405020304" pitchFamily="18" charset="0"/>
-              </a:rPr>
-              <a:t>, then record the solution and explore other possibilities if needed. </a:t>
-            </a:r>
+      <p:graphicFrame>
+        <p:nvGraphicFramePr>
+          <p:cNvPr id="5" name="Object 4"/>
+          <p:cNvGraphicFramePr>
+            <a:graphicFrameLocks noChangeAspect="1"/>
+          </p:cNvGraphicFramePr>
+          <p:nvPr>
+            <p:extLst>
+              <p:ext uri="{D42A27DB-BD31-4B8C-83A1-F6EECF244321}">
+                <p14:modId xmlns:p14="http://schemas.microsoft.com/office/powerpoint/2010/main" val="947766589"/>
+              </p:ext>
+            </p:extLst>
+          </p:nvPr>
+        </p:nvGraphicFramePr>
+        <p:xfrm>
+          <a:off x="2925111" y="2084832"/>
+          <a:ext cx="5918106" cy="4607048"/>
+        </p:xfrm>
+        <a:graphic>
+          <a:graphicData uri="http://schemas.openxmlformats.org/presentationml/2006/ole">
+            <mc:AlternateContent xmlns:mc="http://schemas.openxmlformats.org/markup-compatibility/2006">
+              <mc:Choice xmlns:v="urn:schemas-microsoft-com:vml" Requires="v">
+                <p:oleObj spid="_x0000_s4124" r:id="rId3" imgW="7682400" imgH="5980680" progId="">
+                  <p:embed/>
+                </p:oleObj>
+              </mc:Choice>
+              <mc:Fallback>
+                <p:oleObj r:id="rId3" imgW="7682400" imgH="5980680" progId="">
+                  <p:embed/>
+                  <p:pic>
+                    <p:nvPicPr>
+                      <p:cNvPr id="0" name=""/>
+                      <p:cNvPicPr/>
+                      <p:nvPr/>
+                    </p:nvPicPr>
+                    <p:blipFill>
+                      <a:blip r:embed="rId4"/>
+                      <a:stretch>
+                        <a:fillRect/>
+                      </a:stretch>
+                    </p:blipFill>
+                    <p:spPr>
+                      <a:xfrm>
+                        <a:off x="2925111" y="2084832"/>
+                        <a:ext cx="5918106" cy="4607048"/>
+                      </a:xfrm>
+                      <a:prstGeom prst="rect">
+                        <a:avLst/>
+                      </a:prstGeom>
+                    </p:spPr>
+                  </p:pic>
+                </p:oleObj>
+              </mc:Fallback>
+            </mc:AlternateContent>
+          </a:graphicData>
+        </a:graphic>
+      </p:graphicFrame>
+      <p:sp>
+        <p:nvSpPr>
+          <p:cNvPr id="3" name="Footer Placeholder 2"/>
+          <p:cNvSpPr>
+            <a:spLocks noGrp="1"/>
+          </p:cNvSpPr>
+          <p:nvPr>
+            <p:ph type="ftr" sz="quarter" idx="11"/>
+          </p:nvPr>
+        </p:nvSpPr>
+        <p:spPr/>
+        <p:txBody>
+          <a:bodyPr/>
+          <a:lstStyle/>
+          <a:p>
+            <a:r>
+              <a:rPr lang="en-US" smtClean="0"/>
+              <a:t>Sabbir Mahmud Afridi</a:t>
+            </a:r>
+            <a:endParaRPr lang="en-US" dirty="0"/>
+          </a:p>
+        </p:txBody>
+      </p:sp>
+      <p:sp>
+        <p:nvSpPr>
+          <p:cNvPr id="4" name="Slide Number Placeholder 3"/>
+          <p:cNvSpPr>
+            <a:spLocks noGrp="1"/>
+          </p:cNvSpPr>
+          <p:nvPr>
+            <p:ph type="sldNum" sz="quarter" idx="12"/>
+          </p:nvPr>
+        </p:nvSpPr>
+        <p:spPr/>
+        <p:txBody>
+          <a:bodyPr/>
+          <a:lstStyle/>
+          <a:p>
+            <a:fld id="{4FAB73BC-B049-4115-A692-8D63A059BFB8}" type="slidenum">
+              <a:rPr lang="en-US" smtClean="0"/>
+              <a:t>8</a:t>
+            </a:fld>
+            <a:endParaRPr lang="en-US" dirty="0"/>
           </a:p>
         </p:txBody>
       </p:sp>
     </p:spTree>
     <p:extLst>
       <p:ext uri="{BB962C8B-B14F-4D97-AF65-F5344CB8AC3E}">
-        <p14:creationId xmlns:p14="http://schemas.microsoft.com/office/powerpoint/2010/main" val="3406521853"/>
+        <p14:creationId xmlns:p14="http://schemas.microsoft.com/office/powerpoint/2010/main" val="2940990987"/>
       </p:ext>
     </p:extLst>
   </p:cSld>
@@ -10768,11 +12455,11 @@
           <a:p>
             <a:r>
               <a:rPr lang="en-US" dirty="0"/>
-              <a:t>Methods for solving 8-Queens </a:t>
+              <a:t>ROBDD </a:t>
             </a:r>
             <a:r>
               <a:rPr lang="en-US" dirty="0" smtClean="0"/>
-              <a:t>Problem</a:t>
+              <a:t>Example</a:t>
             </a:r>
             <a:br>
               <a:rPr lang="en-US" dirty="0" smtClean="0"/>
@@ -10783,23 +12470,7 @@
                   <a:srgbClr val="92D050"/>
                 </a:solidFill>
               </a:rPr>
-              <a:t>Method 2: </a:t>
-            </a:r>
-            <a:r>
-              <a:rPr lang="en-US" sz="2800" dirty="0" err="1" smtClean="0">
-                <a:solidFill>
-                  <a:srgbClr val="92D050"/>
-                </a:solidFill>
-              </a:rPr>
-              <a:t>BackTracking</a:t>
-            </a:r>
-            <a:r>
-              <a:rPr lang="en-US" sz="2800" dirty="0" smtClean="0">
-                <a:solidFill>
-                  <a:srgbClr val="92D050"/>
-                </a:solidFill>
-              </a:rPr>
-              <a:t> (Cont.)</a:t>
+              <a:t>ROBDD</a:t>
             </a:r>
             <a:endParaRPr lang="en-US" dirty="0">
               <a:solidFill>
@@ -10809,51 +12480,113 @@
           </a:p>
         </p:txBody>
       </p:sp>
-      <p:pic>
-        <p:nvPicPr>
-          <p:cNvPr id="1026" name="Picture 2" descr="N-Queens Problem"/>
-          <p:cNvPicPr>
-            <a:picLocks noChangeAspect="1" noChangeArrowheads="1"/>
-          </p:cNvPicPr>
-          <p:nvPr/>
-        </p:nvPicPr>
-        <p:blipFill>
-          <a:blip r:embed="rId2">
-            <a:extLst>
-              <a:ext uri="{28A0092B-C50C-407E-A947-70E740481C1C}">
-                <a14:useLocalDpi xmlns:a14="http://schemas.microsoft.com/office/drawing/2010/main" val="0"/>
-              </a:ext>
-            </a:extLst>
-          </a:blip>
-          <a:srcRect/>
-          <a:stretch>
-            <a:fillRect/>
-          </a:stretch>
-        </p:blipFill>
-        <p:spPr bwMode="auto">
-          <a:xfrm>
-            <a:off x="4357355" y="1979328"/>
-            <a:ext cx="3053617" cy="4772829"/>
-          </a:xfrm>
-          <a:prstGeom prst="rect">
-            <a:avLst/>
-          </a:prstGeom>
-          <a:noFill/>
-          <a:extLst>
-            <a:ext uri="{909E8E84-426E-40DD-AFC4-6F175D3DCCD1}">
-              <a14:hiddenFill xmlns:a14="http://schemas.microsoft.com/office/drawing/2010/main">
-                <a:solidFill>
-                  <a:srgbClr val="FFFFFF"/>
-                </a:solidFill>
-              </a14:hiddenFill>
-            </a:ext>
-          </a:extLst>
-        </p:spPr>
-      </p:pic>
+      <p:graphicFrame>
+        <p:nvGraphicFramePr>
+          <p:cNvPr id="3" name="Object 2"/>
+          <p:cNvGraphicFramePr>
+            <a:graphicFrameLocks noChangeAspect="1"/>
+          </p:cNvGraphicFramePr>
+          <p:nvPr>
+            <p:extLst>
+              <p:ext uri="{D42A27DB-BD31-4B8C-83A1-F6EECF244321}">
+                <p14:modId xmlns:p14="http://schemas.microsoft.com/office/powerpoint/2010/main" val="3615893970"/>
+              </p:ext>
+            </p:extLst>
+          </p:nvPr>
+        </p:nvGraphicFramePr>
+        <p:xfrm>
+          <a:off x="3077464" y="2164760"/>
+          <a:ext cx="5613399" cy="4402117"/>
+        </p:xfrm>
+        <a:graphic>
+          <a:graphicData uri="http://schemas.openxmlformats.org/presentationml/2006/ole">
+            <mc:AlternateContent xmlns:mc="http://schemas.openxmlformats.org/markup-compatibility/2006">
+              <mc:Choice xmlns:v="urn:schemas-microsoft-com:vml" Requires="v">
+                <p:oleObj spid="_x0000_s5148" r:id="rId3" imgW="7644240" imgH="5993640" progId="">
+                  <p:embed/>
+                </p:oleObj>
+              </mc:Choice>
+              <mc:Fallback>
+                <p:oleObj r:id="rId3" imgW="7644240" imgH="5993640" progId="">
+                  <p:embed/>
+                  <p:pic>
+                    <p:nvPicPr>
+                      <p:cNvPr id="0" name=""/>
+                      <p:cNvPicPr/>
+                      <p:nvPr/>
+                    </p:nvPicPr>
+                    <p:blipFill>
+                      <a:blip r:embed="rId4"/>
+                      <a:stretch>
+                        <a:fillRect/>
+                      </a:stretch>
+                    </p:blipFill>
+                    <p:spPr>
+                      <a:xfrm>
+                        <a:off x="3077464" y="2164760"/>
+                        <a:ext cx="5613399" cy="4402117"/>
+                      </a:xfrm>
+                      <a:prstGeom prst="rect">
+                        <a:avLst/>
+                      </a:prstGeom>
+                    </p:spPr>
+                  </p:pic>
+                </p:oleObj>
+              </mc:Fallback>
+            </mc:AlternateContent>
+          </a:graphicData>
+        </a:graphic>
+      </p:graphicFrame>
+      <p:sp>
+        <p:nvSpPr>
+          <p:cNvPr id="4" name="Footer Placeholder 3"/>
+          <p:cNvSpPr>
+            <a:spLocks noGrp="1"/>
+          </p:cNvSpPr>
+          <p:nvPr>
+            <p:ph type="ftr" sz="quarter" idx="11"/>
+          </p:nvPr>
+        </p:nvSpPr>
+        <p:spPr/>
+        <p:txBody>
+          <a:bodyPr/>
+          <a:lstStyle/>
+          <a:p>
+            <a:r>
+              <a:rPr lang="en-US" smtClean="0"/>
+              <a:t>Sabbir Mahmud Afridi</a:t>
+            </a:r>
+            <a:endParaRPr lang="en-US" dirty="0"/>
+          </a:p>
+        </p:txBody>
+      </p:sp>
+      <p:sp>
+        <p:nvSpPr>
+          <p:cNvPr id="5" name="Slide Number Placeholder 4"/>
+          <p:cNvSpPr>
+            <a:spLocks noGrp="1"/>
+          </p:cNvSpPr>
+          <p:nvPr>
+            <p:ph type="sldNum" sz="quarter" idx="12"/>
+          </p:nvPr>
+        </p:nvSpPr>
+        <p:spPr/>
+        <p:txBody>
+          <a:bodyPr/>
+          <a:lstStyle/>
+          <a:p>
+            <a:fld id="{4FAB73BC-B049-4115-A692-8D63A059BFB8}" type="slidenum">
+              <a:rPr lang="en-US" smtClean="0"/>
+              <a:t>9</a:t>
+            </a:fld>
+            <a:endParaRPr lang="en-US" dirty="0"/>
+          </a:p>
+        </p:txBody>
+      </p:sp>
     </p:spTree>
     <p:extLst>
       <p:ext uri="{BB962C8B-B14F-4D97-AF65-F5344CB8AC3E}">
-        <p14:creationId xmlns:p14="http://schemas.microsoft.com/office/powerpoint/2010/main" val="3270931146"/>
+        <p14:creationId xmlns:p14="http://schemas.microsoft.com/office/powerpoint/2010/main" val="1228935566"/>
       </p:ext>
     </p:extLst>
   </p:cSld>
@@ -11139,4 +12872,265 @@
     </a:ext>
   </a:extLst>
 </a:theme>
+</file>
+
+<file path=ppt/theme/theme2.xml><?xml version="1.0" encoding="utf-8"?>
+<a:theme xmlns:a="http://schemas.openxmlformats.org/drawingml/2006/main" name="Office Theme">
+  <a:themeElements>
+    <a:clrScheme name="Office">
+      <a:dk1>
+        <a:sysClr val="windowText" lastClr="000000"/>
+      </a:dk1>
+      <a:lt1>
+        <a:sysClr val="window" lastClr="FFFFFF"/>
+      </a:lt1>
+      <a:dk2>
+        <a:srgbClr val="44546A"/>
+      </a:dk2>
+      <a:lt2>
+        <a:srgbClr val="E7E6E6"/>
+      </a:lt2>
+      <a:accent1>
+        <a:srgbClr val="5B9BD5"/>
+      </a:accent1>
+      <a:accent2>
+        <a:srgbClr val="ED7D31"/>
+      </a:accent2>
+      <a:accent3>
+        <a:srgbClr val="A5A5A5"/>
+      </a:accent3>
+      <a:accent4>
+        <a:srgbClr val="FFC000"/>
+      </a:accent4>
+      <a:accent5>
+        <a:srgbClr val="4472C4"/>
+      </a:accent5>
+      <a:accent6>
+        <a:srgbClr val="70AD47"/>
+      </a:accent6>
+      <a:hlink>
+        <a:srgbClr val="0563C1"/>
+      </a:hlink>
+      <a:folHlink>
+        <a:srgbClr val="954F72"/>
+      </a:folHlink>
+    </a:clrScheme>
+    <a:fontScheme name="Office">
+      <a:majorFont>
+        <a:latin typeface="Calibri Light" panose="020F0302020204030204"/>
+        <a:ea typeface=""/>
+        <a:cs typeface=""/>
+        <a:font script="Jpan" typeface="游ゴシック Light"/>
+        <a:font script="Hang" typeface="맑은 고딕"/>
+        <a:font script="Hans" typeface="等线 Light"/>
+        <a:font script="Hant" typeface="新細明體"/>
+        <a:font script="Arab" typeface="Times New Roman"/>
+        <a:font script="Hebr" typeface="Times New Roman"/>
+        <a:font script="Thai" typeface="Angsana New"/>
+        <a:font script="Ethi" typeface="Nyala"/>
+        <a:font script="Beng" typeface="Vrinda"/>
+        <a:font script="Gujr" typeface="Shruti"/>
+        <a:font script="Khmr" typeface="MoolBoran"/>
+        <a:font script="Knda" typeface="Tunga"/>
+        <a:font script="Guru" typeface="Raavi"/>
+        <a:font script="Cans" typeface="Euphemia"/>
+        <a:font script="Cher" typeface="Plantagenet Cherokee"/>
+        <a:font script="Yiii" typeface="Microsoft Yi Baiti"/>
+        <a:font script="Tibt" typeface="Microsoft Himalaya"/>
+        <a:font script="Thaa" typeface="MV Boli"/>
+        <a:font script="Deva" typeface="Mangal"/>
+        <a:font script="Telu" typeface="Gautami"/>
+        <a:font script="Taml" typeface="Latha"/>
+        <a:font script="Syrc" typeface="Estrangelo Edessa"/>
+        <a:font script="Orya" typeface="Kalinga"/>
+        <a:font script="Mlym" typeface="Kartika"/>
+        <a:font script="Laoo" typeface="DokChampa"/>
+        <a:font script="Sinh" typeface="Iskoola Pota"/>
+        <a:font script="Mong" typeface="Mongolian Baiti"/>
+        <a:font script="Viet" typeface="Times New Roman"/>
+        <a:font script="Uigh" typeface="Microsoft Uighur"/>
+        <a:font script="Geor" typeface="Sylfaen"/>
+      </a:majorFont>
+      <a:minorFont>
+        <a:latin typeface="Calibri" panose="020F0502020204030204"/>
+        <a:ea typeface=""/>
+        <a:cs typeface=""/>
+        <a:font script="Jpan" typeface="游ゴシック"/>
+        <a:font script="Hang" typeface="맑은 고딕"/>
+        <a:font script="Hans" typeface="等线"/>
+        <a:font script="Hant" typeface="新細明體"/>
+        <a:font script="Arab" typeface="Arial"/>
+        <a:font script="Hebr" typeface="Arial"/>
+        <a:font script="Thai" typeface="Cordia New"/>
+        <a:font script="Ethi" typeface="Nyala"/>
+        <a:font script="Beng" typeface="Vrinda"/>
+        <a:font script="Gujr" typeface="Shruti"/>
+        <a:font script="Khmr" typeface="DaunPenh"/>
+        <a:font script="Knda" typeface="Tunga"/>
+        <a:font script="Guru" typeface="Raavi"/>
+        <a:font script="Cans" typeface="Euphemia"/>
+        <a:font script="Cher" typeface="Plantagenet Cherokee"/>
+        <a:font script="Yiii" typeface="Microsoft Yi Baiti"/>
+        <a:font script="Tibt" typeface="Microsoft Himalaya"/>
+        <a:font script="Thaa" typeface="MV Boli"/>
+        <a:font script="Deva" typeface="Mangal"/>
+        <a:font script="Telu" typeface="Gautami"/>
+        <a:font script="Taml" typeface="Latha"/>
+        <a:font script="Syrc" typeface="Estrangelo Edessa"/>
+        <a:font script="Orya" typeface="Kalinga"/>
+        <a:font script="Mlym" typeface="Kartika"/>
+        <a:font script="Laoo" typeface="DokChampa"/>
+        <a:font script="Sinh" typeface="Iskoola Pota"/>
+        <a:font script="Mong" typeface="Mongolian Baiti"/>
+        <a:font script="Viet" typeface="Arial"/>
+        <a:font script="Uigh" typeface="Microsoft Uighur"/>
+        <a:font script="Geor" typeface="Sylfaen"/>
+      </a:minorFont>
+    </a:fontScheme>
+    <a:fmtScheme name="Office">
+      <a:fillStyleLst>
+        <a:solidFill>
+          <a:schemeClr val="phClr"/>
+        </a:solidFill>
+        <a:gradFill rotWithShape="1">
+          <a:gsLst>
+            <a:gs pos="0">
+              <a:schemeClr val="phClr">
+                <a:lumMod val="110000"/>
+                <a:satMod val="105000"/>
+                <a:tint val="67000"/>
+              </a:schemeClr>
+            </a:gs>
+            <a:gs pos="50000">
+              <a:schemeClr val="phClr">
+                <a:lumMod val="105000"/>
+                <a:satMod val="103000"/>
+                <a:tint val="73000"/>
+              </a:schemeClr>
+            </a:gs>
+            <a:gs pos="100000">
+              <a:schemeClr val="phClr">
+                <a:lumMod val="105000"/>
+                <a:satMod val="109000"/>
+                <a:tint val="81000"/>
+              </a:schemeClr>
+            </a:gs>
+          </a:gsLst>
+          <a:lin ang="5400000" scaled="0"/>
+        </a:gradFill>
+        <a:gradFill rotWithShape="1">
+          <a:gsLst>
+            <a:gs pos="0">
+              <a:schemeClr val="phClr">
+                <a:satMod val="103000"/>
+                <a:lumMod val="102000"/>
+                <a:tint val="94000"/>
+              </a:schemeClr>
+            </a:gs>
+            <a:gs pos="50000">
+              <a:schemeClr val="phClr">
+                <a:satMod val="110000"/>
+                <a:lumMod val="100000"/>
+                <a:shade val="100000"/>
+              </a:schemeClr>
+            </a:gs>
+            <a:gs pos="100000">
+              <a:schemeClr val="phClr">
+                <a:lumMod val="99000"/>
+                <a:satMod val="120000"/>
+                <a:shade val="78000"/>
+              </a:schemeClr>
+            </a:gs>
+          </a:gsLst>
+          <a:lin ang="5400000" scaled="0"/>
+        </a:gradFill>
+      </a:fillStyleLst>
+      <a:lnStyleLst>
+        <a:ln w="6350" cap="flat" cmpd="sng" algn="ctr">
+          <a:solidFill>
+            <a:schemeClr val="phClr"/>
+          </a:solidFill>
+          <a:prstDash val="solid"/>
+          <a:miter lim="800000"/>
+        </a:ln>
+        <a:ln w="12700" cap="flat" cmpd="sng" algn="ctr">
+          <a:solidFill>
+            <a:schemeClr val="phClr"/>
+          </a:solidFill>
+          <a:prstDash val="solid"/>
+          <a:miter lim="800000"/>
+        </a:ln>
+        <a:ln w="19050" cap="flat" cmpd="sng" algn="ctr">
+          <a:solidFill>
+            <a:schemeClr val="phClr"/>
+          </a:solidFill>
+          <a:prstDash val="solid"/>
+          <a:miter lim="800000"/>
+        </a:ln>
+      </a:lnStyleLst>
+      <a:effectStyleLst>
+        <a:effectStyle>
+          <a:effectLst/>
+        </a:effectStyle>
+        <a:effectStyle>
+          <a:effectLst/>
+        </a:effectStyle>
+        <a:effectStyle>
+          <a:effectLst>
+            <a:outerShdw blurRad="57150" dist="19050" dir="5400000" algn="ctr" rotWithShape="0">
+              <a:srgbClr val="000000">
+                <a:alpha val="63000"/>
+              </a:srgbClr>
+            </a:outerShdw>
+          </a:effectLst>
+        </a:effectStyle>
+      </a:effectStyleLst>
+      <a:bgFillStyleLst>
+        <a:solidFill>
+          <a:schemeClr val="phClr"/>
+        </a:solidFill>
+        <a:solidFill>
+          <a:schemeClr val="phClr">
+            <a:tint val="95000"/>
+            <a:satMod val="170000"/>
+          </a:schemeClr>
+        </a:solidFill>
+        <a:gradFill rotWithShape="1">
+          <a:gsLst>
+            <a:gs pos="0">
+              <a:schemeClr val="phClr">
+                <a:tint val="93000"/>
+                <a:satMod val="150000"/>
+                <a:shade val="98000"/>
+                <a:lumMod val="102000"/>
+              </a:schemeClr>
+            </a:gs>
+            <a:gs pos="50000">
+              <a:schemeClr val="phClr">
+                <a:tint val="98000"/>
+                <a:satMod val="130000"/>
+                <a:shade val="90000"/>
+                <a:lumMod val="103000"/>
+              </a:schemeClr>
+            </a:gs>
+            <a:gs pos="100000">
+              <a:schemeClr val="phClr">
+                <a:shade val="63000"/>
+                <a:satMod val="120000"/>
+              </a:schemeClr>
+            </a:gs>
+          </a:gsLst>
+          <a:lin ang="5400000" scaled="0"/>
+        </a:gradFill>
+      </a:bgFillStyleLst>
+    </a:fmtScheme>
+  </a:themeElements>
+  <a:objectDefaults/>
+  <a:extraClrSchemeLst/>
+  <a:extLst>
+    <a:ext uri="{05A4C25C-085E-4340-85A3-A5531E510DB2}">
+      <thm15:themeFamily xmlns:thm15="http://schemas.microsoft.com/office/thememl/2012/main" name="Office Theme" id="{62F939B6-93AF-4DB8-9C6B-D6C7DFDC589F}" vid="{4A3C46E8-61CC-4603-A589-7422A47A8E4A}"/>
+    </a:ext>
+  </a:extLst>
+</a:theme>
 </file>